--- a/多媒體_驗證碼解析.pptx
+++ b/多媒體_驗證碼解析.pptx
@@ -20,40 +20,40 @@
     <p:sldId id="273" r:id="rId11"/>
     <p:sldId id="260" r:id="rId12"/>
     <p:sldId id="274" r:id="rId13"/>
-    <p:sldId id="264" r:id="rId14"/>
-    <p:sldId id="265" r:id="rId15"/>
-    <p:sldId id="266" r:id="rId16"/>
-    <p:sldId id="267" r:id="rId17"/>
-    <p:sldId id="268" r:id="rId18"/>
-    <p:sldId id="269" r:id="rId19"/>
+    <p:sldId id="277" r:id="rId14"/>
+    <p:sldId id="269" r:id="rId15"/>
+    <p:sldId id="265" r:id="rId16"/>
+    <p:sldId id="266" r:id="rId17"/>
+    <p:sldId id="267" r:id="rId18"/>
+    <p:sldId id="268" r:id="rId19"/>
     <p:sldId id="270" r:id="rId20"/>
   </p:sldIdLst>
   <p:sldSz cx="9144000" cy="5143500" type="screen16x9"/>
   <p:notesSz cx="6858000" cy="9144000"/>
   <p:embeddedFontLst>
     <p:embeddedFont>
-      <p:font typeface="Microsoft JhengHei" panose="020B0604030504040204" pitchFamily="34" charset="-120"/>
+      <p:font typeface="Bebas Neue" panose="020B0606020202050201" pitchFamily="34" charset="0"/>
       <p:regular r:id="rId22"/>
-      <p:bold r:id="rId23"/>
+    </p:embeddedFont>
+    <p:embeddedFont>
+      <p:font typeface="Karla" pitchFamily="2" charset="0"/>
+      <p:regular r:id="rId23"/>
+      <p:bold r:id="rId24"/>
+      <p:italic r:id="rId25"/>
+      <p:boldItalic r:id="rId26"/>
     </p:embeddedFont>
     <p:embeddedFont>
       <p:font typeface="Microsoft JhengHei" panose="020B0604030504040204" pitchFamily="34" charset="-120"/>
-      <p:regular r:id="rId22"/>
-      <p:bold r:id="rId23"/>
+      <p:regular r:id="rId27"/>
+      <p:bold r:id="rId28"/>
     </p:embeddedFont>
     <p:embeddedFont>
-      <p:font typeface="Bebas Neue" panose="020B0606020202050201" pitchFamily="34" charset="0"/>
-      <p:regular r:id="rId24"/>
+      <p:font typeface="Microsoft JhengHei" panose="020B0604030504040204" pitchFamily="34" charset="-120"/>
+      <p:regular r:id="rId27"/>
+      <p:bold r:id="rId28"/>
     </p:embeddedFont>
     <p:embeddedFont>
-      <p:font typeface="Karla" pitchFamily="2" charset="0"/>
-      <p:regular r:id="rId25"/>
-      <p:bold r:id="rId26"/>
-      <p:italic r:id="rId27"/>
-      <p:boldItalic r:id="rId28"/>
-    </p:embeddedFont>
-    <p:embeddedFont>
-      <p:font typeface="Rubik Black" panose="02020500000000000000" charset="-79"/>
+      <p:font typeface="Rubik Black" panose="020B0604020202020204" charset="-79"/>
       <p:bold r:id="rId29"/>
       <p:boldItalic r:id="rId30"/>
     </p:embeddedFont>
@@ -856,7 +856,7 @@
   <p:cSld>
     <p:spTree>
       <p:nvGrpSpPr>
-        <p:cNvPr id="1" name="Shape 601"/>
+        <p:cNvPr id="1" name="Shape 503"/>
         <p:cNvGrpSpPr/>
         <p:nvPr/>
       </p:nvGrpSpPr>
@@ -870,7 +870,7 @@
       </p:grpSpPr>
       <p:sp>
         <p:nvSpPr>
-          <p:cNvPr id="602" name="Google Shape;602;g2a281b9599c_0_39:notes"/>
+          <p:cNvPr id="504" name="Google Shape;504;g2a27e5bc751_2_959:notes"/>
           <p:cNvSpPr>
             <a:spLocks noGrp="1" noRot="1" noChangeAspect="1"/>
           </p:cNvSpPr>
@@ -880,7 +880,7 @@
         </p:nvSpPr>
         <p:spPr>
           <a:xfrm>
-            <a:off x="381300" y="685800"/>
+            <a:off x="381000" y="685800"/>
             <a:ext cx="6096000" cy="3429000"/>
           </a:xfrm>
           <a:custGeom>
@@ -911,7 +911,7 @@
       </p:sp>
       <p:sp>
         <p:nvSpPr>
-          <p:cNvPr id="603" name="Google Shape;603;g2a281b9599c_0_39:notes"/>
+          <p:cNvPr id="505" name="Google Shape;505;g2a27e5bc751_2_959:notes"/>
           <p:cNvSpPr txBox="1">
             <a:spLocks noGrp="1"/>
           </p:cNvSpPr>
@@ -948,6 +948,11 @@
         </p:txBody>
       </p:sp>
     </p:spTree>
+    <p:extLst>
+      <p:ext uri="{BB962C8B-B14F-4D97-AF65-F5344CB8AC3E}">
+        <p14:creationId xmlns:p14="http://schemas.microsoft.com/office/powerpoint/2010/main" val="2625848664"/>
+      </p:ext>
+    </p:extLst>
   </p:cSld>
   <p:clrMapOvr>
     <a:masterClrMapping/>
@@ -956,6 +961,110 @@
 </file>
 
 <file path=ppt/notesSlides/notesSlide11.xml><?xml version="1.0" encoding="utf-8"?>
+<p:notes xmlns:a="http://schemas.openxmlformats.org/drawingml/2006/main" xmlns:r="http://schemas.openxmlformats.org/officeDocument/2006/relationships" xmlns:p="http://schemas.openxmlformats.org/presentationml/2006/main" showMasterSp="0" showMasterPhAnim="0">
+  <p:cSld>
+    <p:spTree>
+      <p:nvGrpSpPr>
+        <p:cNvPr id="1" name="Shape 675"/>
+        <p:cNvGrpSpPr/>
+        <p:nvPr/>
+      </p:nvGrpSpPr>
+      <p:grpSpPr>
+        <a:xfrm>
+          <a:off x="0" y="0"/>
+          <a:ext cx="0" cy="0"/>
+          <a:chOff x="0" y="0"/>
+          <a:chExt cx="0" cy="0"/>
+        </a:xfrm>
+      </p:grpSpPr>
+      <p:sp>
+        <p:nvSpPr>
+          <p:cNvPr id="676" name="Google Shape;676;g2a27e5bc751_2_452:notes"/>
+          <p:cNvSpPr>
+            <a:spLocks noGrp="1" noRot="1" noChangeAspect="1"/>
+          </p:cNvSpPr>
+          <p:nvPr>
+            <p:ph type="sldImg" idx="2"/>
+          </p:nvPr>
+        </p:nvSpPr>
+        <p:spPr>
+          <a:xfrm>
+            <a:off x="381000" y="685800"/>
+            <a:ext cx="6096000" cy="3429000"/>
+          </a:xfrm>
+          <a:custGeom>
+            <a:avLst/>
+            <a:gdLst/>
+            <a:ahLst/>
+            <a:cxnLst/>
+            <a:rect l="l" t="t" r="r" b="b"/>
+            <a:pathLst>
+              <a:path w="120000" h="120000" extrusionOk="0">
+                <a:moveTo>
+                  <a:pt x="0" y="0"/>
+                </a:moveTo>
+                <a:lnTo>
+                  <a:pt x="120000" y="0"/>
+                </a:lnTo>
+                <a:lnTo>
+                  <a:pt x="120000" y="120000"/>
+                </a:lnTo>
+                <a:lnTo>
+                  <a:pt x="0" y="120000"/>
+                </a:lnTo>
+                <a:close/>
+              </a:path>
+            </a:pathLst>
+          </a:custGeom>
+        </p:spPr>
+      </p:sp>
+      <p:sp>
+        <p:nvSpPr>
+          <p:cNvPr id="677" name="Google Shape;677;g2a27e5bc751_2_452:notes"/>
+          <p:cNvSpPr txBox="1">
+            <a:spLocks noGrp="1"/>
+          </p:cNvSpPr>
+          <p:nvPr>
+            <p:ph type="body" idx="1"/>
+          </p:nvPr>
+        </p:nvSpPr>
+        <p:spPr>
+          <a:xfrm>
+            <a:off x="685800" y="4343400"/>
+            <a:ext cx="5486400" cy="4114800"/>
+          </a:xfrm>
+          <a:prstGeom prst="rect">
+            <a:avLst/>
+          </a:prstGeom>
+        </p:spPr>
+        <p:txBody>
+          <a:bodyPr spcFirstLastPara="1" wrap="square" lIns="91425" tIns="91425" rIns="91425" bIns="91425" anchor="t" anchorCtr="0">
+            <a:noAutofit/>
+          </a:bodyPr>
+          <a:lstStyle/>
+          <a:p>
+            <a:pPr marL="0" lvl="0" indent="0" algn="l" rtl="0">
+              <a:spcBef>
+                <a:spcPts val="0"/>
+              </a:spcBef>
+              <a:spcAft>
+                <a:spcPts val="0"/>
+              </a:spcAft>
+              <a:buNone/>
+            </a:pPr>
+            <a:endParaRPr/>
+          </a:p>
+        </p:txBody>
+      </p:sp>
+    </p:spTree>
+  </p:cSld>
+  <p:clrMapOvr>
+    <a:masterClrMapping/>
+  </p:clrMapOvr>
+</p:notes>
+</file>
+
+<file path=ppt/notesSlides/notesSlide12.xml><?xml version="1.0" encoding="utf-8"?>
 <p:notes xmlns:a="http://schemas.openxmlformats.org/drawingml/2006/main" xmlns:r="http://schemas.openxmlformats.org/officeDocument/2006/relationships" xmlns:p="http://schemas.openxmlformats.org/presentationml/2006/main" showMasterSp="0" showMasterPhAnim="0">
   <p:cSld>
     <p:spTree>
@@ -1059,7 +1168,7 @@
 </p:notes>
 </file>
 
-<file path=ppt/notesSlides/notesSlide12.xml><?xml version="1.0" encoding="utf-8"?>
+<file path=ppt/notesSlides/notesSlide13.xml><?xml version="1.0" encoding="utf-8"?>
 <p:notes xmlns:a="http://schemas.openxmlformats.org/drawingml/2006/main" xmlns:r="http://schemas.openxmlformats.org/officeDocument/2006/relationships" xmlns:p="http://schemas.openxmlformats.org/presentationml/2006/main" showMasterSp="0" showMasterPhAnim="0">
   <p:cSld>
     <p:spTree>
@@ -1163,7 +1272,7 @@
 </p:notes>
 </file>
 
-<file path=ppt/notesSlides/notesSlide13.xml><?xml version="1.0" encoding="utf-8"?>
+<file path=ppt/notesSlides/notesSlide14.xml><?xml version="1.0" encoding="utf-8"?>
 <p:notes xmlns:a="http://schemas.openxmlformats.org/drawingml/2006/main" xmlns:r="http://schemas.openxmlformats.org/officeDocument/2006/relationships" xmlns:p="http://schemas.openxmlformats.org/presentationml/2006/main" showMasterSp="0" showMasterPhAnim="0">
   <p:cSld>
     <p:spTree>
@@ -1267,7 +1376,7 @@
 </p:notes>
 </file>
 
-<file path=ppt/notesSlides/notesSlide14.xml><?xml version="1.0" encoding="utf-8"?>
+<file path=ppt/notesSlides/notesSlide15.xml><?xml version="1.0" encoding="utf-8"?>
 <p:notes xmlns:a="http://schemas.openxmlformats.org/drawingml/2006/main" xmlns:r="http://schemas.openxmlformats.org/officeDocument/2006/relationships" xmlns:p="http://schemas.openxmlformats.org/presentationml/2006/main" showMasterSp="0" showMasterPhAnim="0">
   <p:cSld>
     <p:spTree>
@@ -1328,110 +1437,6 @@
       <p:sp>
         <p:nvSpPr>
           <p:cNvPr id="660" name="Google Shape;660;g2a281b9599c_0_53:notes"/>
-          <p:cNvSpPr txBox="1">
-            <a:spLocks noGrp="1"/>
-          </p:cNvSpPr>
-          <p:nvPr>
-            <p:ph type="body" idx="1"/>
-          </p:nvPr>
-        </p:nvSpPr>
-        <p:spPr>
-          <a:xfrm>
-            <a:off x="685800" y="4343400"/>
-            <a:ext cx="5486400" cy="4114800"/>
-          </a:xfrm>
-          <a:prstGeom prst="rect">
-            <a:avLst/>
-          </a:prstGeom>
-        </p:spPr>
-        <p:txBody>
-          <a:bodyPr spcFirstLastPara="1" wrap="square" lIns="91425" tIns="91425" rIns="91425" bIns="91425" anchor="t" anchorCtr="0">
-            <a:noAutofit/>
-          </a:bodyPr>
-          <a:lstStyle/>
-          <a:p>
-            <a:pPr marL="0" lvl="0" indent="0" algn="l" rtl="0">
-              <a:spcBef>
-                <a:spcPts val="0"/>
-              </a:spcBef>
-              <a:spcAft>
-                <a:spcPts val="0"/>
-              </a:spcAft>
-              <a:buNone/>
-            </a:pPr>
-            <a:endParaRPr/>
-          </a:p>
-        </p:txBody>
-      </p:sp>
-    </p:spTree>
-  </p:cSld>
-  <p:clrMapOvr>
-    <a:masterClrMapping/>
-  </p:clrMapOvr>
-</p:notes>
-</file>
-
-<file path=ppt/notesSlides/notesSlide15.xml><?xml version="1.0" encoding="utf-8"?>
-<p:notes xmlns:a="http://schemas.openxmlformats.org/drawingml/2006/main" xmlns:r="http://schemas.openxmlformats.org/officeDocument/2006/relationships" xmlns:p="http://schemas.openxmlformats.org/presentationml/2006/main" showMasterSp="0" showMasterPhAnim="0">
-  <p:cSld>
-    <p:spTree>
-      <p:nvGrpSpPr>
-        <p:cNvPr id="1" name="Shape 675"/>
-        <p:cNvGrpSpPr/>
-        <p:nvPr/>
-      </p:nvGrpSpPr>
-      <p:grpSpPr>
-        <a:xfrm>
-          <a:off x="0" y="0"/>
-          <a:ext cx="0" cy="0"/>
-          <a:chOff x="0" y="0"/>
-          <a:chExt cx="0" cy="0"/>
-        </a:xfrm>
-      </p:grpSpPr>
-      <p:sp>
-        <p:nvSpPr>
-          <p:cNvPr id="676" name="Google Shape;676;g2a27e5bc751_2_452:notes"/>
-          <p:cNvSpPr>
-            <a:spLocks noGrp="1" noRot="1" noChangeAspect="1"/>
-          </p:cNvSpPr>
-          <p:nvPr>
-            <p:ph type="sldImg" idx="2"/>
-          </p:nvPr>
-        </p:nvSpPr>
-        <p:spPr>
-          <a:xfrm>
-            <a:off x="381000" y="685800"/>
-            <a:ext cx="6096000" cy="3429000"/>
-          </a:xfrm>
-          <a:custGeom>
-            <a:avLst/>
-            <a:gdLst/>
-            <a:ahLst/>
-            <a:cxnLst/>
-            <a:rect l="l" t="t" r="r" b="b"/>
-            <a:pathLst>
-              <a:path w="120000" h="120000" extrusionOk="0">
-                <a:moveTo>
-                  <a:pt x="0" y="0"/>
-                </a:moveTo>
-                <a:lnTo>
-                  <a:pt x="120000" y="0"/>
-                </a:lnTo>
-                <a:lnTo>
-                  <a:pt x="120000" y="120000"/>
-                </a:lnTo>
-                <a:lnTo>
-                  <a:pt x="0" y="120000"/>
-                </a:lnTo>
-                <a:close/>
-              </a:path>
-            </a:pathLst>
-          </a:custGeom>
-        </p:spPr>
-      </p:sp>
-      <p:sp>
-        <p:nvSpPr>
-          <p:cNvPr id="677" name="Google Shape;677;g2a27e5bc751_2_452:notes"/>
           <p:cNvSpPr txBox="1">
             <a:spLocks noGrp="1"/>
           </p:cNvSpPr>
@@ -37792,7 +37797,7 @@
   <p:cSld>
     <p:spTree>
       <p:nvGrpSpPr>
-        <p:cNvPr id="1" name="Shape 604"/>
+        <p:cNvPr id="1" name="Shape 506"/>
         <p:cNvGrpSpPr/>
         <p:nvPr/>
       </p:nvGrpSpPr>
@@ -37806,13 +37811,764 @@
       </p:grpSpPr>
       <p:sp>
         <p:nvSpPr>
-          <p:cNvPr id="605" name="Google Shape;605;p46"/>
+          <p:cNvPr id="507" name="Google Shape;507;p39"/>
+          <p:cNvSpPr txBox="1">
+            <a:spLocks noGrp="1"/>
+          </p:cNvSpPr>
+          <p:nvPr>
+            <p:ph type="title"/>
+          </p:nvPr>
+        </p:nvSpPr>
+        <p:spPr>
+          <a:xfrm>
+            <a:off x="1828800" y="1307100"/>
+            <a:ext cx="5486400" cy="2743200"/>
+          </a:xfrm>
+          <a:prstGeom prst="rect">
+            <a:avLst/>
+          </a:prstGeom>
+        </p:spPr>
+        <p:txBody>
+          <a:bodyPr spcFirstLastPara="1" wrap="square" lIns="91425" tIns="91425" rIns="91425" bIns="91425" anchor="ctr" anchorCtr="0">
+            <a:noAutofit/>
+          </a:bodyPr>
+          <a:lstStyle/>
+          <a:p>
+            <a:pPr marL="0" lvl="0" indent="0" algn="ctr" rtl="0">
+              <a:spcBef>
+                <a:spcPts val="0"/>
+              </a:spcBef>
+              <a:spcAft>
+                <a:spcPts val="0"/>
+              </a:spcAft>
+              <a:buNone/>
+            </a:pPr>
+            <a:r>
+              <a:rPr lang="zh-TW" altLang="en-US" sz="4000" b="1" dirty="0">
+                <a:latin typeface="Arial"/>
+                <a:ea typeface="Arial"/>
+                <a:cs typeface="Arial"/>
+                <a:sym typeface="Arial"/>
+              </a:rPr>
+              <a:t>生成圖形驗證碼</a:t>
+            </a:r>
+            <a:endParaRPr sz="4000" b="1" dirty="0">
+              <a:latin typeface="Arial"/>
+              <a:ea typeface="Arial"/>
+              <a:cs typeface="Arial"/>
+              <a:sym typeface="Arial"/>
+            </a:endParaRPr>
+          </a:p>
+        </p:txBody>
+      </p:sp>
+      <p:grpSp>
+        <p:nvGrpSpPr>
+          <p:cNvPr id="508" name="Google Shape;508;p39"/>
+          <p:cNvGrpSpPr/>
+          <p:nvPr/>
+        </p:nvGrpSpPr>
+        <p:grpSpPr>
+          <a:xfrm>
+            <a:off x="463700" y="3419112"/>
+            <a:ext cx="502800" cy="502800"/>
+            <a:chOff x="7014301" y="2017350"/>
+            <a:chExt cx="502800" cy="502800"/>
+          </a:xfrm>
+        </p:grpSpPr>
+        <p:sp>
+          <p:nvSpPr>
+            <p:cNvPr id="509" name="Google Shape;509;p39"/>
+            <p:cNvSpPr/>
+            <p:nvPr/>
+          </p:nvSpPr>
+          <p:spPr>
+            <a:xfrm>
+              <a:off x="7014301" y="2017350"/>
+              <a:ext cx="502800" cy="502800"/>
+            </a:xfrm>
+            <a:prstGeom prst="roundRect">
+              <a:avLst>
+                <a:gd name="adj" fmla="val 15109"/>
+              </a:avLst>
+            </a:prstGeom>
+            <a:solidFill>
+              <a:schemeClr val="accent1"/>
+            </a:solidFill>
+            <a:ln w="28575" cap="flat" cmpd="sng">
+              <a:solidFill>
+                <a:schemeClr val="dk1"/>
+              </a:solidFill>
+              <a:prstDash val="solid"/>
+              <a:round/>
+              <a:headEnd type="none" w="sm" len="sm"/>
+              <a:tailEnd type="none" w="sm" len="sm"/>
+            </a:ln>
+          </p:spPr>
+          <p:txBody>
+            <a:bodyPr spcFirstLastPara="1" wrap="square" lIns="91425" tIns="91425" rIns="91425" bIns="91425" anchor="ctr" anchorCtr="0">
+              <a:noAutofit/>
+            </a:bodyPr>
+            <a:lstStyle/>
+            <a:p>
+              <a:pPr marL="0" lvl="0" indent="0" algn="l" rtl="0">
+                <a:spcBef>
+                  <a:spcPts val="0"/>
+                </a:spcBef>
+                <a:spcAft>
+                  <a:spcPts val="0"/>
+                </a:spcAft>
+                <a:buNone/>
+              </a:pPr>
+              <a:endParaRPr/>
+            </a:p>
+          </p:txBody>
+        </p:sp>
+        <p:sp>
+          <p:nvSpPr>
+            <p:cNvPr id="510" name="Google Shape;510;p39"/>
+            <p:cNvSpPr/>
+            <p:nvPr/>
+          </p:nvSpPr>
+          <p:spPr>
+            <a:xfrm>
+              <a:off x="7095012" y="2108734"/>
+              <a:ext cx="341378" cy="320032"/>
+            </a:xfrm>
+            <a:custGeom>
+              <a:avLst/>
+              <a:gdLst/>
+              <a:ahLst/>
+              <a:cxnLst/>
+              <a:rect l="l" t="t" r="r" b="b"/>
+              <a:pathLst>
+                <a:path w="10634" h="9925" extrusionOk="0">
+                  <a:moveTo>
+                    <a:pt x="5308" y="0"/>
+                  </a:moveTo>
+                  <a:cubicBezTo>
+                    <a:pt x="5171" y="0"/>
+                    <a:pt x="5037" y="73"/>
+                    <a:pt x="4976" y="220"/>
+                  </a:cubicBezTo>
+                  <a:lnTo>
+                    <a:pt x="3659" y="2878"/>
+                  </a:lnTo>
+                  <a:cubicBezTo>
+                    <a:pt x="3585" y="3000"/>
+                    <a:pt x="3488" y="3073"/>
+                    <a:pt x="3366" y="3073"/>
+                  </a:cubicBezTo>
+                  <a:lnTo>
+                    <a:pt x="415" y="3512"/>
+                  </a:lnTo>
+                  <a:cubicBezTo>
+                    <a:pt x="122" y="3561"/>
+                    <a:pt x="0" y="3927"/>
+                    <a:pt x="220" y="4147"/>
+                  </a:cubicBezTo>
+                  <a:lnTo>
+                    <a:pt x="2341" y="6220"/>
+                  </a:lnTo>
+                  <a:cubicBezTo>
+                    <a:pt x="2439" y="6317"/>
+                    <a:pt x="2488" y="6439"/>
+                    <a:pt x="2463" y="6561"/>
+                  </a:cubicBezTo>
+                  <a:lnTo>
+                    <a:pt x="1951" y="9488"/>
+                  </a:lnTo>
+                  <a:cubicBezTo>
+                    <a:pt x="1913" y="9736"/>
+                    <a:pt x="2099" y="9924"/>
+                    <a:pt x="2322" y="9924"/>
+                  </a:cubicBezTo>
+                  <a:cubicBezTo>
+                    <a:pt x="2384" y="9924"/>
+                    <a:pt x="2449" y="9910"/>
+                    <a:pt x="2512" y="9878"/>
+                  </a:cubicBezTo>
+                  <a:lnTo>
+                    <a:pt x="5122" y="8512"/>
+                  </a:lnTo>
+                  <a:cubicBezTo>
+                    <a:pt x="5183" y="8476"/>
+                    <a:pt x="5244" y="8457"/>
+                    <a:pt x="5305" y="8457"/>
+                  </a:cubicBezTo>
+                  <a:cubicBezTo>
+                    <a:pt x="5366" y="8457"/>
+                    <a:pt x="5427" y="8476"/>
+                    <a:pt x="5488" y="8512"/>
+                  </a:cubicBezTo>
+                  <a:lnTo>
+                    <a:pt x="8122" y="9878"/>
+                  </a:lnTo>
+                  <a:cubicBezTo>
+                    <a:pt x="8180" y="9910"/>
+                    <a:pt x="8241" y="9924"/>
+                    <a:pt x="8299" y="9924"/>
+                  </a:cubicBezTo>
+                  <a:cubicBezTo>
+                    <a:pt x="8511" y="9924"/>
+                    <a:pt x="8697" y="9736"/>
+                    <a:pt x="8658" y="9488"/>
+                  </a:cubicBezTo>
+                  <a:lnTo>
+                    <a:pt x="8146" y="6561"/>
+                  </a:lnTo>
+                  <a:cubicBezTo>
+                    <a:pt x="8122" y="6439"/>
+                    <a:pt x="8171" y="6317"/>
+                    <a:pt x="8268" y="6220"/>
+                  </a:cubicBezTo>
+                  <a:lnTo>
+                    <a:pt x="10390" y="4147"/>
+                  </a:lnTo>
+                  <a:cubicBezTo>
+                    <a:pt x="10634" y="3927"/>
+                    <a:pt x="10488" y="3561"/>
+                    <a:pt x="10195" y="3512"/>
+                  </a:cubicBezTo>
+                  <a:lnTo>
+                    <a:pt x="7244" y="3098"/>
+                  </a:lnTo>
+                  <a:cubicBezTo>
+                    <a:pt x="7122" y="3073"/>
+                    <a:pt x="7024" y="3000"/>
+                    <a:pt x="6976" y="2878"/>
+                  </a:cubicBezTo>
+                  <a:lnTo>
+                    <a:pt x="5658" y="220"/>
+                  </a:lnTo>
+                  <a:cubicBezTo>
+                    <a:pt x="5585" y="73"/>
+                    <a:pt x="5445" y="0"/>
+                    <a:pt x="5308" y="0"/>
+                  </a:cubicBezTo>
+                  <a:close/>
+                </a:path>
+              </a:pathLst>
+            </a:custGeom>
+            <a:solidFill>
+              <a:schemeClr val="accent3"/>
+            </a:solidFill>
+            <a:ln w="28575" cap="flat" cmpd="sng">
+              <a:solidFill>
+                <a:schemeClr val="dk1"/>
+              </a:solidFill>
+              <a:prstDash val="solid"/>
+              <a:round/>
+              <a:headEnd type="none" w="sm" len="sm"/>
+              <a:tailEnd type="none" w="sm" len="sm"/>
+            </a:ln>
+          </p:spPr>
+          <p:txBody>
+            <a:bodyPr spcFirstLastPara="1" wrap="square" lIns="91425" tIns="91425" rIns="91425" bIns="91425" anchor="ctr" anchorCtr="0">
+              <a:noAutofit/>
+            </a:bodyPr>
+            <a:lstStyle/>
+            <a:p>
+              <a:pPr marL="0" lvl="0" indent="0" algn="l" rtl="0">
+                <a:spcBef>
+                  <a:spcPts val="0"/>
+                </a:spcBef>
+                <a:spcAft>
+                  <a:spcPts val="0"/>
+                </a:spcAft>
+                <a:buNone/>
+              </a:pPr>
+              <a:endParaRPr/>
+            </a:p>
+          </p:txBody>
+        </p:sp>
+      </p:grpSp>
+      <p:grpSp>
+        <p:nvGrpSpPr>
+          <p:cNvPr id="511" name="Google Shape;511;p39"/>
+          <p:cNvGrpSpPr/>
+          <p:nvPr/>
+        </p:nvGrpSpPr>
+        <p:grpSpPr>
+          <a:xfrm>
+            <a:off x="274188" y="891658"/>
+            <a:ext cx="1827475" cy="1051350"/>
+            <a:chOff x="136938" y="1799258"/>
+            <a:chExt cx="1827475" cy="1051350"/>
+          </a:xfrm>
+        </p:grpSpPr>
+        <p:grpSp>
+          <p:nvGrpSpPr>
+            <p:cNvPr id="512" name="Google Shape;512;p39"/>
+            <p:cNvGrpSpPr/>
+            <p:nvPr/>
+          </p:nvGrpSpPr>
+          <p:grpSpPr>
+            <a:xfrm>
+              <a:off x="136938" y="1799258"/>
+              <a:ext cx="1827475" cy="1051350"/>
+              <a:chOff x="274188" y="1278048"/>
+              <a:chExt cx="1827475" cy="1051350"/>
+            </a:xfrm>
+          </p:grpSpPr>
+          <p:sp>
+            <p:nvSpPr>
+              <p:cNvPr id="513" name="Google Shape;513;p39"/>
+              <p:cNvSpPr/>
+              <p:nvPr/>
+            </p:nvSpPr>
+            <p:spPr>
+              <a:xfrm>
+                <a:off x="364363" y="1369398"/>
+                <a:ext cx="1737300" cy="960000"/>
+              </a:xfrm>
+              <a:prstGeom prst="roundRect">
+                <a:avLst>
+                  <a:gd name="adj" fmla="val 0"/>
+                </a:avLst>
+              </a:prstGeom>
+              <a:solidFill>
+                <a:schemeClr val="dk1"/>
+              </a:solidFill>
+              <a:ln>
+                <a:noFill/>
+              </a:ln>
+            </p:spPr>
+            <p:txBody>
+              <a:bodyPr spcFirstLastPara="1" wrap="square" lIns="91425" tIns="91425" rIns="91425" bIns="91425" anchor="ctr" anchorCtr="0">
+                <a:noAutofit/>
+              </a:bodyPr>
+              <a:lstStyle/>
+              <a:p>
+                <a:pPr marL="0" lvl="0" indent="0" algn="l" rtl="0">
+                  <a:spcBef>
+                    <a:spcPts val="0"/>
+                  </a:spcBef>
+                  <a:spcAft>
+                    <a:spcPts val="0"/>
+                  </a:spcAft>
+                  <a:buNone/>
+                </a:pPr>
+                <a:endParaRPr/>
+              </a:p>
+            </p:txBody>
+          </p:sp>
+          <p:grpSp>
+            <p:nvGrpSpPr>
+              <p:cNvPr id="514" name="Google Shape;514;p39"/>
+              <p:cNvGrpSpPr/>
+              <p:nvPr/>
+            </p:nvGrpSpPr>
+            <p:grpSpPr>
+              <a:xfrm>
+                <a:off x="274188" y="1278048"/>
+                <a:ext cx="1737300" cy="960000"/>
+                <a:chOff x="7146475" y="2190661"/>
+                <a:chExt cx="1737300" cy="960000"/>
+              </a:xfrm>
+            </p:grpSpPr>
+            <p:sp>
+              <p:nvSpPr>
+                <p:cNvPr id="515" name="Google Shape;515;p39"/>
+                <p:cNvSpPr/>
+                <p:nvPr/>
+              </p:nvSpPr>
+              <p:spPr>
+                <a:xfrm>
+                  <a:off x="7146475" y="2190661"/>
+                  <a:ext cx="1737300" cy="960000"/>
+                </a:xfrm>
+                <a:prstGeom prst="roundRect">
+                  <a:avLst>
+                    <a:gd name="adj" fmla="val 0"/>
+                  </a:avLst>
+                </a:prstGeom>
+                <a:solidFill>
+                  <a:schemeClr val="lt1"/>
+                </a:solidFill>
+                <a:ln w="28575" cap="flat" cmpd="sng">
+                  <a:solidFill>
+                    <a:schemeClr val="dk1"/>
+                  </a:solidFill>
+                  <a:prstDash val="solid"/>
+                  <a:round/>
+                  <a:headEnd type="none" w="sm" len="sm"/>
+                  <a:tailEnd type="none" w="sm" len="sm"/>
+                </a:ln>
+              </p:spPr>
+              <p:txBody>
+                <a:bodyPr spcFirstLastPara="1" wrap="square" lIns="91425" tIns="91425" rIns="91425" bIns="91425" anchor="ctr" anchorCtr="0">
+                  <a:noAutofit/>
+                </a:bodyPr>
+                <a:lstStyle/>
+                <a:p>
+                  <a:pPr marL="0" lvl="0" indent="0" algn="l" rtl="0">
+                    <a:spcBef>
+                      <a:spcPts val="0"/>
+                    </a:spcBef>
+                    <a:spcAft>
+                      <a:spcPts val="0"/>
+                    </a:spcAft>
+                    <a:buNone/>
+                  </a:pPr>
+                  <a:endParaRPr/>
+                </a:p>
+              </p:txBody>
+            </p:sp>
+            <p:cxnSp>
+              <p:nvCxnSpPr>
+                <p:cNvPr id="516" name="Google Shape;516;p39"/>
+                <p:cNvCxnSpPr/>
+                <p:nvPr/>
+              </p:nvCxnSpPr>
+              <p:spPr>
+                <a:xfrm>
+                  <a:off x="7151600" y="2373361"/>
+                  <a:ext cx="1724700" cy="0"/>
+                </a:xfrm>
+                <a:prstGeom prst="straightConnector1">
+                  <a:avLst/>
+                </a:prstGeom>
+                <a:noFill/>
+                <a:ln w="28575" cap="flat" cmpd="sng">
+                  <a:solidFill>
+                    <a:schemeClr val="dk1"/>
+                  </a:solidFill>
+                  <a:prstDash val="solid"/>
+                  <a:round/>
+                  <a:headEnd type="none" w="med" len="med"/>
+                  <a:tailEnd type="none" w="med" len="med"/>
+                </a:ln>
+              </p:spPr>
+            </p:cxnSp>
+          </p:grpSp>
+        </p:grpSp>
+        <p:grpSp>
+          <p:nvGrpSpPr>
+            <p:cNvPr id="517" name="Google Shape;517;p39"/>
+            <p:cNvGrpSpPr/>
+            <p:nvPr/>
+          </p:nvGrpSpPr>
+          <p:grpSpPr>
+            <a:xfrm>
+              <a:off x="516820" y="2120752"/>
+              <a:ext cx="984259" cy="497716"/>
+              <a:chOff x="516820" y="2059368"/>
+              <a:chExt cx="984259" cy="497716"/>
+            </a:xfrm>
+          </p:grpSpPr>
+          <p:sp>
+            <p:nvSpPr>
+              <p:cNvPr id="518" name="Google Shape;518;p39"/>
+              <p:cNvSpPr/>
+              <p:nvPr/>
+            </p:nvSpPr>
+            <p:spPr>
+              <a:xfrm>
+                <a:off x="516820" y="2208443"/>
+                <a:ext cx="984259" cy="62394"/>
+              </a:xfrm>
+              <a:custGeom>
+                <a:avLst/>
+                <a:gdLst/>
+                <a:ahLst/>
+                <a:cxnLst/>
+                <a:rect l="l" t="t" r="r" b="b"/>
+                <a:pathLst>
+                  <a:path w="25415" h="1611" extrusionOk="0">
+                    <a:moveTo>
+                      <a:pt x="1001" y="1"/>
+                    </a:moveTo>
+                    <a:cubicBezTo>
+                      <a:pt x="1" y="50"/>
+                      <a:pt x="1" y="1537"/>
+                      <a:pt x="1001" y="1611"/>
+                    </a:cubicBezTo>
+                    <a:lnTo>
+                      <a:pt x="24415" y="1611"/>
+                    </a:lnTo>
+                    <a:cubicBezTo>
+                      <a:pt x="25415" y="1537"/>
+                      <a:pt x="25415" y="50"/>
+                      <a:pt x="24415" y="1"/>
+                    </a:cubicBezTo>
+                    <a:close/>
+                  </a:path>
+                </a:pathLst>
+              </a:custGeom>
+              <a:solidFill>
+                <a:schemeClr val="dk1"/>
+              </a:solidFill>
+              <a:ln>
+                <a:noFill/>
+              </a:ln>
+            </p:spPr>
+            <p:txBody>
+              <a:bodyPr spcFirstLastPara="1" wrap="square" lIns="91425" tIns="91425" rIns="91425" bIns="91425" anchor="ctr" anchorCtr="0">
+                <a:noAutofit/>
+              </a:bodyPr>
+              <a:lstStyle/>
+              <a:p>
+                <a:pPr marL="0" lvl="0" indent="0" algn="l" rtl="0">
+                  <a:spcBef>
+                    <a:spcPts val="0"/>
+                  </a:spcBef>
+                  <a:spcAft>
+                    <a:spcPts val="0"/>
+                  </a:spcAft>
+                  <a:buNone/>
+                </a:pPr>
+                <a:endParaRPr/>
+              </a:p>
+            </p:txBody>
+          </p:sp>
+          <p:grpSp>
+            <p:nvGrpSpPr>
+              <p:cNvPr id="519" name="Google Shape;519;p39"/>
+              <p:cNvGrpSpPr/>
+              <p:nvPr/>
+            </p:nvGrpSpPr>
+            <p:grpSpPr>
+              <a:xfrm>
+                <a:off x="704319" y="2347322"/>
+                <a:ext cx="609261" cy="209762"/>
+                <a:chOff x="704319" y="2343647"/>
+                <a:chExt cx="609261" cy="209762"/>
+              </a:xfrm>
+            </p:grpSpPr>
+            <p:sp>
+              <p:nvSpPr>
+                <p:cNvPr id="520" name="Google Shape;520;p39"/>
+                <p:cNvSpPr/>
+                <p:nvPr/>
+              </p:nvSpPr>
+              <p:spPr>
+                <a:xfrm>
+                  <a:off x="704319" y="2343647"/>
+                  <a:ext cx="609261" cy="209762"/>
+                </a:xfrm>
+                <a:custGeom>
+                  <a:avLst/>
+                  <a:gdLst/>
+                  <a:ahLst/>
+                  <a:cxnLst/>
+                  <a:rect l="l" t="t" r="r" b="b"/>
+                  <a:pathLst>
+                    <a:path w="15732" h="5416" extrusionOk="0">
+                      <a:moveTo>
+                        <a:pt x="2708" y="0"/>
+                      </a:moveTo>
+                      <a:cubicBezTo>
+                        <a:pt x="1220" y="0"/>
+                        <a:pt x="0" y="1220"/>
+                        <a:pt x="0" y="2707"/>
+                      </a:cubicBezTo>
+                      <a:cubicBezTo>
+                        <a:pt x="0" y="4220"/>
+                        <a:pt x="1220" y="5415"/>
+                        <a:pt x="2708" y="5415"/>
+                      </a:cubicBezTo>
+                      <a:lnTo>
+                        <a:pt x="13024" y="5415"/>
+                      </a:lnTo>
+                      <a:cubicBezTo>
+                        <a:pt x="13039" y="5415"/>
+                        <a:pt x="13054" y="5415"/>
+                        <a:pt x="13068" y="5415"/>
+                      </a:cubicBezTo>
+                      <a:cubicBezTo>
+                        <a:pt x="14536" y="5415"/>
+                        <a:pt x="15732" y="4205"/>
+                        <a:pt x="15732" y="2707"/>
+                      </a:cubicBezTo>
+                      <a:cubicBezTo>
+                        <a:pt x="15732" y="1220"/>
+                        <a:pt x="14512" y="0"/>
+                        <a:pt x="13024" y="0"/>
+                      </a:cubicBezTo>
+                      <a:close/>
+                    </a:path>
+                  </a:pathLst>
+                </a:custGeom>
+                <a:solidFill>
+                  <a:schemeClr val="accent3"/>
+                </a:solidFill>
+                <a:ln w="28575" cap="flat" cmpd="sng">
+                  <a:solidFill>
+                    <a:schemeClr val="dk1"/>
+                  </a:solidFill>
+                  <a:prstDash val="solid"/>
+                  <a:round/>
+                  <a:headEnd type="none" w="sm" len="sm"/>
+                  <a:tailEnd type="none" w="sm" len="sm"/>
+                </a:ln>
+              </p:spPr>
+              <p:txBody>
+                <a:bodyPr spcFirstLastPara="1" wrap="square" lIns="91425" tIns="91425" rIns="91425" bIns="91425" anchor="ctr" anchorCtr="0">
+                  <a:noAutofit/>
+                </a:bodyPr>
+                <a:lstStyle/>
+                <a:p>
+                  <a:pPr marL="0" lvl="0" indent="0" algn="l" rtl="0">
+                    <a:spcBef>
+                      <a:spcPts val="0"/>
+                    </a:spcBef>
+                    <a:spcAft>
+                      <a:spcPts val="0"/>
+                    </a:spcAft>
+                    <a:buNone/>
+                  </a:pPr>
+                  <a:endParaRPr/>
+                </a:p>
+              </p:txBody>
+            </p:sp>
+            <p:sp>
+              <p:nvSpPr>
+                <p:cNvPr id="521" name="Google Shape;521;p39"/>
+                <p:cNvSpPr/>
+                <p:nvPr/>
+              </p:nvSpPr>
+              <p:spPr>
+                <a:xfrm>
+                  <a:off x="862521" y="2424860"/>
+                  <a:ext cx="292857" cy="47289"/>
+                </a:xfrm>
+                <a:custGeom>
+                  <a:avLst/>
+                  <a:gdLst/>
+                  <a:ahLst/>
+                  <a:cxnLst/>
+                  <a:rect l="l" t="t" r="r" b="b"/>
+                  <a:pathLst>
+                    <a:path w="7562" h="1221" extrusionOk="0">
+                      <a:moveTo>
+                        <a:pt x="806" y="1"/>
+                      </a:moveTo>
+                      <a:cubicBezTo>
+                        <a:pt x="1" y="1"/>
+                        <a:pt x="1" y="1220"/>
+                        <a:pt x="806" y="1220"/>
+                      </a:cubicBezTo>
+                      <a:lnTo>
+                        <a:pt x="6757" y="1220"/>
+                      </a:lnTo>
+                      <a:cubicBezTo>
+                        <a:pt x="7562" y="1220"/>
+                        <a:pt x="7562" y="1"/>
+                        <a:pt x="6757" y="1"/>
+                      </a:cubicBezTo>
+                      <a:close/>
+                    </a:path>
+                  </a:pathLst>
+                </a:custGeom>
+                <a:solidFill>
+                  <a:schemeClr val="accent1"/>
+                </a:solidFill>
+                <a:ln w="28575" cap="flat" cmpd="sng">
+                  <a:solidFill>
+                    <a:schemeClr val="dk1"/>
+                  </a:solidFill>
+                  <a:prstDash val="solid"/>
+                  <a:round/>
+                  <a:headEnd type="none" w="sm" len="sm"/>
+                  <a:tailEnd type="none" w="sm" len="sm"/>
+                </a:ln>
+              </p:spPr>
+              <p:txBody>
+                <a:bodyPr spcFirstLastPara="1" wrap="square" lIns="91425" tIns="91425" rIns="91425" bIns="91425" anchor="ctr" anchorCtr="0">
+                  <a:noAutofit/>
+                </a:bodyPr>
+                <a:lstStyle/>
+                <a:p>
+                  <a:pPr marL="0" lvl="0" indent="0" algn="l" rtl="0">
+                    <a:spcBef>
+                      <a:spcPts val="0"/>
+                    </a:spcBef>
+                    <a:spcAft>
+                      <a:spcPts val="0"/>
+                    </a:spcAft>
+                    <a:buNone/>
+                  </a:pPr>
+                  <a:endParaRPr/>
+                </a:p>
+              </p:txBody>
+            </p:sp>
+          </p:grpSp>
+          <p:sp>
+            <p:nvSpPr>
+              <p:cNvPr id="522" name="Google Shape;522;p39"/>
+              <p:cNvSpPr/>
+              <p:nvPr/>
+            </p:nvSpPr>
+            <p:spPr>
+              <a:xfrm>
+                <a:off x="516820" y="2059368"/>
+                <a:ext cx="984259" cy="62394"/>
+              </a:xfrm>
+              <a:custGeom>
+                <a:avLst/>
+                <a:gdLst/>
+                <a:ahLst/>
+                <a:cxnLst/>
+                <a:rect l="l" t="t" r="r" b="b"/>
+                <a:pathLst>
+                  <a:path w="25415" h="1611" extrusionOk="0">
+                    <a:moveTo>
+                      <a:pt x="1001" y="1"/>
+                    </a:moveTo>
+                    <a:cubicBezTo>
+                      <a:pt x="1" y="50"/>
+                      <a:pt x="1" y="1537"/>
+                      <a:pt x="1001" y="1611"/>
+                    </a:cubicBezTo>
+                    <a:lnTo>
+                      <a:pt x="24415" y="1611"/>
+                    </a:lnTo>
+                    <a:cubicBezTo>
+                      <a:pt x="25415" y="1537"/>
+                      <a:pt x="25415" y="50"/>
+                      <a:pt x="24415" y="1"/>
+                    </a:cubicBezTo>
+                    <a:close/>
+                  </a:path>
+                </a:pathLst>
+              </a:custGeom>
+              <a:solidFill>
+                <a:schemeClr val="dk1"/>
+              </a:solidFill>
+              <a:ln>
+                <a:noFill/>
+              </a:ln>
+            </p:spPr>
+            <p:txBody>
+              <a:bodyPr spcFirstLastPara="1" wrap="square" lIns="91425" tIns="91425" rIns="91425" bIns="91425" anchor="ctr" anchorCtr="0">
+                <a:noAutofit/>
+              </a:bodyPr>
+              <a:lstStyle/>
+              <a:p>
+                <a:pPr marL="0" lvl="0" indent="0" algn="l" rtl="0">
+                  <a:spcBef>
+                    <a:spcPts val="0"/>
+                  </a:spcBef>
+                  <a:spcAft>
+                    <a:spcPts val="0"/>
+                  </a:spcAft>
+                  <a:buNone/>
+                </a:pPr>
+                <a:endParaRPr/>
+              </a:p>
+            </p:txBody>
+          </p:sp>
+        </p:grpSp>
+      </p:grpSp>
+      <p:sp>
+        <p:nvSpPr>
+          <p:cNvPr id="523" name="Google Shape;523;p39"/>
           <p:cNvSpPr/>
           <p:nvPr/>
         </p:nvSpPr>
         <p:spPr>
           <a:xfrm>
-            <a:off x="7746400" y="1066450"/>
+            <a:off x="1646925" y="3966700"/>
             <a:ext cx="457208" cy="164590"/>
           </a:xfrm>
           <a:custGeom>
@@ -38003,14 +38759,14 @@
       </p:sp>
       <p:sp>
         <p:nvSpPr>
-          <p:cNvPr id="606" name="Google Shape;606;p46"/>
+          <p:cNvPr id="524" name="Google Shape;524;p39"/>
           <p:cNvSpPr/>
           <p:nvPr/>
         </p:nvSpPr>
         <p:spPr>
           <a:xfrm>
-            <a:off x="7971832" y="917810"/>
-            <a:ext cx="457196" cy="57149"/>
+            <a:off x="7031613" y="4058207"/>
+            <a:ext cx="457207" cy="59636"/>
           </a:xfrm>
           <a:custGeom>
             <a:avLst/>
@@ -38019,211 +38775,100 @@
             <a:cxnLst/>
             <a:rect l="l" t="t" r="r" b="b"/>
             <a:pathLst>
-              <a:path w="11732" h="1391" extrusionOk="0">
+              <a:path w="8294" h="952" extrusionOk="0">
                 <a:moveTo>
-                  <a:pt x="11488" y="854"/>
+                  <a:pt x="415" y="0"/>
                 </a:moveTo>
                 <a:cubicBezTo>
-                  <a:pt x="11708" y="878"/>
-                  <a:pt x="11732" y="1220"/>
-                  <a:pt x="11488" y="1244"/>
-                </a:cubicBezTo>
-                <a:cubicBezTo>
-                  <a:pt x="11220" y="1244"/>
-                  <a:pt x="10952" y="1098"/>
-                  <a:pt x="10805" y="854"/>
-                </a:cubicBezTo>
-                <a:cubicBezTo>
-                  <a:pt x="10683" y="708"/>
-                  <a:pt x="10561" y="537"/>
-                  <a:pt x="10366" y="537"/>
-                </a:cubicBezTo>
-                <a:cubicBezTo>
-                  <a:pt x="10171" y="537"/>
-                  <a:pt x="10049" y="683"/>
-                  <a:pt x="9927" y="854"/>
-                </a:cubicBezTo>
-                <a:cubicBezTo>
-                  <a:pt x="9781" y="1098"/>
-                  <a:pt x="9513" y="1244"/>
-                  <a:pt x="9244" y="1244"/>
-                </a:cubicBezTo>
-                <a:cubicBezTo>
-                  <a:pt x="8952" y="1244"/>
-                  <a:pt x="8708" y="1098"/>
-                  <a:pt x="8561" y="854"/>
-                </a:cubicBezTo>
-                <a:cubicBezTo>
-                  <a:pt x="8439" y="708"/>
-                  <a:pt x="8293" y="537"/>
-                  <a:pt x="8122" y="537"/>
-                </a:cubicBezTo>
-                <a:cubicBezTo>
-                  <a:pt x="7927" y="537"/>
-                  <a:pt x="7805" y="683"/>
-                  <a:pt x="7683" y="854"/>
-                </a:cubicBezTo>
-                <a:cubicBezTo>
-                  <a:pt x="7537" y="1098"/>
-                  <a:pt x="7269" y="1244"/>
-                  <a:pt x="6976" y="1244"/>
-                </a:cubicBezTo>
-                <a:cubicBezTo>
-                  <a:pt x="6708" y="1244"/>
-                  <a:pt x="6439" y="1098"/>
-                  <a:pt x="6293" y="854"/>
-                </a:cubicBezTo>
-                <a:cubicBezTo>
-                  <a:pt x="6171" y="708"/>
-                  <a:pt x="6049" y="537"/>
-                  <a:pt x="5854" y="537"/>
-                </a:cubicBezTo>
-                <a:cubicBezTo>
-                  <a:pt x="5683" y="537"/>
-                  <a:pt x="5561" y="683"/>
-                  <a:pt x="5415" y="854"/>
-                </a:cubicBezTo>
-                <a:cubicBezTo>
-                  <a:pt x="5122" y="1391"/>
-                  <a:pt x="4342" y="1391"/>
-                  <a:pt x="4049" y="854"/>
-                </a:cubicBezTo>
-                <a:cubicBezTo>
-                  <a:pt x="3927" y="708"/>
-                  <a:pt x="3805" y="537"/>
-                  <a:pt x="3610" y="537"/>
-                </a:cubicBezTo>
-                <a:cubicBezTo>
-                  <a:pt x="3415" y="537"/>
-                  <a:pt x="3318" y="683"/>
-                  <a:pt x="3171" y="854"/>
-                </a:cubicBezTo>
-                <a:cubicBezTo>
-                  <a:pt x="2879" y="1391"/>
-                  <a:pt x="2098" y="1391"/>
-                  <a:pt x="1805" y="854"/>
-                </a:cubicBezTo>
-                <a:cubicBezTo>
-                  <a:pt x="1683" y="708"/>
-                  <a:pt x="1561" y="537"/>
-                  <a:pt x="1366" y="537"/>
-                </a:cubicBezTo>
-                <a:cubicBezTo>
-                  <a:pt x="1171" y="537"/>
-                  <a:pt x="1074" y="683"/>
-                  <a:pt x="927" y="854"/>
-                </a:cubicBezTo>
-                <a:cubicBezTo>
-                  <a:pt x="781" y="1098"/>
-                  <a:pt x="513" y="1244"/>
-                  <a:pt x="244" y="1244"/>
-                </a:cubicBezTo>
-                <a:cubicBezTo>
-                  <a:pt x="1" y="1220"/>
-                  <a:pt x="1" y="878"/>
-                  <a:pt x="244" y="854"/>
-                </a:cubicBezTo>
-                <a:cubicBezTo>
-                  <a:pt x="391" y="854"/>
-                  <a:pt x="513" y="732"/>
-                  <a:pt x="635" y="586"/>
-                </a:cubicBezTo>
-                <a:cubicBezTo>
-                  <a:pt x="781" y="317"/>
-                  <a:pt x="1074" y="171"/>
-                  <a:pt x="1366" y="147"/>
-                </a:cubicBezTo>
-                <a:cubicBezTo>
-                  <a:pt x="1659" y="171"/>
-                  <a:pt x="1952" y="317"/>
-                  <a:pt x="2098" y="586"/>
-                </a:cubicBezTo>
-                <a:cubicBezTo>
-                  <a:pt x="2220" y="732"/>
-                  <a:pt x="2342" y="854"/>
-                  <a:pt x="2488" y="854"/>
-                </a:cubicBezTo>
-                <a:lnTo>
-                  <a:pt x="2488" y="854"/>
-                </a:lnTo>
-                <a:cubicBezTo>
-                  <a:pt x="2635" y="854"/>
-                  <a:pt x="2757" y="732"/>
-                  <a:pt x="2879" y="586"/>
-                </a:cubicBezTo>
-                <a:cubicBezTo>
-                  <a:pt x="3196" y="0"/>
-                  <a:pt x="4025" y="0"/>
-                  <a:pt x="4342" y="586"/>
-                </a:cubicBezTo>
-                <a:cubicBezTo>
-                  <a:pt x="4464" y="732"/>
-                  <a:pt x="4586" y="854"/>
-                  <a:pt x="4732" y="854"/>
-                </a:cubicBezTo>
-                <a:lnTo>
-                  <a:pt x="4781" y="854"/>
-                </a:lnTo>
-                <a:cubicBezTo>
-                  <a:pt x="4927" y="854"/>
-                  <a:pt x="5025" y="732"/>
-                  <a:pt x="5147" y="586"/>
-                </a:cubicBezTo>
-                <a:cubicBezTo>
-                  <a:pt x="5318" y="317"/>
-                  <a:pt x="5586" y="171"/>
-                  <a:pt x="5878" y="147"/>
-                </a:cubicBezTo>
-                <a:cubicBezTo>
-                  <a:pt x="6196" y="171"/>
-                  <a:pt x="6464" y="317"/>
-                  <a:pt x="6635" y="586"/>
-                </a:cubicBezTo>
-                <a:cubicBezTo>
-                  <a:pt x="6757" y="732"/>
-                  <a:pt x="6854" y="854"/>
-                  <a:pt x="7000" y="854"/>
-                </a:cubicBezTo>
-                <a:lnTo>
-                  <a:pt x="7025" y="854"/>
-                </a:lnTo>
-                <a:cubicBezTo>
-                  <a:pt x="7171" y="854"/>
-                  <a:pt x="7293" y="732"/>
-                  <a:pt x="7391" y="586"/>
-                </a:cubicBezTo>
-                <a:cubicBezTo>
-                  <a:pt x="7708" y="0"/>
-                  <a:pt x="8561" y="0"/>
-                  <a:pt x="8878" y="586"/>
-                </a:cubicBezTo>
-                <a:cubicBezTo>
-                  <a:pt x="9000" y="732"/>
-                  <a:pt x="9098" y="854"/>
-                  <a:pt x="9244" y="854"/>
-                </a:cubicBezTo>
-                <a:lnTo>
-                  <a:pt x="9269" y="854"/>
-                </a:lnTo>
-                <a:cubicBezTo>
-                  <a:pt x="9415" y="854"/>
-                  <a:pt x="9537" y="732"/>
-                  <a:pt x="9659" y="586"/>
-                </a:cubicBezTo>
-                <a:cubicBezTo>
-                  <a:pt x="9805" y="317"/>
-                  <a:pt x="10074" y="171"/>
-                  <a:pt x="10391" y="147"/>
-                </a:cubicBezTo>
-                <a:cubicBezTo>
-                  <a:pt x="10683" y="171"/>
-                  <a:pt x="10976" y="317"/>
-                  <a:pt x="11122" y="586"/>
-                </a:cubicBezTo>
-                <a:cubicBezTo>
-                  <a:pt x="11244" y="732"/>
-                  <a:pt x="11342" y="854"/>
-                  <a:pt x="11488" y="854"/>
+                  <a:pt x="757" y="0"/>
+                  <a:pt x="952" y="439"/>
+                  <a:pt x="708" y="683"/>
+                </a:cubicBezTo>
+                <a:cubicBezTo>
+                  <a:pt x="440" y="951"/>
+                  <a:pt x="1" y="756"/>
+                  <a:pt x="25" y="390"/>
+                </a:cubicBezTo>
+                <a:cubicBezTo>
+                  <a:pt x="25" y="171"/>
+                  <a:pt x="196" y="0"/>
+                  <a:pt x="415" y="0"/>
+                </a:cubicBezTo>
+                <a:close/>
+                <a:moveTo>
+                  <a:pt x="7757" y="0"/>
+                </a:moveTo>
+                <a:cubicBezTo>
+                  <a:pt x="8123" y="0"/>
+                  <a:pt x="8293" y="439"/>
+                  <a:pt x="8025" y="683"/>
+                </a:cubicBezTo>
+                <a:cubicBezTo>
+                  <a:pt x="7781" y="951"/>
+                  <a:pt x="7342" y="756"/>
+                  <a:pt x="7342" y="415"/>
+                </a:cubicBezTo>
+                <a:cubicBezTo>
+                  <a:pt x="7342" y="195"/>
+                  <a:pt x="7537" y="0"/>
+                  <a:pt x="7757" y="0"/>
+                </a:cubicBezTo>
+                <a:close/>
+                <a:moveTo>
+                  <a:pt x="5928" y="0"/>
+                </a:moveTo>
+                <a:cubicBezTo>
+                  <a:pt x="6293" y="24"/>
+                  <a:pt x="6440" y="463"/>
+                  <a:pt x="6171" y="707"/>
+                </a:cubicBezTo>
+                <a:cubicBezTo>
+                  <a:pt x="5903" y="951"/>
+                  <a:pt x="5488" y="756"/>
+                  <a:pt x="5513" y="390"/>
+                </a:cubicBezTo>
+                <a:cubicBezTo>
+                  <a:pt x="5513" y="171"/>
+                  <a:pt x="5684" y="0"/>
+                  <a:pt x="5903" y="0"/>
+                </a:cubicBezTo>
+                <a:close/>
+                <a:moveTo>
+                  <a:pt x="4098" y="0"/>
+                </a:moveTo>
+                <a:cubicBezTo>
+                  <a:pt x="4464" y="24"/>
+                  <a:pt x="4610" y="463"/>
+                  <a:pt x="4342" y="707"/>
+                </a:cubicBezTo>
+                <a:cubicBezTo>
+                  <a:pt x="4074" y="951"/>
+                  <a:pt x="3659" y="756"/>
+                  <a:pt x="3684" y="390"/>
+                </a:cubicBezTo>
+                <a:cubicBezTo>
+                  <a:pt x="3684" y="171"/>
+                  <a:pt x="3854" y="0"/>
+                  <a:pt x="4074" y="0"/>
+                </a:cubicBezTo>
+                <a:close/>
+                <a:moveTo>
+                  <a:pt x="2269" y="0"/>
+                </a:moveTo>
+                <a:cubicBezTo>
+                  <a:pt x="2635" y="24"/>
+                  <a:pt x="2781" y="463"/>
+                  <a:pt x="2513" y="707"/>
+                </a:cubicBezTo>
+                <a:cubicBezTo>
+                  <a:pt x="2245" y="951"/>
+                  <a:pt x="1830" y="756"/>
+                  <a:pt x="1854" y="390"/>
+                </a:cubicBezTo>
+                <a:cubicBezTo>
+                  <a:pt x="1854" y="171"/>
+                  <a:pt x="2025" y="0"/>
+                  <a:pt x="2245" y="0"/>
                 </a:cubicBezTo>
                 <a:close/>
               </a:path>
@@ -38257,14 +38902,14 @@
       </p:sp>
       <p:sp>
         <p:nvSpPr>
-          <p:cNvPr id="607" name="Google Shape;607;p46"/>
+          <p:cNvPr id="525" name="Google Shape;525;p39"/>
           <p:cNvSpPr/>
           <p:nvPr/>
         </p:nvSpPr>
         <p:spPr>
           <a:xfrm>
-            <a:off x="715100" y="1357700"/>
-            <a:ext cx="457207" cy="59636"/>
+            <a:off x="6799273" y="3909555"/>
+            <a:ext cx="457196" cy="57149"/>
           </a:xfrm>
           <a:custGeom>
             <a:avLst/>
@@ -38273,100 +38918,211 @@
             <a:cxnLst/>
             <a:rect l="l" t="t" r="r" b="b"/>
             <a:pathLst>
-              <a:path w="8294" h="952" extrusionOk="0">
+              <a:path w="11732" h="1391" extrusionOk="0">
                 <a:moveTo>
-                  <a:pt x="415" y="0"/>
+                  <a:pt x="11488" y="854"/>
                 </a:moveTo>
                 <a:cubicBezTo>
-                  <a:pt x="757" y="0"/>
-                  <a:pt x="952" y="439"/>
-                  <a:pt x="708" y="683"/>
-                </a:cubicBezTo>
-                <a:cubicBezTo>
-                  <a:pt x="440" y="951"/>
-                  <a:pt x="1" y="756"/>
-                  <a:pt x="25" y="390"/>
-                </a:cubicBezTo>
-                <a:cubicBezTo>
-                  <a:pt x="25" y="171"/>
-                  <a:pt x="196" y="0"/>
-                  <a:pt x="415" y="0"/>
-                </a:cubicBezTo>
-                <a:close/>
-                <a:moveTo>
-                  <a:pt x="7757" y="0"/>
-                </a:moveTo>
-                <a:cubicBezTo>
-                  <a:pt x="8123" y="0"/>
-                  <a:pt x="8293" y="439"/>
-                  <a:pt x="8025" y="683"/>
-                </a:cubicBezTo>
-                <a:cubicBezTo>
-                  <a:pt x="7781" y="951"/>
-                  <a:pt x="7342" y="756"/>
-                  <a:pt x="7342" y="415"/>
-                </a:cubicBezTo>
-                <a:cubicBezTo>
-                  <a:pt x="7342" y="195"/>
-                  <a:pt x="7537" y="0"/>
-                  <a:pt x="7757" y="0"/>
-                </a:cubicBezTo>
-                <a:close/>
-                <a:moveTo>
-                  <a:pt x="5928" y="0"/>
-                </a:moveTo>
-                <a:cubicBezTo>
-                  <a:pt x="6293" y="24"/>
-                  <a:pt x="6440" y="463"/>
-                  <a:pt x="6171" y="707"/>
-                </a:cubicBezTo>
-                <a:cubicBezTo>
-                  <a:pt x="5903" y="951"/>
-                  <a:pt x="5488" y="756"/>
-                  <a:pt x="5513" y="390"/>
-                </a:cubicBezTo>
-                <a:cubicBezTo>
-                  <a:pt x="5513" y="171"/>
-                  <a:pt x="5684" y="0"/>
-                  <a:pt x="5903" y="0"/>
-                </a:cubicBezTo>
-                <a:close/>
-                <a:moveTo>
-                  <a:pt x="4098" y="0"/>
-                </a:moveTo>
-                <a:cubicBezTo>
-                  <a:pt x="4464" y="24"/>
-                  <a:pt x="4610" y="463"/>
-                  <a:pt x="4342" y="707"/>
-                </a:cubicBezTo>
-                <a:cubicBezTo>
-                  <a:pt x="4074" y="951"/>
-                  <a:pt x="3659" y="756"/>
-                  <a:pt x="3684" y="390"/>
-                </a:cubicBezTo>
-                <a:cubicBezTo>
-                  <a:pt x="3684" y="171"/>
-                  <a:pt x="3854" y="0"/>
-                  <a:pt x="4074" y="0"/>
-                </a:cubicBezTo>
-                <a:close/>
-                <a:moveTo>
-                  <a:pt x="2269" y="0"/>
-                </a:moveTo>
-                <a:cubicBezTo>
-                  <a:pt x="2635" y="24"/>
-                  <a:pt x="2781" y="463"/>
-                  <a:pt x="2513" y="707"/>
-                </a:cubicBezTo>
-                <a:cubicBezTo>
-                  <a:pt x="2245" y="951"/>
-                  <a:pt x="1830" y="756"/>
-                  <a:pt x="1854" y="390"/>
-                </a:cubicBezTo>
-                <a:cubicBezTo>
-                  <a:pt x="1854" y="171"/>
-                  <a:pt x="2025" y="0"/>
-                  <a:pt x="2245" y="0"/>
+                  <a:pt x="11708" y="878"/>
+                  <a:pt x="11732" y="1220"/>
+                  <a:pt x="11488" y="1244"/>
+                </a:cubicBezTo>
+                <a:cubicBezTo>
+                  <a:pt x="11220" y="1244"/>
+                  <a:pt x="10952" y="1098"/>
+                  <a:pt x="10805" y="854"/>
+                </a:cubicBezTo>
+                <a:cubicBezTo>
+                  <a:pt x="10683" y="708"/>
+                  <a:pt x="10561" y="537"/>
+                  <a:pt x="10366" y="537"/>
+                </a:cubicBezTo>
+                <a:cubicBezTo>
+                  <a:pt x="10171" y="537"/>
+                  <a:pt x="10049" y="683"/>
+                  <a:pt x="9927" y="854"/>
+                </a:cubicBezTo>
+                <a:cubicBezTo>
+                  <a:pt x="9781" y="1098"/>
+                  <a:pt x="9513" y="1244"/>
+                  <a:pt x="9244" y="1244"/>
+                </a:cubicBezTo>
+                <a:cubicBezTo>
+                  <a:pt x="8952" y="1244"/>
+                  <a:pt x="8708" y="1098"/>
+                  <a:pt x="8561" y="854"/>
+                </a:cubicBezTo>
+                <a:cubicBezTo>
+                  <a:pt x="8439" y="708"/>
+                  <a:pt x="8293" y="537"/>
+                  <a:pt x="8122" y="537"/>
+                </a:cubicBezTo>
+                <a:cubicBezTo>
+                  <a:pt x="7927" y="537"/>
+                  <a:pt x="7805" y="683"/>
+                  <a:pt x="7683" y="854"/>
+                </a:cubicBezTo>
+                <a:cubicBezTo>
+                  <a:pt x="7537" y="1098"/>
+                  <a:pt x="7269" y="1244"/>
+                  <a:pt x="6976" y="1244"/>
+                </a:cubicBezTo>
+                <a:cubicBezTo>
+                  <a:pt x="6708" y="1244"/>
+                  <a:pt x="6439" y="1098"/>
+                  <a:pt x="6293" y="854"/>
+                </a:cubicBezTo>
+                <a:cubicBezTo>
+                  <a:pt x="6171" y="708"/>
+                  <a:pt x="6049" y="537"/>
+                  <a:pt x="5854" y="537"/>
+                </a:cubicBezTo>
+                <a:cubicBezTo>
+                  <a:pt x="5683" y="537"/>
+                  <a:pt x="5561" y="683"/>
+                  <a:pt x="5415" y="854"/>
+                </a:cubicBezTo>
+                <a:cubicBezTo>
+                  <a:pt x="5122" y="1391"/>
+                  <a:pt x="4342" y="1391"/>
+                  <a:pt x="4049" y="854"/>
+                </a:cubicBezTo>
+                <a:cubicBezTo>
+                  <a:pt x="3927" y="708"/>
+                  <a:pt x="3805" y="537"/>
+                  <a:pt x="3610" y="537"/>
+                </a:cubicBezTo>
+                <a:cubicBezTo>
+                  <a:pt x="3415" y="537"/>
+                  <a:pt x="3318" y="683"/>
+                  <a:pt x="3171" y="854"/>
+                </a:cubicBezTo>
+                <a:cubicBezTo>
+                  <a:pt x="2879" y="1391"/>
+                  <a:pt x="2098" y="1391"/>
+                  <a:pt x="1805" y="854"/>
+                </a:cubicBezTo>
+                <a:cubicBezTo>
+                  <a:pt x="1683" y="708"/>
+                  <a:pt x="1561" y="537"/>
+                  <a:pt x="1366" y="537"/>
+                </a:cubicBezTo>
+                <a:cubicBezTo>
+                  <a:pt x="1171" y="537"/>
+                  <a:pt x="1074" y="683"/>
+                  <a:pt x="927" y="854"/>
+                </a:cubicBezTo>
+                <a:cubicBezTo>
+                  <a:pt x="781" y="1098"/>
+                  <a:pt x="513" y="1244"/>
+                  <a:pt x="244" y="1244"/>
+                </a:cubicBezTo>
+                <a:cubicBezTo>
+                  <a:pt x="1" y="1220"/>
+                  <a:pt x="1" y="878"/>
+                  <a:pt x="244" y="854"/>
+                </a:cubicBezTo>
+                <a:cubicBezTo>
+                  <a:pt x="391" y="854"/>
+                  <a:pt x="513" y="732"/>
+                  <a:pt x="635" y="586"/>
+                </a:cubicBezTo>
+                <a:cubicBezTo>
+                  <a:pt x="781" y="317"/>
+                  <a:pt x="1074" y="171"/>
+                  <a:pt x="1366" y="147"/>
+                </a:cubicBezTo>
+                <a:cubicBezTo>
+                  <a:pt x="1659" y="171"/>
+                  <a:pt x="1952" y="317"/>
+                  <a:pt x="2098" y="586"/>
+                </a:cubicBezTo>
+                <a:cubicBezTo>
+                  <a:pt x="2220" y="732"/>
+                  <a:pt x="2342" y="854"/>
+                  <a:pt x="2488" y="854"/>
+                </a:cubicBezTo>
+                <a:lnTo>
+                  <a:pt x="2488" y="854"/>
+                </a:lnTo>
+                <a:cubicBezTo>
+                  <a:pt x="2635" y="854"/>
+                  <a:pt x="2757" y="732"/>
+                  <a:pt x="2879" y="586"/>
+                </a:cubicBezTo>
+                <a:cubicBezTo>
+                  <a:pt x="3196" y="0"/>
+                  <a:pt x="4025" y="0"/>
+                  <a:pt x="4342" y="586"/>
+                </a:cubicBezTo>
+                <a:cubicBezTo>
+                  <a:pt x="4464" y="732"/>
+                  <a:pt x="4586" y="854"/>
+                  <a:pt x="4732" y="854"/>
+                </a:cubicBezTo>
+                <a:lnTo>
+                  <a:pt x="4781" y="854"/>
+                </a:lnTo>
+                <a:cubicBezTo>
+                  <a:pt x="4927" y="854"/>
+                  <a:pt x="5025" y="732"/>
+                  <a:pt x="5147" y="586"/>
+                </a:cubicBezTo>
+                <a:cubicBezTo>
+                  <a:pt x="5318" y="317"/>
+                  <a:pt x="5586" y="171"/>
+                  <a:pt x="5878" y="147"/>
+                </a:cubicBezTo>
+                <a:cubicBezTo>
+                  <a:pt x="6196" y="171"/>
+                  <a:pt x="6464" y="317"/>
+                  <a:pt x="6635" y="586"/>
+                </a:cubicBezTo>
+                <a:cubicBezTo>
+                  <a:pt x="6757" y="732"/>
+                  <a:pt x="6854" y="854"/>
+                  <a:pt x="7000" y="854"/>
+                </a:cubicBezTo>
+                <a:lnTo>
+                  <a:pt x="7025" y="854"/>
+                </a:lnTo>
+                <a:cubicBezTo>
+                  <a:pt x="7171" y="854"/>
+                  <a:pt x="7293" y="732"/>
+                  <a:pt x="7391" y="586"/>
+                </a:cubicBezTo>
+                <a:cubicBezTo>
+                  <a:pt x="7708" y="0"/>
+                  <a:pt x="8561" y="0"/>
+                  <a:pt x="8878" y="586"/>
+                </a:cubicBezTo>
+                <a:cubicBezTo>
+                  <a:pt x="9000" y="732"/>
+                  <a:pt x="9098" y="854"/>
+                  <a:pt x="9244" y="854"/>
+                </a:cubicBezTo>
+                <a:lnTo>
+                  <a:pt x="9269" y="854"/>
+                </a:lnTo>
+                <a:cubicBezTo>
+                  <a:pt x="9415" y="854"/>
+                  <a:pt x="9537" y="732"/>
+                  <a:pt x="9659" y="586"/>
+                </a:cubicBezTo>
+                <a:cubicBezTo>
+                  <a:pt x="9805" y="317"/>
+                  <a:pt x="10074" y="171"/>
+                  <a:pt x="10391" y="147"/>
+                </a:cubicBezTo>
+                <a:cubicBezTo>
+                  <a:pt x="10683" y="171"/>
+                  <a:pt x="10976" y="317"/>
+                  <a:pt x="11122" y="586"/>
+                </a:cubicBezTo>
+                <a:cubicBezTo>
+                  <a:pt x="11244" y="732"/>
+                  <a:pt x="11342" y="854"/>
+                  <a:pt x="11488" y="854"/>
                 </a:cubicBezTo>
                 <a:close/>
               </a:path>
@@ -38398,230 +39154,287 @@
           </a:p>
         </p:txBody>
       </p:sp>
-      <p:sp>
-        <p:nvSpPr>
-          <p:cNvPr id="608" name="Google Shape;608;p46"/>
-          <p:cNvSpPr txBox="1"/>
+      <p:grpSp>
+        <p:nvGrpSpPr>
+          <p:cNvPr id="526" name="Google Shape;526;p39"/>
+          <p:cNvGrpSpPr/>
           <p:nvPr/>
-        </p:nvSpPr>
-        <p:spPr>
+        </p:nvGrpSpPr>
+        <p:grpSpPr>
           <a:xfrm>
-            <a:off x="715100" y="764725"/>
-            <a:ext cx="1704000" cy="363300"/>
+            <a:off x="463651" y="4104919"/>
+            <a:ext cx="502899" cy="502899"/>
+            <a:chOff x="858700" y="1967475"/>
+            <a:chExt cx="605100" cy="605100"/>
           </a:xfrm>
-          <a:prstGeom prst="rect">
-            <a:avLst/>
-          </a:prstGeom>
-          <a:noFill/>
-          <a:ln>
-            <a:noFill/>
-          </a:ln>
-        </p:spPr>
-        <p:txBody>
-          <a:bodyPr spcFirstLastPara="1" wrap="square" lIns="91425" tIns="91425" rIns="91425" bIns="91425" anchor="t" anchorCtr="0">
-            <a:noAutofit/>
-          </a:bodyPr>
-          <a:lstStyle/>
-          <a:p>
-            <a:pPr marL="0" lvl="0" indent="0" algn="l" rtl="0">
-              <a:spcBef>
-                <a:spcPts val="0"/>
-              </a:spcBef>
-              <a:spcAft>
-                <a:spcPts val="0"/>
-              </a:spcAft>
-              <a:buNone/>
-            </a:pPr>
-            <a:r>
-              <a:rPr lang="zh-TW">
-                <a:solidFill>
-                  <a:schemeClr val="dk1"/>
-                </a:solidFill>
-                <a:latin typeface="Karla"/>
-                <a:ea typeface="Karla"/>
-                <a:cs typeface="Karla"/>
-                <a:sym typeface="Karla"/>
-              </a:rPr>
-              <a:t>GUI.PY</a:t>
-            </a:r>
-            <a:endParaRPr>
+        </p:grpSpPr>
+        <p:sp>
+          <p:nvSpPr>
+            <p:cNvPr id="527" name="Google Shape;527;p39"/>
+            <p:cNvSpPr/>
+            <p:nvPr/>
+          </p:nvSpPr>
+          <p:spPr>
+            <a:xfrm>
+              <a:off x="858700" y="1967475"/>
+              <a:ext cx="605100" cy="605100"/>
+            </a:xfrm>
+            <a:prstGeom prst="roundRect">
+              <a:avLst>
+                <a:gd name="adj" fmla="val 15109"/>
+              </a:avLst>
+            </a:prstGeom>
+            <a:solidFill>
+              <a:schemeClr val="accent3"/>
+            </a:solidFill>
+            <a:ln w="28575" cap="flat" cmpd="sng">
               <a:solidFill>
                 <a:schemeClr val="dk1"/>
               </a:solidFill>
-              <a:latin typeface="Karla"/>
-              <a:ea typeface="Karla"/>
-              <a:cs typeface="Karla"/>
-              <a:sym typeface="Karla"/>
-            </a:endParaRPr>
-          </a:p>
-        </p:txBody>
-      </p:sp>
-      <p:pic>
-        <p:nvPicPr>
-          <p:cNvPr id="609" name="Google Shape;609;p46"/>
-          <p:cNvPicPr preferRelativeResize="0"/>
+              <a:prstDash val="solid"/>
+              <a:round/>
+              <a:headEnd type="none" w="sm" len="sm"/>
+              <a:tailEnd type="none" w="sm" len="sm"/>
+            </a:ln>
+          </p:spPr>
+          <p:txBody>
+            <a:bodyPr spcFirstLastPara="1" wrap="square" lIns="91425" tIns="91425" rIns="91425" bIns="91425" anchor="ctr" anchorCtr="0">
+              <a:noAutofit/>
+            </a:bodyPr>
+            <a:lstStyle/>
+            <a:p>
+              <a:pPr marL="0" lvl="0" indent="0" algn="l" rtl="0">
+                <a:spcBef>
+                  <a:spcPts val="0"/>
+                </a:spcBef>
+                <a:spcAft>
+                  <a:spcPts val="0"/>
+                </a:spcAft>
+                <a:buNone/>
+              </a:pPr>
+              <a:endParaRPr/>
+            </a:p>
+          </p:txBody>
+        </p:sp>
+        <p:sp>
+          <p:nvSpPr>
+            <p:cNvPr id="528" name="Google Shape;528;p39"/>
+            <p:cNvSpPr/>
+            <p:nvPr/>
+          </p:nvSpPr>
+          <p:spPr>
+            <a:xfrm>
+              <a:off x="932654" y="2075711"/>
+              <a:ext cx="457191" cy="388627"/>
+            </a:xfrm>
+            <a:custGeom>
+              <a:avLst/>
+              <a:gdLst/>
+              <a:ahLst/>
+              <a:cxnLst/>
+              <a:rect l="l" t="t" r="r" b="b"/>
+              <a:pathLst>
+                <a:path w="10659" h="9051" extrusionOk="0">
+                  <a:moveTo>
+                    <a:pt x="2797" y="1"/>
+                  </a:moveTo>
+                  <a:cubicBezTo>
+                    <a:pt x="2767" y="1"/>
+                    <a:pt x="2738" y="1"/>
+                    <a:pt x="2708" y="2"/>
+                  </a:cubicBezTo>
+                  <a:cubicBezTo>
+                    <a:pt x="1293" y="27"/>
+                    <a:pt x="196" y="1173"/>
+                    <a:pt x="196" y="2588"/>
+                  </a:cubicBezTo>
+                  <a:cubicBezTo>
+                    <a:pt x="196" y="2588"/>
+                    <a:pt x="1" y="6368"/>
+                    <a:pt x="5318" y="9051"/>
+                  </a:cubicBezTo>
+                  <a:lnTo>
+                    <a:pt x="5342" y="9051"/>
+                  </a:lnTo>
+                  <a:cubicBezTo>
+                    <a:pt x="10659" y="6368"/>
+                    <a:pt x="10488" y="2588"/>
+                    <a:pt x="10488" y="2588"/>
+                  </a:cubicBezTo>
+                  <a:cubicBezTo>
+                    <a:pt x="10488" y="1173"/>
+                    <a:pt x="9366" y="27"/>
+                    <a:pt x="7976" y="2"/>
+                  </a:cubicBezTo>
+                  <a:cubicBezTo>
+                    <a:pt x="7946" y="1"/>
+                    <a:pt x="7916" y="1"/>
+                    <a:pt x="7885" y="1"/>
+                  </a:cubicBezTo>
+                  <a:cubicBezTo>
+                    <a:pt x="6512" y="1"/>
+                    <a:pt x="5390" y="1081"/>
+                    <a:pt x="5342" y="2441"/>
+                  </a:cubicBezTo>
+                  <a:cubicBezTo>
+                    <a:pt x="5270" y="1081"/>
+                    <a:pt x="4148" y="1"/>
+                    <a:pt x="2797" y="1"/>
+                  </a:cubicBezTo>
+                  <a:close/>
+                </a:path>
+              </a:pathLst>
+            </a:custGeom>
+            <a:solidFill>
+              <a:schemeClr val="accent2"/>
+            </a:solidFill>
+            <a:ln w="28575" cap="flat" cmpd="sng">
+              <a:solidFill>
+                <a:schemeClr val="dk1"/>
+              </a:solidFill>
+              <a:prstDash val="solid"/>
+              <a:round/>
+              <a:headEnd type="none" w="sm" len="sm"/>
+              <a:tailEnd type="none" w="sm" len="sm"/>
+            </a:ln>
+          </p:spPr>
+          <p:txBody>
+            <a:bodyPr spcFirstLastPara="1" wrap="square" lIns="91425" tIns="91425" rIns="91425" bIns="91425" anchor="ctr" anchorCtr="0">
+              <a:noAutofit/>
+            </a:bodyPr>
+            <a:lstStyle/>
+            <a:p>
+              <a:pPr marL="0" lvl="0" indent="0" algn="l" rtl="0">
+                <a:spcBef>
+                  <a:spcPts val="0"/>
+                </a:spcBef>
+                <a:spcAft>
+                  <a:spcPts val="0"/>
+                </a:spcAft>
+                <a:buNone/>
+              </a:pPr>
+              <a:endParaRPr/>
+            </a:p>
+          </p:txBody>
+        </p:sp>
+      </p:grpSp>
+      <p:grpSp>
+        <p:nvGrpSpPr>
+          <p:cNvPr id="529" name="Google Shape;529;p39"/>
+          <p:cNvGrpSpPr/>
           <p:nvPr/>
-        </p:nvPicPr>
-        <p:blipFill rotWithShape="1">
-          <a:blip r:embed="rId3">
-            <a:alphaModFix/>
-          </a:blip>
-          <a:srcRect l="5258" b="91737"/>
-          <a:stretch/>
-        </p:blipFill>
-        <p:spPr>
+        </p:nvGrpSpPr>
+        <p:grpSpPr>
           <a:xfrm>
-            <a:off x="1797775" y="1736375"/>
-            <a:ext cx="5548425" cy="453076"/>
+            <a:off x="404600" y="2673613"/>
+            <a:ext cx="621000" cy="621000"/>
+            <a:chOff x="416300" y="4058211"/>
+            <a:chExt cx="621000" cy="621000"/>
           </a:xfrm>
-          <a:prstGeom prst="rect">
-            <a:avLst/>
-          </a:prstGeom>
-          <a:noFill/>
-          <a:ln>
-            <a:noFill/>
-          </a:ln>
-        </p:spPr>
-      </p:pic>
-      <p:pic>
-        <p:nvPicPr>
-          <p:cNvPr id="610" name="Google Shape;610;p46"/>
-          <p:cNvPicPr preferRelativeResize="0"/>
-          <p:nvPr/>
-        </p:nvPicPr>
-        <p:blipFill rotWithShape="1">
-          <a:blip r:embed="rId3">
-            <a:alphaModFix/>
-          </a:blip>
-          <a:srcRect l="5258" t="15629" b="79931"/>
-          <a:stretch/>
-        </p:blipFill>
-        <p:spPr>
-          <a:xfrm>
-            <a:off x="1797763" y="2571750"/>
-            <a:ext cx="5548425" cy="243399"/>
-          </a:xfrm>
-          <a:prstGeom prst="rect">
-            <a:avLst/>
-          </a:prstGeom>
-          <a:noFill/>
-          <a:ln>
-            <a:noFill/>
-          </a:ln>
-        </p:spPr>
-      </p:pic>
-      <p:pic>
-        <p:nvPicPr>
-          <p:cNvPr id="611" name="Google Shape;611;p46"/>
-          <p:cNvPicPr preferRelativeResize="0"/>
-          <p:nvPr/>
-        </p:nvPicPr>
-        <p:blipFill rotWithShape="1">
-          <a:blip r:embed="rId3">
-            <a:alphaModFix/>
-          </a:blip>
-          <a:srcRect l="5258" t="25669" b="66067"/>
-          <a:stretch/>
-        </p:blipFill>
-        <p:spPr>
-          <a:xfrm>
-            <a:off x="1797775" y="3167112"/>
-            <a:ext cx="5548425" cy="453076"/>
-          </a:xfrm>
-          <a:prstGeom prst="rect">
-            <a:avLst/>
-          </a:prstGeom>
-          <a:noFill/>
-          <a:ln>
-            <a:noFill/>
-          </a:ln>
-        </p:spPr>
-      </p:pic>
-      <p:sp>
-        <p:nvSpPr>
-          <p:cNvPr id="612" name="Google Shape;612;p46"/>
-          <p:cNvSpPr txBox="1"/>
-          <p:nvPr/>
-        </p:nvSpPr>
-        <p:spPr>
-          <a:xfrm>
-            <a:off x="1797850" y="2202450"/>
-            <a:ext cx="3000000" cy="367500"/>
-          </a:xfrm>
-          <a:prstGeom prst="rect">
-            <a:avLst/>
-          </a:prstGeom>
-          <a:noFill/>
-          <a:ln>
-            <a:noFill/>
-          </a:ln>
-        </p:spPr>
-        <p:txBody>
-          <a:bodyPr spcFirstLastPara="1" wrap="square" lIns="91425" tIns="91425" rIns="91425" bIns="91425" anchor="t" anchorCtr="0">
-            <a:spAutoFit/>
-          </a:bodyPr>
-          <a:lstStyle/>
-          <a:p>
-            <a:pPr marL="0" lvl="0" indent="0" algn="l" rtl="0">
-              <a:spcBef>
-                <a:spcPts val="0"/>
-              </a:spcBef>
-              <a:spcAft>
-                <a:spcPts val="0"/>
-              </a:spcAft>
-              <a:buNone/>
-            </a:pPr>
-            <a:r>
-              <a:rPr lang="zh-TW" sz="1200"/>
-              <a:t>圖片處理套件</a:t>
-            </a:r>
-            <a:endParaRPr sz="1200"/>
-          </a:p>
-        </p:txBody>
-      </p:sp>
-      <p:sp>
-        <p:nvSpPr>
-          <p:cNvPr id="613" name="Google Shape;613;p46"/>
-          <p:cNvSpPr txBox="1"/>
-          <p:nvPr/>
-        </p:nvSpPr>
-        <p:spPr>
-          <a:xfrm>
-            <a:off x="1797850" y="2797788"/>
-            <a:ext cx="3000000" cy="367500"/>
-          </a:xfrm>
-          <a:prstGeom prst="rect">
-            <a:avLst/>
-          </a:prstGeom>
-          <a:noFill/>
-          <a:ln>
-            <a:noFill/>
-          </a:ln>
-        </p:spPr>
-        <p:txBody>
-          <a:bodyPr spcFirstLastPara="1" wrap="square" lIns="91425" tIns="91425" rIns="91425" bIns="91425" anchor="t" anchorCtr="0">
-            <a:spAutoFit/>
-          </a:bodyPr>
-          <a:lstStyle/>
-          <a:p>
-            <a:pPr marL="0" lvl="0" indent="0" algn="l" rtl="0">
-              <a:spcBef>
-                <a:spcPts val="0"/>
-              </a:spcBef>
-              <a:spcAft>
-                <a:spcPts val="0"/>
-              </a:spcAft>
-              <a:buNone/>
-            </a:pPr>
-            <a:r>
-              <a:rPr lang="zh-TW" sz="1200"/>
-              <a:t>GUI套件</a:t>
-            </a:r>
-            <a:endParaRPr sz="1200"/>
-          </a:p>
-        </p:txBody>
-      </p:sp>
+        </p:grpSpPr>
+        <p:sp>
+          <p:nvSpPr>
+            <p:cNvPr id="530" name="Google Shape;530;p39"/>
+            <p:cNvSpPr/>
+            <p:nvPr/>
+          </p:nvSpPr>
+          <p:spPr>
+            <a:xfrm>
+              <a:off x="475400" y="4117311"/>
+              <a:ext cx="502800" cy="502800"/>
+            </a:xfrm>
+            <a:prstGeom prst="roundRect">
+              <a:avLst>
+                <a:gd name="adj" fmla="val 15109"/>
+              </a:avLst>
+            </a:prstGeom>
+            <a:solidFill>
+              <a:schemeClr val="accent2"/>
+            </a:solidFill>
+            <a:ln w="28575" cap="flat" cmpd="sng">
+              <a:solidFill>
+                <a:schemeClr val="dk1"/>
+              </a:solidFill>
+              <a:prstDash val="solid"/>
+              <a:round/>
+              <a:headEnd type="none" w="sm" len="sm"/>
+              <a:tailEnd type="none" w="sm" len="sm"/>
+            </a:ln>
+          </p:spPr>
+          <p:txBody>
+            <a:bodyPr spcFirstLastPara="1" wrap="square" lIns="91425" tIns="91425" rIns="91425" bIns="91425" anchor="ctr" anchorCtr="0">
+              <a:noAutofit/>
+            </a:bodyPr>
+            <a:lstStyle/>
+            <a:p>
+              <a:pPr marL="0" lvl="0" indent="0" algn="l" rtl="0">
+                <a:spcBef>
+                  <a:spcPts val="0"/>
+                </a:spcBef>
+                <a:spcAft>
+                  <a:spcPts val="0"/>
+                </a:spcAft>
+                <a:buNone/>
+              </a:pPr>
+              <a:endParaRPr/>
+            </a:p>
+          </p:txBody>
+        </p:sp>
+        <p:sp>
+          <p:nvSpPr>
+            <p:cNvPr id="531" name="Google Shape;531;p39"/>
+            <p:cNvSpPr/>
+            <p:nvPr/>
+          </p:nvSpPr>
+          <p:spPr>
+            <a:xfrm rot="2700000">
+              <a:off x="507243" y="4149154"/>
+              <a:ext cx="439113" cy="439113"/>
+            </a:xfrm>
+            <a:prstGeom prst="plus">
+              <a:avLst>
+                <a:gd name="adj" fmla="val 42536"/>
+              </a:avLst>
+            </a:prstGeom>
+            <a:solidFill>
+              <a:schemeClr val="lt2"/>
+            </a:solidFill>
+            <a:ln w="28575" cap="flat" cmpd="sng">
+              <a:solidFill>
+                <a:schemeClr val="dk1"/>
+              </a:solidFill>
+              <a:prstDash val="solid"/>
+              <a:round/>
+              <a:headEnd type="none" w="sm" len="sm"/>
+              <a:tailEnd type="none" w="sm" len="sm"/>
+            </a:ln>
+          </p:spPr>
+          <p:txBody>
+            <a:bodyPr spcFirstLastPara="1" wrap="square" lIns="91425" tIns="91425" rIns="91425" bIns="91425" anchor="ctr" anchorCtr="0">
+              <a:noAutofit/>
+            </a:bodyPr>
+            <a:lstStyle/>
+            <a:p>
+              <a:pPr marL="0" lvl="0" indent="0" algn="l" rtl="0">
+                <a:spcBef>
+                  <a:spcPts val="0"/>
+                </a:spcBef>
+                <a:spcAft>
+                  <a:spcPts val="0"/>
+                </a:spcAft>
+                <a:buNone/>
+              </a:pPr>
+              <a:endParaRPr/>
+            </a:p>
+          </p:txBody>
+        </p:sp>
+      </p:grpSp>
     </p:spTree>
+    <p:extLst>
+      <p:ext uri="{BB962C8B-B14F-4D97-AF65-F5344CB8AC3E}">
+        <p14:creationId xmlns:p14="http://schemas.microsoft.com/office/powerpoint/2010/main" val="3353048722"/>
+      </p:ext>
+    </p:extLst>
   </p:cSld>
   <p:clrMapOvr>
     <a:masterClrMapping/>
@@ -38630,3715 +39443,6 @@
 </file>
 
 <file path=ppt/slides/slide13.xml><?xml version="1.0" encoding="utf-8"?>
-<p:sld xmlns:a="http://schemas.openxmlformats.org/drawingml/2006/main" xmlns:r="http://schemas.openxmlformats.org/officeDocument/2006/relationships" xmlns:p="http://schemas.openxmlformats.org/presentationml/2006/main">
-  <p:cSld>
-    <p:spTree>
-      <p:nvGrpSpPr>
-        <p:cNvPr id="1" name="Shape 617"/>
-        <p:cNvGrpSpPr/>
-        <p:nvPr/>
-      </p:nvGrpSpPr>
-      <p:grpSpPr>
-        <a:xfrm>
-          <a:off x="0" y="0"/>
-          <a:ext cx="0" cy="0"/>
-          <a:chOff x="0" y="0"/>
-          <a:chExt cx="0" cy="0"/>
-        </a:xfrm>
-      </p:grpSpPr>
-      <p:sp>
-        <p:nvSpPr>
-          <p:cNvPr id="618" name="Google Shape;618;p47"/>
-          <p:cNvSpPr/>
-          <p:nvPr/>
-        </p:nvSpPr>
-        <p:spPr>
-          <a:xfrm>
-            <a:off x="7746400" y="1066450"/>
-            <a:ext cx="457208" cy="164590"/>
-          </a:xfrm>
-          <a:custGeom>
-            <a:avLst/>
-            <a:gdLst/>
-            <a:ahLst/>
-            <a:cxnLst/>
-            <a:rect l="l" t="t" r="r" b="b"/>
-            <a:pathLst>
-              <a:path w="7903" h="3025" extrusionOk="0">
-                <a:moveTo>
-                  <a:pt x="2025" y="2829"/>
-                </a:moveTo>
-                <a:cubicBezTo>
-                  <a:pt x="1829" y="3024"/>
-                  <a:pt x="1537" y="2732"/>
-                  <a:pt x="1732" y="2537"/>
-                </a:cubicBezTo>
-                <a:lnTo>
-                  <a:pt x="2756" y="1537"/>
-                </a:lnTo>
-                <a:lnTo>
-                  <a:pt x="1732" y="512"/>
-                </a:lnTo>
-                <a:cubicBezTo>
-                  <a:pt x="1537" y="317"/>
-                  <a:pt x="1829" y="49"/>
-                  <a:pt x="2025" y="220"/>
-                </a:cubicBezTo>
-                <a:lnTo>
-                  <a:pt x="3171" y="1390"/>
-                </a:lnTo>
-                <a:cubicBezTo>
-                  <a:pt x="3244" y="1463"/>
-                  <a:pt x="3244" y="1585"/>
-                  <a:pt x="3171" y="1683"/>
-                </a:cubicBezTo>
-                <a:close/>
-                <a:moveTo>
-                  <a:pt x="195" y="512"/>
-                </a:moveTo>
-                <a:lnTo>
-                  <a:pt x="1195" y="1512"/>
-                </a:lnTo>
-                <a:lnTo>
-                  <a:pt x="195" y="2537"/>
-                </a:lnTo>
-                <a:cubicBezTo>
-                  <a:pt x="0" y="2732"/>
-                  <a:pt x="269" y="3000"/>
-                  <a:pt x="464" y="2805"/>
-                </a:cubicBezTo>
-                <a:lnTo>
-                  <a:pt x="1610" y="1659"/>
-                </a:lnTo>
-                <a:cubicBezTo>
-                  <a:pt x="1708" y="1585"/>
-                  <a:pt x="1708" y="1463"/>
-                  <a:pt x="1610" y="1366"/>
-                </a:cubicBezTo>
-                <a:lnTo>
-                  <a:pt x="464" y="220"/>
-                </a:lnTo>
-                <a:cubicBezTo>
-                  <a:pt x="269" y="25"/>
-                  <a:pt x="0" y="317"/>
-                  <a:pt x="195" y="512"/>
-                </a:cubicBezTo>
-                <a:close/>
-                <a:moveTo>
-                  <a:pt x="6659" y="2829"/>
-                </a:moveTo>
-                <a:cubicBezTo>
-                  <a:pt x="6464" y="3024"/>
-                  <a:pt x="6195" y="2732"/>
-                  <a:pt x="6366" y="2537"/>
-                </a:cubicBezTo>
-                <a:lnTo>
-                  <a:pt x="7390" y="1537"/>
-                </a:lnTo>
-                <a:lnTo>
-                  <a:pt x="6366" y="512"/>
-                </a:lnTo>
-                <a:cubicBezTo>
-                  <a:pt x="6195" y="317"/>
-                  <a:pt x="6464" y="49"/>
-                  <a:pt x="6659" y="220"/>
-                </a:cubicBezTo>
-                <a:lnTo>
-                  <a:pt x="7805" y="1390"/>
-                </a:lnTo>
-                <a:cubicBezTo>
-                  <a:pt x="7903" y="1463"/>
-                  <a:pt x="7903" y="1585"/>
-                  <a:pt x="7805" y="1683"/>
-                </a:cubicBezTo>
-                <a:close/>
-                <a:moveTo>
-                  <a:pt x="5122" y="2829"/>
-                </a:moveTo>
-                <a:lnTo>
-                  <a:pt x="6268" y="1683"/>
-                </a:lnTo>
-                <a:cubicBezTo>
-                  <a:pt x="6342" y="1585"/>
-                  <a:pt x="6342" y="1463"/>
-                  <a:pt x="6268" y="1390"/>
-                </a:cubicBezTo>
-                <a:lnTo>
-                  <a:pt x="5122" y="220"/>
-                </a:lnTo>
-                <a:cubicBezTo>
-                  <a:pt x="4927" y="73"/>
-                  <a:pt x="4659" y="317"/>
-                  <a:pt x="4829" y="512"/>
-                </a:cubicBezTo>
-                <a:lnTo>
-                  <a:pt x="5854" y="1537"/>
-                </a:lnTo>
-                <a:lnTo>
-                  <a:pt x="4829" y="2537"/>
-                </a:lnTo>
-                <a:cubicBezTo>
-                  <a:pt x="4634" y="2732"/>
-                  <a:pt x="4927" y="3024"/>
-                  <a:pt x="5122" y="2829"/>
-                </a:cubicBezTo>
-                <a:close/>
-                <a:moveTo>
-                  <a:pt x="3561" y="2829"/>
-                </a:moveTo>
-                <a:lnTo>
-                  <a:pt x="4707" y="1683"/>
-                </a:lnTo>
-                <a:cubicBezTo>
-                  <a:pt x="4805" y="1585"/>
-                  <a:pt x="4805" y="1463"/>
-                  <a:pt x="4707" y="1390"/>
-                </a:cubicBezTo>
-                <a:lnTo>
-                  <a:pt x="3561" y="220"/>
-                </a:lnTo>
-                <a:cubicBezTo>
-                  <a:pt x="3366" y="0"/>
-                  <a:pt x="3049" y="317"/>
-                  <a:pt x="3268" y="512"/>
-                </a:cubicBezTo>
-                <a:lnTo>
-                  <a:pt x="4293" y="1537"/>
-                </a:lnTo>
-                <a:lnTo>
-                  <a:pt x="3268" y="2537"/>
-                </a:lnTo>
-                <a:cubicBezTo>
-                  <a:pt x="3098" y="2732"/>
-                  <a:pt x="3366" y="3024"/>
-                  <a:pt x="3561" y="2829"/>
-                </a:cubicBezTo>
-                <a:close/>
-              </a:path>
-            </a:pathLst>
-          </a:custGeom>
-          <a:solidFill>
-            <a:schemeClr val="dk1"/>
-          </a:solidFill>
-          <a:ln>
-            <a:noFill/>
-          </a:ln>
-        </p:spPr>
-        <p:txBody>
-          <a:bodyPr spcFirstLastPara="1" wrap="square" lIns="91425" tIns="91425" rIns="91425" bIns="91425" anchor="ctr" anchorCtr="0">
-            <a:noAutofit/>
-          </a:bodyPr>
-          <a:lstStyle/>
-          <a:p>
-            <a:pPr marL="0" lvl="0" indent="0" algn="l" rtl="0">
-              <a:spcBef>
-                <a:spcPts val="0"/>
-              </a:spcBef>
-              <a:spcAft>
-                <a:spcPts val="0"/>
-              </a:spcAft>
-              <a:buNone/>
-            </a:pPr>
-            <a:endParaRPr/>
-          </a:p>
-        </p:txBody>
-      </p:sp>
-      <p:sp>
-        <p:nvSpPr>
-          <p:cNvPr id="619" name="Google Shape;619;p47"/>
-          <p:cNvSpPr/>
-          <p:nvPr/>
-        </p:nvSpPr>
-        <p:spPr>
-          <a:xfrm>
-            <a:off x="7971832" y="917810"/>
-            <a:ext cx="457196" cy="57149"/>
-          </a:xfrm>
-          <a:custGeom>
-            <a:avLst/>
-            <a:gdLst/>
-            <a:ahLst/>
-            <a:cxnLst/>
-            <a:rect l="l" t="t" r="r" b="b"/>
-            <a:pathLst>
-              <a:path w="11732" h="1391" extrusionOk="0">
-                <a:moveTo>
-                  <a:pt x="11488" y="854"/>
-                </a:moveTo>
-                <a:cubicBezTo>
-                  <a:pt x="11708" y="878"/>
-                  <a:pt x="11732" y="1220"/>
-                  <a:pt x="11488" y="1244"/>
-                </a:cubicBezTo>
-                <a:cubicBezTo>
-                  <a:pt x="11220" y="1244"/>
-                  <a:pt x="10952" y="1098"/>
-                  <a:pt x="10805" y="854"/>
-                </a:cubicBezTo>
-                <a:cubicBezTo>
-                  <a:pt x="10683" y="708"/>
-                  <a:pt x="10561" y="537"/>
-                  <a:pt x="10366" y="537"/>
-                </a:cubicBezTo>
-                <a:cubicBezTo>
-                  <a:pt x="10171" y="537"/>
-                  <a:pt x="10049" y="683"/>
-                  <a:pt x="9927" y="854"/>
-                </a:cubicBezTo>
-                <a:cubicBezTo>
-                  <a:pt x="9781" y="1098"/>
-                  <a:pt x="9513" y="1244"/>
-                  <a:pt x="9244" y="1244"/>
-                </a:cubicBezTo>
-                <a:cubicBezTo>
-                  <a:pt x="8952" y="1244"/>
-                  <a:pt x="8708" y="1098"/>
-                  <a:pt x="8561" y="854"/>
-                </a:cubicBezTo>
-                <a:cubicBezTo>
-                  <a:pt x="8439" y="708"/>
-                  <a:pt x="8293" y="537"/>
-                  <a:pt x="8122" y="537"/>
-                </a:cubicBezTo>
-                <a:cubicBezTo>
-                  <a:pt x="7927" y="537"/>
-                  <a:pt x="7805" y="683"/>
-                  <a:pt x="7683" y="854"/>
-                </a:cubicBezTo>
-                <a:cubicBezTo>
-                  <a:pt x="7537" y="1098"/>
-                  <a:pt x="7269" y="1244"/>
-                  <a:pt x="6976" y="1244"/>
-                </a:cubicBezTo>
-                <a:cubicBezTo>
-                  <a:pt x="6708" y="1244"/>
-                  <a:pt x="6439" y="1098"/>
-                  <a:pt x="6293" y="854"/>
-                </a:cubicBezTo>
-                <a:cubicBezTo>
-                  <a:pt x="6171" y="708"/>
-                  <a:pt x="6049" y="537"/>
-                  <a:pt x="5854" y="537"/>
-                </a:cubicBezTo>
-                <a:cubicBezTo>
-                  <a:pt x="5683" y="537"/>
-                  <a:pt x="5561" y="683"/>
-                  <a:pt x="5415" y="854"/>
-                </a:cubicBezTo>
-                <a:cubicBezTo>
-                  <a:pt x="5122" y="1391"/>
-                  <a:pt x="4342" y="1391"/>
-                  <a:pt x="4049" y="854"/>
-                </a:cubicBezTo>
-                <a:cubicBezTo>
-                  <a:pt x="3927" y="708"/>
-                  <a:pt x="3805" y="537"/>
-                  <a:pt x="3610" y="537"/>
-                </a:cubicBezTo>
-                <a:cubicBezTo>
-                  <a:pt x="3415" y="537"/>
-                  <a:pt x="3318" y="683"/>
-                  <a:pt x="3171" y="854"/>
-                </a:cubicBezTo>
-                <a:cubicBezTo>
-                  <a:pt x="2879" y="1391"/>
-                  <a:pt x="2098" y="1391"/>
-                  <a:pt x="1805" y="854"/>
-                </a:cubicBezTo>
-                <a:cubicBezTo>
-                  <a:pt x="1683" y="708"/>
-                  <a:pt x="1561" y="537"/>
-                  <a:pt x="1366" y="537"/>
-                </a:cubicBezTo>
-                <a:cubicBezTo>
-                  <a:pt x="1171" y="537"/>
-                  <a:pt x="1074" y="683"/>
-                  <a:pt x="927" y="854"/>
-                </a:cubicBezTo>
-                <a:cubicBezTo>
-                  <a:pt x="781" y="1098"/>
-                  <a:pt x="513" y="1244"/>
-                  <a:pt x="244" y="1244"/>
-                </a:cubicBezTo>
-                <a:cubicBezTo>
-                  <a:pt x="1" y="1220"/>
-                  <a:pt x="1" y="878"/>
-                  <a:pt x="244" y="854"/>
-                </a:cubicBezTo>
-                <a:cubicBezTo>
-                  <a:pt x="391" y="854"/>
-                  <a:pt x="513" y="732"/>
-                  <a:pt x="635" y="586"/>
-                </a:cubicBezTo>
-                <a:cubicBezTo>
-                  <a:pt x="781" y="317"/>
-                  <a:pt x="1074" y="171"/>
-                  <a:pt x="1366" y="147"/>
-                </a:cubicBezTo>
-                <a:cubicBezTo>
-                  <a:pt x="1659" y="171"/>
-                  <a:pt x="1952" y="317"/>
-                  <a:pt x="2098" y="586"/>
-                </a:cubicBezTo>
-                <a:cubicBezTo>
-                  <a:pt x="2220" y="732"/>
-                  <a:pt x="2342" y="854"/>
-                  <a:pt x="2488" y="854"/>
-                </a:cubicBezTo>
-                <a:lnTo>
-                  <a:pt x="2488" y="854"/>
-                </a:lnTo>
-                <a:cubicBezTo>
-                  <a:pt x="2635" y="854"/>
-                  <a:pt x="2757" y="732"/>
-                  <a:pt x="2879" y="586"/>
-                </a:cubicBezTo>
-                <a:cubicBezTo>
-                  <a:pt x="3196" y="0"/>
-                  <a:pt x="4025" y="0"/>
-                  <a:pt x="4342" y="586"/>
-                </a:cubicBezTo>
-                <a:cubicBezTo>
-                  <a:pt x="4464" y="732"/>
-                  <a:pt x="4586" y="854"/>
-                  <a:pt x="4732" y="854"/>
-                </a:cubicBezTo>
-                <a:lnTo>
-                  <a:pt x="4781" y="854"/>
-                </a:lnTo>
-                <a:cubicBezTo>
-                  <a:pt x="4927" y="854"/>
-                  <a:pt x="5025" y="732"/>
-                  <a:pt x="5147" y="586"/>
-                </a:cubicBezTo>
-                <a:cubicBezTo>
-                  <a:pt x="5318" y="317"/>
-                  <a:pt x="5586" y="171"/>
-                  <a:pt x="5878" y="147"/>
-                </a:cubicBezTo>
-                <a:cubicBezTo>
-                  <a:pt x="6196" y="171"/>
-                  <a:pt x="6464" y="317"/>
-                  <a:pt x="6635" y="586"/>
-                </a:cubicBezTo>
-                <a:cubicBezTo>
-                  <a:pt x="6757" y="732"/>
-                  <a:pt x="6854" y="854"/>
-                  <a:pt x="7000" y="854"/>
-                </a:cubicBezTo>
-                <a:lnTo>
-                  <a:pt x="7025" y="854"/>
-                </a:lnTo>
-                <a:cubicBezTo>
-                  <a:pt x="7171" y="854"/>
-                  <a:pt x="7293" y="732"/>
-                  <a:pt x="7391" y="586"/>
-                </a:cubicBezTo>
-                <a:cubicBezTo>
-                  <a:pt x="7708" y="0"/>
-                  <a:pt x="8561" y="0"/>
-                  <a:pt x="8878" y="586"/>
-                </a:cubicBezTo>
-                <a:cubicBezTo>
-                  <a:pt x="9000" y="732"/>
-                  <a:pt x="9098" y="854"/>
-                  <a:pt x="9244" y="854"/>
-                </a:cubicBezTo>
-                <a:lnTo>
-                  <a:pt x="9269" y="854"/>
-                </a:lnTo>
-                <a:cubicBezTo>
-                  <a:pt x="9415" y="854"/>
-                  <a:pt x="9537" y="732"/>
-                  <a:pt x="9659" y="586"/>
-                </a:cubicBezTo>
-                <a:cubicBezTo>
-                  <a:pt x="9805" y="317"/>
-                  <a:pt x="10074" y="171"/>
-                  <a:pt x="10391" y="147"/>
-                </a:cubicBezTo>
-                <a:cubicBezTo>
-                  <a:pt x="10683" y="171"/>
-                  <a:pt x="10976" y="317"/>
-                  <a:pt x="11122" y="586"/>
-                </a:cubicBezTo>
-                <a:cubicBezTo>
-                  <a:pt x="11244" y="732"/>
-                  <a:pt x="11342" y="854"/>
-                  <a:pt x="11488" y="854"/>
-                </a:cubicBezTo>
-                <a:close/>
-              </a:path>
-            </a:pathLst>
-          </a:custGeom>
-          <a:solidFill>
-            <a:schemeClr val="dk1"/>
-          </a:solidFill>
-          <a:ln>
-            <a:noFill/>
-          </a:ln>
-        </p:spPr>
-        <p:txBody>
-          <a:bodyPr spcFirstLastPara="1" wrap="square" lIns="91425" tIns="91425" rIns="91425" bIns="91425" anchor="ctr" anchorCtr="0">
-            <a:noAutofit/>
-          </a:bodyPr>
-          <a:lstStyle/>
-          <a:p>
-            <a:pPr marL="0" lvl="0" indent="0" algn="l" rtl="0">
-              <a:spcBef>
-                <a:spcPts val="0"/>
-              </a:spcBef>
-              <a:spcAft>
-                <a:spcPts val="0"/>
-              </a:spcAft>
-              <a:buNone/>
-            </a:pPr>
-            <a:endParaRPr/>
-          </a:p>
-        </p:txBody>
-      </p:sp>
-      <p:sp>
-        <p:nvSpPr>
-          <p:cNvPr id="620" name="Google Shape;620;p47"/>
-          <p:cNvSpPr/>
-          <p:nvPr/>
-        </p:nvSpPr>
-        <p:spPr>
-          <a:xfrm>
-            <a:off x="715100" y="1357700"/>
-            <a:ext cx="457207" cy="59636"/>
-          </a:xfrm>
-          <a:custGeom>
-            <a:avLst/>
-            <a:gdLst/>
-            <a:ahLst/>
-            <a:cxnLst/>
-            <a:rect l="l" t="t" r="r" b="b"/>
-            <a:pathLst>
-              <a:path w="8294" h="952" extrusionOk="0">
-                <a:moveTo>
-                  <a:pt x="415" y="0"/>
-                </a:moveTo>
-                <a:cubicBezTo>
-                  <a:pt x="757" y="0"/>
-                  <a:pt x="952" y="439"/>
-                  <a:pt x="708" y="683"/>
-                </a:cubicBezTo>
-                <a:cubicBezTo>
-                  <a:pt x="440" y="951"/>
-                  <a:pt x="1" y="756"/>
-                  <a:pt x="25" y="390"/>
-                </a:cubicBezTo>
-                <a:cubicBezTo>
-                  <a:pt x="25" y="171"/>
-                  <a:pt x="196" y="0"/>
-                  <a:pt x="415" y="0"/>
-                </a:cubicBezTo>
-                <a:close/>
-                <a:moveTo>
-                  <a:pt x="7757" y="0"/>
-                </a:moveTo>
-                <a:cubicBezTo>
-                  <a:pt x="8123" y="0"/>
-                  <a:pt x="8293" y="439"/>
-                  <a:pt x="8025" y="683"/>
-                </a:cubicBezTo>
-                <a:cubicBezTo>
-                  <a:pt x="7781" y="951"/>
-                  <a:pt x="7342" y="756"/>
-                  <a:pt x="7342" y="415"/>
-                </a:cubicBezTo>
-                <a:cubicBezTo>
-                  <a:pt x="7342" y="195"/>
-                  <a:pt x="7537" y="0"/>
-                  <a:pt x="7757" y="0"/>
-                </a:cubicBezTo>
-                <a:close/>
-                <a:moveTo>
-                  <a:pt x="5928" y="0"/>
-                </a:moveTo>
-                <a:cubicBezTo>
-                  <a:pt x="6293" y="24"/>
-                  <a:pt x="6440" y="463"/>
-                  <a:pt x="6171" y="707"/>
-                </a:cubicBezTo>
-                <a:cubicBezTo>
-                  <a:pt x="5903" y="951"/>
-                  <a:pt x="5488" y="756"/>
-                  <a:pt x="5513" y="390"/>
-                </a:cubicBezTo>
-                <a:cubicBezTo>
-                  <a:pt x="5513" y="171"/>
-                  <a:pt x="5684" y="0"/>
-                  <a:pt x="5903" y="0"/>
-                </a:cubicBezTo>
-                <a:close/>
-                <a:moveTo>
-                  <a:pt x="4098" y="0"/>
-                </a:moveTo>
-                <a:cubicBezTo>
-                  <a:pt x="4464" y="24"/>
-                  <a:pt x="4610" y="463"/>
-                  <a:pt x="4342" y="707"/>
-                </a:cubicBezTo>
-                <a:cubicBezTo>
-                  <a:pt x="4074" y="951"/>
-                  <a:pt x="3659" y="756"/>
-                  <a:pt x="3684" y="390"/>
-                </a:cubicBezTo>
-                <a:cubicBezTo>
-                  <a:pt x="3684" y="171"/>
-                  <a:pt x="3854" y="0"/>
-                  <a:pt x="4074" y="0"/>
-                </a:cubicBezTo>
-                <a:close/>
-                <a:moveTo>
-                  <a:pt x="2269" y="0"/>
-                </a:moveTo>
-                <a:cubicBezTo>
-                  <a:pt x="2635" y="24"/>
-                  <a:pt x="2781" y="463"/>
-                  <a:pt x="2513" y="707"/>
-                </a:cubicBezTo>
-                <a:cubicBezTo>
-                  <a:pt x="2245" y="951"/>
-                  <a:pt x="1830" y="756"/>
-                  <a:pt x="1854" y="390"/>
-                </a:cubicBezTo>
-                <a:cubicBezTo>
-                  <a:pt x="1854" y="171"/>
-                  <a:pt x="2025" y="0"/>
-                  <a:pt x="2245" y="0"/>
-                </a:cubicBezTo>
-                <a:close/>
-              </a:path>
-            </a:pathLst>
-          </a:custGeom>
-          <a:solidFill>
-            <a:schemeClr val="dk1"/>
-          </a:solidFill>
-          <a:ln>
-            <a:noFill/>
-          </a:ln>
-        </p:spPr>
-        <p:txBody>
-          <a:bodyPr spcFirstLastPara="1" wrap="square" lIns="91425" tIns="91425" rIns="91425" bIns="91425" anchor="ctr" anchorCtr="0">
-            <a:noAutofit/>
-          </a:bodyPr>
-          <a:lstStyle/>
-          <a:p>
-            <a:pPr marL="0" lvl="0" indent="0" algn="l" rtl="0">
-              <a:spcBef>
-                <a:spcPts val="0"/>
-              </a:spcBef>
-              <a:spcAft>
-                <a:spcPts val="0"/>
-              </a:spcAft>
-              <a:buNone/>
-            </a:pPr>
-            <a:endParaRPr/>
-          </a:p>
-        </p:txBody>
-      </p:sp>
-      <p:sp>
-        <p:nvSpPr>
-          <p:cNvPr id="621" name="Google Shape;621;p47"/>
-          <p:cNvSpPr txBox="1"/>
-          <p:nvPr/>
-        </p:nvSpPr>
-        <p:spPr>
-          <a:xfrm>
-            <a:off x="715100" y="764725"/>
-            <a:ext cx="1704000" cy="363300"/>
-          </a:xfrm>
-          <a:prstGeom prst="rect">
-            <a:avLst/>
-          </a:prstGeom>
-          <a:noFill/>
-          <a:ln>
-            <a:noFill/>
-          </a:ln>
-        </p:spPr>
-        <p:txBody>
-          <a:bodyPr spcFirstLastPara="1" wrap="square" lIns="91425" tIns="91425" rIns="91425" bIns="91425" anchor="t" anchorCtr="0">
-            <a:noAutofit/>
-          </a:bodyPr>
-          <a:lstStyle/>
-          <a:p>
-            <a:pPr marL="0" lvl="0" indent="0" algn="l" rtl="0">
-              <a:spcBef>
-                <a:spcPts val="0"/>
-              </a:spcBef>
-              <a:spcAft>
-                <a:spcPts val="0"/>
-              </a:spcAft>
-              <a:buNone/>
-            </a:pPr>
-            <a:r>
-              <a:rPr lang="zh-TW" dirty="0">
-                <a:solidFill>
-                  <a:schemeClr val="dk1"/>
-                </a:solidFill>
-                <a:latin typeface="Karla"/>
-                <a:ea typeface="Karla"/>
-                <a:cs typeface="Karla"/>
-                <a:sym typeface="Karla"/>
-              </a:rPr>
-              <a:t>GUI.PY</a:t>
-            </a:r>
-            <a:endParaRPr dirty="0">
-              <a:solidFill>
-                <a:schemeClr val="dk1"/>
-              </a:solidFill>
-              <a:latin typeface="Karla"/>
-              <a:ea typeface="Karla"/>
-              <a:cs typeface="Karla"/>
-              <a:sym typeface="Karla"/>
-            </a:endParaRPr>
-          </a:p>
-        </p:txBody>
-      </p:sp>
-      <p:pic>
-        <p:nvPicPr>
-          <p:cNvPr id="622" name="Google Shape;622;p47"/>
-          <p:cNvPicPr preferRelativeResize="0"/>
-          <p:nvPr/>
-        </p:nvPicPr>
-        <p:blipFill rotWithShape="1">
-          <a:blip r:embed="rId3">
-            <a:alphaModFix/>
-          </a:blip>
-          <a:srcRect l="4216" t="40814" r="1042" b="50922"/>
-          <a:stretch/>
-        </p:blipFill>
-        <p:spPr>
-          <a:xfrm>
-            <a:off x="1797775" y="1725200"/>
-            <a:ext cx="5548425" cy="453076"/>
-          </a:xfrm>
-          <a:prstGeom prst="rect">
-            <a:avLst/>
-          </a:prstGeom>
-          <a:noFill/>
-          <a:ln>
-            <a:noFill/>
-          </a:ln>
-        </p:spPr>
-      </p:pic>
-      <p:sp>
-        <p:nvSpPr>
-          <p:cNvPr id="623" name="Google Shape;623;p47"/>
-          <p:cNvSpPr txBox="1"/>
-          <p:nvPr/>
-        </p:nvSpPr>
-        <p:spPr>
-          <a:xfrm>
-            <a:off x="1797850" y="1357700"/>
-            <a:ext cx="3000000" cy="367500"/>
-          </a:xfrm>
-          <a:prstGeom prst="rect">
-            <a:avLst/>
-          </a:prstGeom>
-          <a:noFill/>
-          <a:ln>
-            <a:noFill/>
-          </a:ln>
-        </p:spPr>
-        <p:txBody>
-          <a:bodyPr spcFirstLastPara="1" wrap="square" lIns="91425" tIns="91425" rIns="91425" bIns="91425" anchor="t" anchorCtr="0">
-            <a:spAutoFit/>
-          </a:bodyPr>
-          <a:lstStyle/>
-          <a:p>
-            <a:pPr marL="0" lvl="0" indent="0" algn="l" rtl="0">
-              <a:spcBef>
-                <a:spcPts val="0"/>
-              </a:spcBef>
-              <a:spcAft>
-                <a:spcPts val="0"/>
-              </a:spcAft>
-              <a:buNone/>
-            </a:pPr>
-            <a:r>
-              <a:rPr lang="zh-TW" sz="1200"/>
-              <a:t>輸出驗證碼圖片</a:t>
-            </a:r>
-            <a:endParaRPr sz="1200"/>
-          </a:p>
-        </p:txBody>
-      </p:sp>
-      <p:sp>
-        <p:nvSpPr>
-          <p:cNvPr id="624" name="Google Shape;624;p47"/>
-          <p:cNvSpPr txBox="1"/>
-          <p:nvPr/>
-        </p:nvSpPr>
-        <p:spPr>
-          <a:xfrm>
-            <a:off x="1797763" y="2178275"/>
-            <a:ext cx="3672300" cy="367500"/>
-          </a:xfrm>
-          <a:prstGeom prst="rect">
-            <a:avLst/>
-          </a:prstGeom>
-          <a:noFill/>
-          <a:ln>
-            <a:noFill/>
-          </a:ln>
-        </p:spPr>
-        <p:txBody>
-          <a:bodyPr spcFirstLastPara="1" wrap="square" lIns="91425" tIns="91425" rIns="91425" bIns="91425" anchor="t" anchorCtr="0">
-            <a:spAutoFit/>
-          </a:bodyPr>
-          <a:lstStyle/>
-          <a:p>
-            <a:pPr marL="0" lvl="0" indent="0" algn="l" rtl="0">
-              <a:spcBef>
-                <a:spcPts val="0"/>
-              </a:spcBef>
-              <a:spcAft>
-                <a:spcPts val="0"/>
-              </a:spcAft>
-              <a:buNone/>
-            </a:pPr>
-            <a:r>
-              <a:rPr lang="zh-TW" sz="1200"/>
-              <a:t>呼叫create_CAPTCHA.py生成驗證碼</a:t>
-            </a:r>
-            <a:endParaRPr sz="1200"/>
-          </a:p>
-        </p:txBody>
-      </p:sp>
-      <p:pic>
-        <p:nvPicPr>
-          <p:cNvPr id="625" name="Google Shape;625;p47"/>
-          <p:cNvPicPr preferRelativeResize="0"/>
-          <p:nvPr/>
-        </p:nvPicPr>
-        <p:blipFill rotWithShape="1">
-          <a:blip r:embed="rId3">
-            <a:alphaModFix/>
-          </a:blip>
-          <a:srcRect l="5258" t="55856" b="28840"/>
-          <a:stretch/>
-        </p:blipFill>
-        <p:spPr>
-          <a:xfrm>
-            <a:off x="1797763" y="2545787"/>
-            <a:ext cx="5548425" cy="839074"/>
-          </a:xfrm>
-          <a:prstGeom prst="rect">
-            <a:avLst/>
-          </a:prstGeom>
-          <a:noFill/>
-          <a:ln>
-            <a:noFill/>
-          </a:ln>
-        </p:spPr>
-      </p:pic>
-      <p:sp>
-        <p:nvSpPr>
-          <p:cNvPr id="626" name="Google Shape;626;p47"/>
-          <p:cNvSpPr txBox="1"/>
-          <p:nvPr/>
-        </p:nvSpPr>
-        <p:spPr>
-          <a:xfrm>
-            <a:off x="1797763" y="3384838"/>
-            <a:ext cx="3672300" cy="367500"/>
-          </a:xfrm>
-          <a:prstGeom prst="rect">
-            <a:avLst/>
-          </a:prstGeom>
-          <a:noFill/>
-          <a:ln>
-            <a:noFill/>
-          </a:ln>
-        </p:spPr>
-        <p:txBody>
-          <a:bodyPr spcFirstLastPara="1" wrap="square" lIns="91425" tIns="91425" rIns="91425" bIns="91425" anchor="t" anchorCtr="0">
-            <a:spAutoFit/>
-          </a:bodyPr>
-          <a:lstStyle/>
-          <a:p>
-            <a:pPr marL="0" lvl="0" indent="0" algn="l" rtl="0">
-              <a:spcBef>
-                <a:spcPts val="0"/>
-              </a:spcBef>
-              <a:spcAft>
-                <a:spcPts val="0"/>
-              </a:spcAft>
-              <a:buNone/>
-            </a:pPr>
-            <a:r>
-              <a:rPr lang="zh-TW" sz="1200"/>
-              <a:t>在output標籤輸出圖片</a:t>
-            </a:r>
-            <a:endParaRPr sz="1200"/>
-          </a:p>
-        </p:txBody>
-      </p:sp>
-      <p:pic>
-        <p:nvPicPr>
-          <p:cNvPr id="627" name="Google Shape;627;p47"/>
-          <p:cNvPicPr preferRelativeResize="0"/>
-          <p:nvPr/>
-        </p:nvPicPr>
-        <p:blipFill rotWithShape="1">
-          <a:blip r:embed="rId3">
-            <a:alphaModFix/>
-          </a:blip>
-          <a:srcRect l="5258" t="78306" b="18691"/>
-          <a:stretch/>
-        </p:blipFill>
-        <p:spPr>
-          <a:xfrm>
-            <a:off x="1797763" y="3752350"/>
-            <a:ext cx="5548425" cy="164601"/>
-          </a:xfrm>
-          <a:prstGeom prst="rect">
-            <a:avLst/>
-          </a:prstGeom>
-          <a:noFill/>
-          <a:ln>
-            <a:noFill/>
-          </a:ln>
-        </p:spPr>
-      </p:pic>
-    </p:spTree>
-  </p:cSld>
-  <p:clrMapOvr>
-    <a:masterClrMapping/>
-  </p:clrMapOvr>
-</p:sld>
-</file>
-
-<file path=ppt/slides/slide14.xml><?xml version="1.0" encoding="utf-8"?>
-<p:sld xmlns:a="http://schemas.openxmlformats.org/drawingml/2006/main" xmlns:r="http://schemas.openxmlformats.org/officeDocument/2006/relationships" xmlns:p="http://schemas.openxmlformats.org/presentationml/2006/main">
-  <p:cSld>
-    <p:spTree>
-      <p:nvGrpSpPr>
-        <p:cNvPr id="1" name="Shape 631"/>
-        <p:cNvGrpSpPr/>
-        <p:nvPr/>
-      </p:nvGrpSpPr>
-      <p:grpSpPr>
-        <a:xfrm>
-          <a:off x="0" y="0"/>
-          <a:ext cx="0" cy="0"/>
-          <a:chOff x="0" y="0"/>
-          <a:chExt cx="0" cy="0"/>
-        </a:xfrm>
-      </p:grpSpPr>
-      <p:sp>
-        <p:nvSpPr>
-          <p:cNvPr id="632" name="Google Shape;632;p48"/>
-          <p:cNvSpPr/>
-          <p:nvPr/>
-        </p:nvSpPr>
-        <p:spPr>
-          <a:xfrm>
-            <a:off x="7746400" y="1066450"/>
-            <a:ext cx="457208" cy="164590"/>
-          </a:xfrm>
-          <a:custGeom>
-            <a:avLst/>
-            <a:gdLst/>
-            <a:ahLst/>
-            <a:cxnLst/>
-            <a:rect l="l" t="t" r="r" b="b"/>
-            <a:pathLst>
-              <a:path w="7903" h="3025" extrusionOk="0">
-                <a:moveTo>
-                  <a:pt x="2025" y="2829"/>
-                </a:moveTo>
-                <a:cubicBezTo>
-                  <a:pt x="1829" y="3024"/>
-                  <a:pt x="1537" y="2732"/>
-                  <a:pt x="1732" y="2537"/>
-                </a:cubicBezTo>
-                <a:lnTo>
-                  <a:pt x="2756" y="1537"/>
-                </a:lnTo>
-                <a:lnTo>
-                  <a:pt x="1732" y="512"/>
-                </a:lnTo>
-                <a:cubicBezTo>
-                  <a:pt x="1537" y="317"/>
-                  <a:pt x="1829" y="49"/>
-                  <a:pt x="2025" y="220"/>
-                </a:cubicBezTo>
-                <a:lnTo>
-                  <a:pt x="3171" y="1390"/>
-                </a:lnTo>
-                <a:cubicBezTo>
-                  <a:pt x="3244" y="1463"/>
-                  <a:pt x="3244" y="1585"/>
-                  <a:pt x="3171" y="1683"/>
-                </a:cubicBezTo>
-                <a:close/>
-                <a:moveTo>
-                  <a:pt x="195" y="512"/>
-                </a:moveTo>
-                <a:lnTo>
-                  <a:pt x="1195" y="1512"/>
-                </a:lnTo>
-                <a:lnTo>
-                  <a:pt x="195" y="2537"/>
-                </a:lnTo>
-                <a:cubicBezTo>
-                  <a:pt x="0" y="2732"/>
-                  <a:pt x="269" y="3000"/>
-                  <a:pt x="464" y="2805"/>
-                </a:cubicBezTo>
-                <a:lnTo>
-                  <a:pt x="1610" y="1659"/>
-                </a:lnTo>
-                <a:cubicBezTo>
-                  <a:pt x="1708" y="1585"/>
-                  <a:pt x="1708" y="1463"/>
-                  <a:pt x="1610" y="1366"/>
-                </a:cubicBezTo>
-                <a:lnTo>
-                  <a:pt x="464" y="220"/>
-                </a:lnTo>
-                <a:cubicBezTo>
-                  <a:pt x="269" y="25"/>
-                  <a:pt x="0" y="317"/>
-                  <a:pt x="195" y="512"/>
-                </a:cubicBezTo>
-                <a:close/>
-                <a:moveTo>
-                  <a:pt x="6659" y="2829"/>
-                </a:moveTo>
-                <a:cubicBezTo>
-                  <a:pt x="6464" y="3024"/>
-                  <a:pt x="6195" y="2732"/>
-                  <a:pt x="6366" y="2537"/>
-                </a:cubicBezTo>
-                <a:lnTo>
-                  <a:pt x="7390" y="1537"/>
-                </a:lnTo>
-                <a:lnTo>
-                  <a:pt x="6366" y="512"/>
-                </a:lnTo>
-                <a:cubicBezTo>
-                  <a:pt x="6195" y="317"/>
-                  <a:pt x="6464" y="49"/>
-                  <a:pt x="6659" y="220"/>
-                </a:cubicBezTo>
-                <a:lnTo>
-                  <a:pt x="7805" y="1390"/>
-                </a:lnTo>
-                <a:cubicBezTo>
-                  <a:pt x="7903" y="1463"/>
-                  <a:pt x="7903" y="1585"/>
-                  <a:pt x="7805" y="1683"/>
-                </a:cubicBezTo>
-                <a:close/>
-                <a:moveTo>
-                  <a:pt x="5122" y="2829"/>
-                </a:moveTo>
-                <a:lnTo>
-                  <a:pt x="6268" y="1683"/>
-                </a:lnTo>
-                <a:cubicBezTo>
-                  <a:pt x="6342" y="1585"/>
-                  <a:pt x="6342" y="1463"/>
-                  <a:pt x="6268" y="1390"/>
-                </a:cubicBezTo>
-                <a:lnTo>
-                  <a:pt x="5122" y="220"/>
-                </a:lnTo>
-                <a:cubicBezTo>
-                  <a:pt x="4927" y="73"/>
-                  <a:pt x="4659" y="317"/>
-                  <a:pt x="4829" y="512"/>
-                </a:cubicBezTo>
-                <a:lnTo>
-                  <a:pt x="5854" y="1537"/>
-                </a:lnTo>
-                <a:lnTo>
-                  <a:pt x="4829" y="2537"/>
-                </a:lnTo>
-                <a:cubicBezTo>
-                  <a:pt x="4634" y="2732"/>
-                  <a:pt x="4927" y="3024"/>
-                  <a:pt x="5122" y="2829"/>
-                </a:cubicBezTo>
-                <a:close/>
-                <a:moveTo>
-                  <a:pt x="3561" y="2829"/>
-                </a:moveTo>
-                <a:lnTo>
-                  <a:pt x="4707" y="1683"/>
-                </a:lnTo>
-                <a:cubicBezTo>
-                  <a:pt x="4805" y="1585"/>
-                  <a:pt x="4805" y="1463"/>
-                  <a:pt x="4707" y="1390"/>
-                </a:cubicBezTo>
-                <a:lnTo>
-                  <a:pt x="3561" y="220"/>
-                </a:lnTo>
-                <a:cubicBezTo>
-                  <a:pt x="3366" y="0"/>
-                  <a:pt x="3049" y="317"/>
-                  <a:pt x="3268" y="512"/>
-                </a:cubicBezTo>
-                <a:lnTo>
-                  <a:pt x="4293" y="1537"/>
-                </a:lnTo>
-                <a:lnTo>
-                  <a:pt x="3268" y="2537"/>
-                </a:lnTo>
-                <a:cubicBezTo>
-                  <a:pt x="3098" y="2732"/>
-                  <a:pt x="3366" y="3024"/>
-                  <a:pt x="3561" y="2829"/>
-                </a:cubicBezTo>
-                <a:close/>
-              </a:path>
-            </a:pathLst>
-          </a:custGeom>
-          <a:solidFill>
-            <a:schemeClr val="dk1"/>
-          </a:solidFill>
-          <a:ln>
-            <a:noFill/>
-          </a:ln>
-        </p:spPr>
-        <p:txBody>
-          <a:bodyPr spcFirstLastPara="1" wrap="square" lIns="91425" tIns="91425" rIns="91425" bIns="91425" anchor="ctr" anchorCtr="0">
-            <a:noAutofit/>
-          </a:bodyPr>
-          <a:lstStyle/>
-          <a:p>
-            <a:pPr marL="0" lvl="0" indent="0" algn="l" rtl="0">
-              <a:spcBef>
-                <a:spcPts val="0"/>
-              </a:spcBef>
-              <a:spcAft>
-                <a:spcPts val="0"/>
-              </a:spcAft>
-              <a:buNone/>
-            </a:pPr>
-            <a:endParaRPr/>
-          </a:p>
-        </p:txBody>
-      </p:sp>
-      <p:sp>
-        <p:nvSpPr>
-          <p:cNvPr id="633" name="Google Shape;633;p48"/>
-          <p:cNvSpPr/>
-          <p:nvPr/>
-        </p:nvSpPr>
-        <p:spPr>
-          <a:xfrm>
-            <a:off x="7971832" y="917810"/>
-            <a:ext cx="457196" cy="57149"/>
-          </a:xfrm>
-          <a:custGeom>
-            <a:avLst/>
-            <a:gdLst/>
-            <a:ahLst/>
-            <a:cxnLst/>
-            <a:rect l="l" t="t" r="r" b="b"/>
-            <a:pathLst>
-              <a:path w="11732" h="1391" extrusionOk="0">
-                <a:moveTo>
-                  <a:pt x="11488" y="854"/>
-                </a:moveTo>
-                <a:cubicBezTo>
-                  <a:pt x="11708" y="878"/>
-                  <a:pt x="11732" y="1220"/>
-                  <a:pt x="11488" y="1244"/>
-                </a:cubicBezTo>
-                <a:cubicBezTo>
-                  <a:pt x="11220" y="1244"/>
-                  <a:pt x="10952" y="1098"/>
-                  <a:pt x="10805" y="854"/>
-                </a:cubicBezTo>
-                <a:cubicBezTo>
-                  <a:pt x="10683" y="708"/>
-                  <a:pt x="10561" y="537"/>
-                  <a:pt x="10366" y="537"/>
-                </a:cubicBezTo>
-                <a:cubicBezTo>
-                  <a:pt x="10171" y="537"/>
-                  <a:pt x="10049" y="683"/>
-                  <a:pt x="9927" y="854"/>
-                </a:cubicBezTo>
-                <a:cubicBezTo>
-                  <a:pt x="9781" y="1098"/>
-                  <a:pt x="9513" y="1244"/>
-                  <a:pt x="9244" y="1244"/>
-                </a:cubicBezTo>
-                <a:cubicBezTo>
-                  <a:pt x="8952" y="1244"/>
-                  <a:pt x="8708" y="1098"/>
-                  <a:pt x="8561" y="854"/>
-                </a:cubicBezTo>
-                <a:cubicBezTo>
-                  <a:pt x="8439" y="708"/>
-                  <a:pt x="8293" y="537"/>
-                  <a:pt x="8122" y="537"/>
-                </a:cubicBezTo>
-                <a:cubicBezTo>
-                  <a:pt x="7927" y="537"/>
-                  <a:pt x="7805" y="683"/>
-                  <a:pt x="7683" y="854"/>
-                </a:cubicBezTo>
-                <a:cubicBezTo>
-                  <a:pt x="7537" y="1098"/>
-                  <a:pt x="7269" y="1244"/>
-                  <a:pt x="6976" y="1244"/>
-                </a:cubicBezTo>
-                <a:cubicBezTo>
-                  <a:pt x="6708" y="1244"/>
-                  <a:pt x="6439" y="1098"/>
-                  <a:pt x="6293" y="854"/>
-                </a:cubicBezTo>
-                <a:cubicBezTo>
-                  <a:pt x="6171" y="708"/>
-                  <a:pt x="6049" y="537"/>
-                  <a:pt x="5854" y="537"/>
-                </a:cubicBezTo>
-                <a:cubicBezTo>
-                  <a:pt x="5683" y="537"/>
-                  <a:pt x="5561" y="683"/>
-                  <a:pt x="5415" y="854"/>
-                </a:cubicBezTo>
-                <a:cubicBezTo>
-                  <a:pt x="5122" y="1391"/>
-                  <a:pt x="4342" y="1391"/>
-                  <a:pt x="4049" y="854"/>
-                </a:cubicBezTo>
-                <a:cubicBezTo>
-                  <a:pt x="3927" y="708"/>
-                  <a:pt x="3805" y="537"/>
-                  <a:pt x="3610" y="537"/>
-                </a:cubicBezTo>
-                <a:cubicBezTo>
-                  <a:pt x="3415" y="537"/>
-                  <a:pt x="3318" y="683"/>
-                  <a:pt x="3171" y="854"/>
-                </a:cubicBezTo>
-                <a:cubicBezTo>
-                  <a:pt x="2879" y="1391"/>
-                  <a:pt x="2098" y="1391"/>
-                  <a:pt x="1805" y="854"/>
-                </a:cubicBezTo>
-                <a:cubicBezTo>
-                  <a:pt x="1683" y="708"/>
-                  <a:pt x="1561" y="537"/>
-                  <a:pt x="1366" y="537"/>
-                </a:cubicBezTo>
-                <a:cubicBezTo>
-                  <a:pt x="1171" y="537"/>
-                  <a:pt x="1074" y="683"/>
-                  <a:pt x="927" y="854"/>
-                </a:cubicBezTo>
-                <a:cubicBezTo>
-                  <a:pt x="781" y="1098"/>
-                  <a:pt x="513" y="1244"/>
-                  <a:pt x="244" y="1244"/>
-                </a:cubicBezTo>
-                <a:cubicBezTo>
-                  <a:pt x="1" y="1220"/>
-                  <a:pt x="1" y="878"/>
-                  <a:pt x="244" y="854"/>
-                </a:cubicBezTo>
-                <a:cubicBezTo>
-                  <a:pt x="391" y="854"/>
-                  <a:pt x="513" y="732"/>
-                  <a:pt x="635" y="586"/>
-                </a:cubicBezTo>
-                <a:cubicBezTo>
-                  <a:pt x="781" y="317"/>
-                  <a:pt x="1074" y="171"/>
-                  <a:pt x="1366" y="147"/>
-                </a:cubicBezTo>
-                <a:cubicBezTo>
-                  <a:pt x="1659" y="171"/>
-                  <a:pt x="1952" y="317"/>
-                  <a:pt x="2098" y="586"/>
-                </a:cubicBezTo>
-                <a:cubicBezTo>
-                  <a:pt x="2220" y="732"/>
-                  <a:pt x="2342" y="854"/>
-                  <a:pt x="2488" y="854"/>
-                </a:cubicBezTo>
-                <a:lnTo>
-                  <a:pt x="2488" y="854"/>
-                </a:lnTo>
-                <a:cubicBezTo>
-                  <a:pt x="2635" y="854"/>
-                  <a:pt x="2757" y="732"/>
-                  <a:pt x="2879" y="586"/>
-                </a:cubicBezTo>
-                <a:cubicBezTo>
-                  <a:pt x="3196" y="0"/>
-                  <a:pt x="4025" y="0"/>
-                  <a:pt x="4342" y="586"/>
-                </a:cubicBezTo>
-                <a:cubicBezTo>
-                  <a:pt x="4464" y="732"/>
-                  <a:pt x="4586" y="854"/>
-                  <a:pt x="4732" y="854"/>
-                </a:cubicBezTo>
-                <a:lnTo>
-                  <a:pt x="4781" y="854"/>
-                </a:lnTo>
-                <a:cubicBezTo>
-                  <a:pt x="4927" y="854"/>
-                  <a:pt x="5025" y="732"/>
-                  <a:pt x="5147" y="586"/>
-                </a:cubicBezTo>
-                <a:cubicBezTo>
-                  <a:pt x="5318" y="317"/>
-                  <a:pt x="5586" y="171"/>
-                  <a:pt x="5878" y="147"/>
-                </a:cubicBezTo>
-                <a:cubicBezTo>
-                  <a:pt x="6196" y="171"/>
-                  <a:pt x="6464" y="317"/>
-                  <a:pt x="6635" y="586"/>
-                </a:cubicBezTo>
-                <a:cubicBezTo>
-                  <a:pt x="6757" y="732"/>
-                  <a:pt x="6854" y="854"/>
-                  <a:pt x="7000" y="854"/>
-                </a:cubicBezTo>
-                <a:lnTo>
-                  <a:pt x="7025" y="854"/>
-                </a:lnTo>
-                <a:cubicBezTo>
-                  <a:pt x="7171" y="854"/>
-                  <a:pt x="7293" y="732"/>
-                  <a:pt x="7391" y="586"/>
-                </a:cubicBezTo>
-                <a:cubicBezTo>
-                  <a:pt x="7708" y="0"/>
-                  <a:pt x="8561" y="0"/>
-                  <a:pt x="8878" y="586"/>
-                </a:cubicBezTo>
-                <a:cubicBezTo>
-                  <a:pt x="9000" y="732"/>
-                  <a:pt x="9098" y="854"/>
-                  <a:pt x="9244" y="854"/>
-                </a:cubicBezTo>
-                <a:lnTo>
-                  <a:pt x="9269" y="854"/>
-                </a:lnTo>
-                <a:cubicBezTo>
-                  <a:pt x="9415" y="854"/>
-                  <a:pt x="9537" y="732"/>
-                  <a:pt x="9659" y="586"/>
-                </a:cubicBezTo>
-                <a:cubicBezTo>
-                  <a:pt x="9805" y="317"/>
-                  <a:pt x="10074" y="171"/>
-                  <a:pt x="10391" y="147"/>
-                </a:cubicBezTo>
-                <a:cubicBezTo>
-                  <a:pt x="10683" y="171"/>
-                  <a:pt x="10976" y="317"/>
-                  <a:pt x="11122" y="586"/>
-                </a:cubicBezTo>
-                <a:cubicBezTo>
-                  <a:pt x="11244" y="732"/>
-                  <a:pt x="11342" y="854"/>
-                  <a:pt x="11488" y="854"/>
-                </a:cubicBezTo>
-                <a:close/>
-              </a:path>
-            </a:pathLst>
-          </a:custGeom>
-          <a:solidFill>
-            <a:schemeClr val="dk1"/>
-          </a:solidFill>
-          <a:ln>
-            <a:noFill/>
-          </a:ln>
-        </p:spPr>
-        <p:txBody>
-          <a:bodyPr spcFirstLastPara="1" wrap="square" lIns="91425" tIns="91425" rIns="91425" bIns="91425" anchor="ctr" anchorCtr="0">
-            <a:noAutofit/>
-          </a:bodyPr>
-          <a:lstStyle/>
-          <a:p>
-            <a:pPr marL="0" lvl="0" indent="0" algn="l" rtl="0">
-              <a:spcBef>
-                <a:spcPts val="0"/>
-              </a:spcBef>
-              <a:spcAft>
-                <a:spcPts val="0"/>
-              </a:spcAft>
-              <a:buNone/>
-            </a:pPr>
-            <a:endParaRPr/>
-          </a:p>
-        </p:txBody>
-      </p:sp>
-      <p:sp>
-        <p:nvSpPr>
-          <p:cNvPr id="634" name="Google Shape;634;p48"/>
-          <p:cNvSpPr/>
-          <p:nvPr/>
-        </p:nvSpPr>
-        <p:spPr>
-          <a:xfrm>
-            <a:off x="715100" y="1357700"/>
-            <a:ext cx="457207" cy="59636"/>
-          </a:xfrm>
-          <a:custGeom>
-            <a:avLst/>
-            <a:gdLst/>
-            <a:ahLst/>
-            <a:cxnLst/>
-            <a:rect l="l" t="t" r="r" b="b"/>
-            <a:pathLst>
-              <a:path w="8294" h="952" extrusionOk="0">
-                <a:moveTo>
-                  <a:pt x="415" y="0"/>
-                </a:moveTo>
-                <a:cubicBezTo>
-                  <a:pt x="757" y="0"/>
-                  <a:pt x="952" y="439"/>
-                  <a:pt x="708" y="683"/>
-                </a:cubicBezTo>
-                <a:cubicBezTo>
-                  <a:pt x="440" y="951"/>
-                  <a:pt x="1" y="756"/>
-                  <a:pt x="25" y="390"/>
-                </a:cubicBezTo>
-                <a:cubicBezTo>
-                  <a:pt x="25" y="171"/>
-                  <a:pt x="196" y="0"/>
-                  <a:pt x="415" y="0"/>
-                </a:cubicBezTo>
-                <a:close/>
-                <a:moveTo>
-                  <a:pt x="7757" y="0"/>
-                </a:moveTo>
-                <a:cubicBezTo>
-                  <a:pt x="8123" y="0"/>
-                  <a:pt x="8293" y="439"/>
-                  <a:pt x="8025" y="683"/>
-                </a:cubicBezTo>
-                <a:cubicBezTo>
-                  <a:pt x="7781" y="951"/>
-                  <a:pt x="7342" y="756"/>
-                  <a:pt x="7342" y="415"/>
-                </a:cubicBezTo>
-                <a:cubicBezTo>
-                  <a:pt x="7342" y="195"/>
-                  <a:pt x="7537" y="0"/>
-                  <a:pt x="7757" y="0"/>
-                </a:cubicBezTo>
-                <a:close/>
-                <a:moveTo>
-                  <a:pt x="5928" y="0"/>
-                </a:moveTo>
-                <a:cubicBezTo>
-                  <a:pt x="6293" y="24"/>
-                  <a:pt x="6440" y="463"/>
-                  <a:pt x="6171" y="707"/>
-                </a:cubicBezTo>
-                <a:cubicBezTo>
-                  <a:pt x="5903" y="951"/>
-                  <a:pt x="5488" y="756"/>
-                  <a:pt x="5513" y="390"/>
-                </a:cubicBezTo>
-                <a:cubicBezTo>
-                  <a:pt x="5513" y="171"/>
-                  <a:pt x="5684" y="0"/>
-                  <a:pt x="5903" y="0"/>
-                </a:cubicBezTo>
-                <a:close/>
-                <a:moveTo>
-                  <a:pt x="4098" y="0"/>
-                </a:moveTo>
-                <a:cubicBezTo>
-                  <a:pt x="4464" y="24"/>
-                  <a:pt x="4610" y="463"/>
-                  <a:pt x="4342" y="707"/>
-                </a:cubicBezTo>
-                <a:cubicBezTo>
-                  <a:pt x="4074" y="951"/>
-                  <a:pt x="3659" y="756"/>
-                  <a:pt x="3684" y="390"/>
-                </a:cubicBezTo>
-                <a:cubicBezTo>
-                  <a:pt x="3684" y="171"/>
-                  <a:pt x="3854" y="0"/>
-                  <a:pt x="4074" y="0"/>
-                </a:cubicBezTo>
-                <a:close/>
-                <a:moveTo>
-                  <a:pt x="2269" y="0"/>
-                </a:moveTo>
-                <a:cubicBezTo>
-                  <a:pt x="2635" y="24"/>
-                  <a:pt x="2781" y="463"/>
-                  <a:pt x="2513" y="707"/>
-                </a:cubicBezTo>
-                <a:cubicBezTo>
-                  <a:pt x="2245" y="951"/>
-                  <a:pt x="1830" y="756"/>
-                  <a:pt x="1854" y="390"/>
-                </a:cubicBezTo>
-                <a:cubicBezTo>
-                  <a:pt x="1854" y="171"/>
-                  <a:pt x="2025" y="0"/>
-                  <a:pt x="2245" y="0"/>
-                </a:cubicBezTo>
-                <a:close/>
-              </a:path>
-            </a:pathLst>
-          </a:custGeom>
-          <a:solidFill>
-            <a:schemeClr val="dk1"/>
-          </a:solidFill>
-          <a:ln>
-            <a:noFill/>
-          </a:ln>
-        </p:spPr>
-        <p:txBody>
-          <a:bodyPr spcFirstLastPara="1" wrap="square" lIns="91425" tIns="91425" rIns="91425" bIns="91425" anchor="ctr" anchorCtr="0">
-            <a:noAutofit/>
-          </a:bodyPr>
-          <a:lstStyle/>
-          <a:p>
-            <a:pPr marL="0" lvl="0" indent="0" algn="l" rtl="0">
-              <a:spcBef>
-                <a:spcPts val="0"/>
-              </a:spcBef>
-              <a:spcAft>
-                <a:spcPts val="0"/>
-              </a:spcAft>
-              <a:buNone/>
-            </a:pPr>
-            <a:endParaRPr/>
-          </a:p>
-        </p:txBody>
-      </p:sp>
-      <p:sp>
-        <p:nvSpPr>
-          <p:cNvPr id="635" name="Google Shape;635;p48"/>
-          <p:cNvSpPr txBox="1"/>
-          <p:nvPr/>
-        </p:nvSpPr>
-        <p:spPr>
-          <a:xfrm>
-            <a:off x="715100" y="764725"/>
-            <a:ext cx="1704000" cy="363300"/>
-          </a:xfrm>
-          <a:prstGeom prst="rect">
-            <a:avLst/>
-          </a:prstGeom>
-          <a:noFill/>
-          <a:ln>
-            <a:noFill/>
-          </a:ln>
-        </p:spPr>
-        <p:txBody>
-          <a:bodyPr spcFirstLastPara="1" wrap="square" lIns="91425" tIns="91425" rIns="91425" bIns="91425" anchor="t" anchorCtr="0">
-            <a:noAutofit/>
-          </a:bodyPr>
-          <a:lstStyle/>
-          <a:p>
-            <a:pPr marL="0" lvl="0" indent="0" algn="l" rtl="0">
-              <a:spcBef>
-                <a:spcPts val="0"/>
-              </a:spcBef>
-              <a:spcAft>
-                <a:spcPts val="0"/>
-              </a:spcAft>
-              <a:buNone/>
-            </a:pPr>
-            <a:r>
-              <a:rPr lang="zh-TW">
-                <a:solidFill>
-                  <a:schemeClr val="dk1"/>
-                </a:solidFill>
-                <a:latin typeface="Karla"/>
-                <a:ea typeface="Karla"/>
-                <a:cs typeface="Karla"/>
-                <a:sym typeface="Karla"/>
-              </a:rPr>
-              <a:t>GUI.PY</a:t>
-            </a:r>
-            <a:endParaRPr>
-              <a:solidFill>
-                <a:schemeClr val="dk1"/>
-              </a:solidFill>
-              <a:latin typeface="Karla"/>
-              <a:ea typeface="Karla"/>
-              <a:cs typeface="Karla"/>
-              <a:sym typeface="Karla"/>
-            </a:endParaRPr>
-          </a:p>
-        </p:txBody>
-      </p:sp>
-      <p:pic>
-        <p:nvPicPr>
-          <p:cNvPr id="636" name="Google Shape;636;p48"/>
-          <p:cNvPicPr preferRelativeResize="0"/>
-          <p:nvPr/>
-        </p:nvPicPr>
-        <p:blipFill rotWithShape="1">
-          <a:blip r:embed="rId3">
-            <a:alphaModFix/>
-          </a:blip>
-          <a:srcRect l="3770" t="89632" r="1487" b="3742"/>
-          <a:stretch/>
-        </p:blipFill>
-        <p:spPr>
-          <a:xfrm>
-            <a:off x="1797788" y="1784825"/>
-            <a:ext cx="5548425" cy="363300"/>
-          </a:xfrm>
-          <a:prstGeom prst="rect">
-            <a:avLst/>
-          </a:prstGeom>
-          <a:noFill/>
-          <a:ln>
-            <a:noFill/>
-          </a:ln>
-        </p:spPr>
-      </p:pic>
-      <p:sp>
-        <p:nvSpPr>
-          <p:cNvPr id="637" name="Google Shape;637;p48"/>
-          <p:cNvSpPr txBox="1"/>
-          <p:nvPr/>
-        </p:nvSpPr>
-        <p:spPr>
-          <a:xfrm>
-            <a:off x="1797763" y="1417325"/>
-            <a:ext cx="3000000" cy="367500"/>
-          </a:xfrm>
-          <a:prstGeom prst="rect">
-            <a:avLst/>
-          </a:prstGeom>
-          <a:noFill/>
-          <a:ln>
-            <a:noFill/>
-          </a:ln>
-        </p:spPr>
-        <p:txBody>
-          <a:bodyPr spcFirstLastPara="1" wrap="square" lIns="91425" tIns="91425" rIns="91425" bIns="91425" anchor="t" anchorCtr="0">
-            <a:spAutoFit/>
-          </a:bodyPr>
-          <a:lstStyle/>
-          <a:p>
-            <a:pPr marL="0" lvl="0" indent="0" algn="l" rtl="0">
-              <a:spcBef>
-                <a:spcPts val="0"/>
-              </a:spcBef>
-              <a:spcAft>
-                <a:spcPts val="0"/>
-              </a:spcAft>
-              <a:buNone/>
-            </a:pPr>
-            <a:r>
-              <a:rPr lang="zh-TW" sz="1200"/>
-              <a:t>輸出解析後的結果圖</a:t>
-            </a:r>
-            <a:endParaRPr sz="1200"/>
-          </a:p>
-        </p:txBody>
-      </p:sp>
-      <p:pic>
-        <p:nvPicPr>
-          <p:cNvPr id="638" name="Google Shape;638;p48"/>
-          <p:cNvPicPr preferRelativeResize="0"/>
-          <p:nvPr/>
-        </p:nvPicPr>
-        <p:blipFill rotWithShape="1">
-          <a:blip r:embed="rId4">
-            <a:alphaModFix/>
-          </a:blip>
-          <a:srcRect l="6323" t="4110" b="79534"/>
-          <a:stretch/>
-        </p:blipFill>
-        <p:spPr>
-          <a:xfrm>
-            <a:off x="1797801" y="2498988"/>
-            <a:ext cx="5548426" cy="915085"/>
-          </a:xfrm>
-          <a:prstGeom prst="rect">
-            <a:avLst/>
-          </a:prstGeom>
-          <a:noFill/>
-          <a:ln>
-            <a:noFill/>
-          </a:ln>
-        </p:spPr>
-      </p:pic>
-      <p:pic>
-        <p:nvPicPr>
-          <p:cNvPr id="639" name="Google Shape;639;p48"/>
-          <p:cNvPicPr preferRelativeResize="0"/>
-          <p:nvPr/>
-        </p:nvPicPr>
-        <p:blipFill rotWithShape="1">
-          <a:blip r:embed="rId4">
-            <a:alphaModFix/>
-          </a:blip>
-          <a:srcRect l="6323" t="26370" b="69278"/>
-          <a:stretch/>
-        </p:blipFill>
-        <p:spPr>
-          <a:xfrm>
-            <a:off x="1797863" y="3759493"/>
-            <a:ext cx="5548426" cy="243401"/>
-          </a:xfrm>
-          <a:prstGeom prst="rect">
-            <a:avLst/>
-          </a:prstGeom>
-          <a:noFill/>
-          <a:ln>
-            <a:noFill/>
-          </a:ln>
-        </p:spPr>
-      </p:pic>
-      <p:sp>
-        <p:nvSpPr>
-          <p:cNvPr id="640" name="Google Shape;640;p48"/>
-          <p:cNvSpPr txBox="1"/>
-          <p:nvPr/>
-        </p:nvSpPr>
-        <p:spPr>
-          <a:xfrm>
-            <a:off x="1797875" y="2148125"/>
-            <a:ext cx="3000000" cy="367500"/>
-          </a:xfrm>
-          <a:prstGeom prst="rect">
-            <a:avLst/>
-          </a:prstGeom>
-          <a:noFill/>
-          <a:ln>
-            <a:noFill/>
-          </a:ln>
-        </p:spPr>
-        <p:txBody>
-          <a:bodyPr spcFirstLastPara="1" wrap="square" lIns="91425" tIns="91425" rIns="91425" bIns="91425" anchor="t" anchorCtr="0">
-            <a:spAutoFit/>
-          </a:bodyPr>
-          <a:lstStyle/>
-          <a:p>
-            <a:pPr marL="0" lvl="0" indent="0" algn="l" rtl="0">
-              <a:spcBef>
-                <a:spcPts val="0"/>
-              </a:spcBef>
-              <a:spcAft>
-                <a:spcPts val="0"/>
-              </a:spcAft>
-              <a:buNone/>
-            </a:pPr>
-            <a:r>
-              <a:rPr lang="zh-TW" sz="1200"/>
-              <a:t>呼叫main.py生成結果圖</a:t>
-            </a:r>
-            <a:endParaRPr sz="1200"/>
-          </a:p>
-        </p:txBody>
-      </p:sp>
-      <p:sp>
-        <p:nvSpPr>
-          <p:cNvPr id="641" name="Google Shape;641;p48"/>
-          <p:cNvSpPr txBox="1"/>
-          <p:nvPr/>
-        </p:nvSpPr>
-        <p:spPr>
-          <a:xfrm>
-            <a:off x="1797875" y="3414075"/>
-            <a:ext cx="3000000" cy="367500"/>
-          </a:xfrm>
-          <a:prstGeom prst="rect">
-            <a:avLst/>
-          </a:prstGeom>
-          <a:noFill/>
-          <a:ln>
-            <a:noFill/>
-          </a:ln>
-        </p:spPr>
-        <p:txBody>
-          <a:bodyPr spcFirstLastPara="1" wrap="square" lIns="91425" tIns="91425" rIns="91425" bIns="91425" anchor="t" anchorCtr="0">
-            <a:spAutoFit/>
-          </a:bodyPr>
-          <a:lstStyle/>
-          <a:p>
-            <a:pPr marL="0" lvl="0" indent="0" algn="l" rtl="0">
-              <a:spcBef>
-                <a:spcPts val="0"/>
-              </a:spcBef>
-              <a:spcAft>
-                <a:spcPts val="0"/>
-              </a:spcAft>
-              <a:buNone/>
-            </a:pPr>
-            <a:r>
-              <a:rPr lang="zh-TW" sz="1200"/>
-              <a:t>在output標籤輸出圖片</a:t>
-            </a:r>
-            <a:endParaRPr sz="1200"/>
-          </a:p>
-        </p:txBody>
-      </p:sp>
-    </p:spTree>
-  </p:cSld>
-  <p:clrMapOvr>
-    <a:masterClrMapping/>
-  </p:clrMapOvr>
-</p:sld>
-</file>
-
-<file path=ppt/slides/slide15.xml><?xml version="1.0" encoding="utf-8"?>
-<p:sld xmlns:a="http://schemas.openxmlformats.org/drawingml/2006/main" xmlns:r="http://schemas.openxmlformats.org/officeDocument/2006/relationships" xmlns:p="http://schemas.openxmlformats.org/presentationml/2006/main">
-  <p:cSld>
-    <p:spTree>
-      <p:nvGrpSpPr>
-        <p:cNvPr id="1" name="Shape 645"/>
-        <p:cNvGrpSpPr/>
-        <p:nvPr/>
-      </p:nvGrpSpPr>
-      <p:grpSpPr>
-        <a:xfrm>
-          <a:off x="0" y="0"/>
-          <a:ext cx="0" cy="0"/>
-          <a:chOff x="0" y="0"/>
-          <a:chExt cx="0" cy="0"/>
-        </a:xfrm>
-      </p:grpSpPr>
-      <p:sp>
-        <p:nvSpPr>
-          <p:cNvPr id="646" name="Google Shape;646;p49"/>
-          <p:cNvSpPr/>
-          <p:nvPr/>
-        </p:nvSpPr>
-        <p:spPr>
-          <a:xfrm>
-            <a:off x="7746400" y="1066450"/>
-            <a:ext cx="457208" cy="164590"/>
-          </a:xfrm>
-          <a:custGeom>
-            <a:avLst/>
-            <a:gdLst/>
-            <a:ahLst/>
-            <a:cxnLst/>
-            <a:rect l="l" t="t" r="r" b="b"/>
-            <a:pathLst>
-              <a:path w="7903" h="3025" extrusionOk="0">
-                <a:moveTo>
-                  <a:pt x="2025" y="2829"/>
-                </a:moveTo>
-                <a:cubicBezTo>
-                  <a:pt x="1829" y="3024"/>
-                  <a:pt x="1537" y="2732"/>
-                  <a:pt x="1732" y="2537"/>
-                </a:cubicBezTo>
-                <a:lnTo>
-                  <a:pt x="2756" y="1537"/>
-                </a:lnTo>
-                <a:lnTo>
-                  <a:pt x="1732" y="512"/>
-                </a:lnTo>
-                <a:cubicBezTo>
-                  <a:pt x="1537" y="317"/>
-                  <a:pt x="1829" y="49"/>
-                  <a:pt x="2025" y="220"/>
-                </a:cubicBezTo>
-                <a:lnTo>
-                  <a:pt x="3171" y="1390"/>
-                </a:lnTo>
-                <a:cubicBezTo>
-                  <a:pt x="3244" y="1463"/>
-                  <a:pt x="3244" y="1585"/>
-                  <a:pt x="3171" y="1683"/>
-                </a:cubicBezTo>
-                <a:close/>
-                <a:moveTo>
-                  <a:pt x="195" y="512"/>
-                </a:moveTo>
-                <a:lnTo>
-                  <a:pt x="1195" y="1512"/>
-                </a:lnTo>
-                <a:lnTo>
-                  <a:pt x="195" y="2537"/>
-                </a:lnTo>
-                <a:cubicBezTo>
-                  <a:pt x="0" y="2732"/>
-                  <a:pt x="269" y="3000"/>
-                  <a:pt x="464" y="2805"/>
-                </a:cubicBezTo>
-                <a:lnTo>
-                  <a:pt x="1610" y="1659"/>
-                </a:lnTo>
-                <a:cubicBezTo>
-                  <a:pt x="1708" y="1585"/>
-                  <a:pt x="1708" y="1463"/>
-                  <a:pt x="1610" y="1366"/>
-                </a:cubicBezTo>
-                <a:lnTo>
-                  <a:pt x="464" y="220"/>
-                </a:lnTo>
-                <a:cubicBezTo>
-                  <a:pt x="269" y="25"/>
-                  <a:pt x="0" y="317"/>
-                  <a:pt x="195" y="512"/>
-                </a:cubicBezTo>
-                <a:close/>
-                <a:moveTo>
-                  <a:pt x="6659" y="2829"/>
-                </a:moveTo>
-                <a:cubicBezTo>
-                  <a:pt x="6464" y="3024"/>
-                  <a:pt x="6195" y="2732"/>
-                  <a:pt x="6366" y="2537"/>
-                </a:cubicBezTo>
-                <a:lnTo>
-                  <a:pt x="7390" y="1537"/>
-                </a:lnTo>
-                <a:lnTo>
-                  <a:pt x="6366" y="512"/>
-                </a:lnTo>
-                <a:cubicBezTo>
-                  <a:pt x="6195" y="317"/>
-                  <a:pt x="6464" y="49"/>
-                  <a:pt x="6659" y="220"/>
-                </a:cubicBezTo>
-                <a:lnTo>
-                  <a:pt x="7805" y="1390"/>
-                </a:lnTo>
-                <a:cubicBezTo>
-                  <a:pt x="7903" y="1463"/>
-                  <a:pt x="7903" y="1585"/>
-                  <a:pt x="7805" y="1683"/>
-                </a:cubicBezTo>
-                <a:close/>
-                <a:moveTo>
-                  <a:pt x="5122" y="2829"/>
-                </a:moveTo>
-                <a:lnTo>
-                  <a:pt x="6268" y="1683"/>
-                </a:lnTo>
-                <a:cubicBezTo>
-                  <a:pt x="6342" y="1585"/>
-                  <a:pt x="6342" y="1463"/>
-                  <a:pt x="6268" y="1390"/>
-                </a:cubicBezTo>
-                <a:lnTo>
-                  <a:pt x="5122" y="220"/>
-                </a:lnTo>
-                <a:cubicBezTo>
-                  <a:pt x="4927" y="73"/>
-                  <a:pt x="4659" y="317"/>
-                  <a:pt x="4829" y="512"/>
-                </a:cubicBezTo>
-                <a:lnTo>
-                  <a:pt x="5854" y="1537"/>
-                </a:lnTo>
-                <a:lnTo>
-                  <a:pt x="4829" y="2537"/>
-                </a:lnTo>
-                <a:cubicBezTo>
-                  <a:pt x="4634" y="2732"/>
-                  <a:pt x="4927" y="3024"/>
-                  <a:pt x="5122" y="2829"/>
-                </a:cubicBezTo>
-                <a:close/>
-                <a:moveTo>
-                  <a:pt x="3561" y="2829"/>
-                </a:moveTo>
-                <a:lnTo>
-                  <a:pt x="4707" y="1683"/>
-                </a:lnTo>
-                <a:cubicBezTo>
-                  <a:pt x="4805" y="1585"/>
-                  <a:pt x="4805" y="1463"/>
-                  <a:pt x="4707" y="1390"/>
-                </a:cubicBezTo>
-                <a:lnTo>
-                  <a:pt x="3561" y="220"/>
-                </a:lnTo>
-                <a:cubicBezTo>
-                  <a:pt x="3366" y="0"/>
-                  <a:pt x="3049" y="317"/>
-                  <a:pt x="3268" y="512"/>
-                </a:cubicBezTo>
-                <a:lnTo>
-                  <a:pt x="4293" y="1537"/>
-                </a:lnTo>
-                <a:lnTo>
-                  <a:pt x="3268" y="2537"/>
-                </a:lnTo>
-                <a:cubicBezTo>
-                  <a:pt x="3098" y="2732"/>
-                  <a:pt x="3366" y="3024"/>
-                  <a:pt x="3561" y="2829"/>
-                </a:cubicBezTo>
-                <a:close/>
-              </a:path>
-            </a:pathLst>
-          </a:custGeom>
-          <a:solidFill>
-            <a:schemeClr val="dk1"/>
-          </a:solidFill>
-          <a:ln>
-            <a:noFill/>
-          </a:ln>
-        </p:spPr>
-        <p:txBody>
-          <a:bodyPr spcFirstLastPara="1" wrap="square" lIns="91425" tIns="91425" rIns="91425" bIns="91425" anchor="ctr" anchorCtr="0">
-            <a:noAutofit/>
-          </a:bodyPr>
-          <a:lstStyle/>
-          <a:p>
-            <a:pPr marL="0" lvl="0" indent="0" algn="l" rtl="0">
-              <a:spcBef>
-                <a:spcPts val="0"/>
-              </a:spcBef>
-              <a:spcAft>
-                <a:spcPts val="0"/>
-              </a:spcAft>
-              <a:buNone/>
-            </a:pPr>
-            <a:endParaRPr/>
-          </a:p>
-        </p:txBody>
-      </p:sp>
-      <p:sp>
-        <p:nvSpPr>
-          <p:cNvPr id="647" name="Google Shape;647;p49"/>
-          <p:cNvSpPr/>
-          <p:nvPr/>
-        </p:nvSpPr>
-        <p:spPr>
-          <a:xfrm>
-            <a:off x="7971832" y="917810"/>
-            <a:ext cx="457196" cy="57149"/>
-          </a:xfrm>
-          <a:custGeom>
-            <a:avLst/>
-            <a:gdLst/>
-            <a:ahLst/>
-            <a:cxnLst/>
-            <a:rect l="l" t="t" r="r" b="b"/>
-            <a:pathLst>
-              <a:path w="11732" h="1391" extrusionOk="0">
-                <a:moveTo>
-                  <a:pt x="11488" y="854"/>
-                </a:moveTo>
-                <a:cubicBezTo>
-                  <a:pt x="11708" y="878"/>
-                  <a:pt x="11732" y="1220"/>
-                  <a:pt x="11488" y="1244"/>
-                </a:cubicBezTo>
-                <a:cubicBezTo>
-                  <a:pt x="11220" y="1244"/>
-                  <a:pt x="10952" y="1098"/>
-                  <a:pt x="10805" y="854"/>
-                </a:cubicBezTo>
-                <a:cubicBezTo>
-                  <a:pt x="10683" y="708"/>
-                  <a:pt x="10561" y="537"/>
-                  <a:pt x="10366" y="537"/>
-                </a:cubicBezTo>
-                <a:cubicBezTo>
-                  <a:pt x="10171" y="537"/>
-                  <a:pt x="10049" y="683"/>
-                  <a:pt x="9927" y="854"/>
-                </a:cubicBezTo>
-                <a:cubicBezTo>
-                  <a:pt x="9781" y="1098"/>
-                  <a:pt x="9513" y="1244"/>
-                  <a:pt x="9244" y="1244"/>
-                </a:cubicBezTo>
-                <a:cubicBezTo>
-                  <a:pt x="8952" y="1244"/>
-                  <a:pt x="8708" y="1098"/>
-                  <a:pt x="8561" y="854"/>
-                </a:cubicBezTo>
-                <a:cubicBezTo>
-                  <a:pt x="8439" y="708"/>
-                  <a:pt x="8293" y="537"/>
-                  <a:pt x="8122" y="537"/>
-                </a:cubicBezTo>
-                <a:cubicBezTo>
-                  <a:pt x="7927" y="537"/>
-                  <a:pt x="7805" y="683"/>
-                  <a:pt x="7683" y="854"/>
-                </a:cubicBezTo>
-                <a:cubicBezTo>
-                  <a:pt x="7537" y="1098"/>
-                  <a:pt x="7269" y="1244"/>
-                  <a:pt x="6976" y="1244"/>
-                </a:cubicBezTo>
-                <a:cubicBezTo>
-                  <a:pt x="6708" y="1244"/>
-                  <a:pt x="6439" y="1098"/>
-                  <a:pt x="6293" y="854"/>
-                </a:cubicBezTo>
-                <a:cubicBezTo>
-                  <a:pt x="6171" y="708"/>
-                  <a:pt x="6049" y="537"/>
-                  <a:pt x="5854" y="537"/>
-                </a:cubicBezTo>
-                <a:cubicBezTo>
-                  <a:pt x="5683" y="537"/>
-                  <a:pt x="5561" y="683"/>
-                  <a:pt x="5415" y="854"/>
-                </a:cubicBezTo>
-                <a:cubicBezTo>
-                  <a:pt x="5122" y="1391"/>
-                  <a:pt x="4342" y="1391"/>
-                  <a:pt x="4049" y="854"/>
-                </a:cubicBezTo>
-                <a:cubicBezTo>
-                  <a:pt x="3927" y="708"/>
-                  <a:pt x="3805" y="537"/>
-                  <a:pt x="3610" y="537"/>
-                </a:cubicBezTo>
-                <a:cubicBezTo>
-                  <a:pt x="3415" y="537"/>
-                  <a:pt x="3318" y="683"/>
-                  <a:pt x="3171" y="854"/>
-                </a:cubicBezTo>
-                <a:cubicBezTo>
-                  <a:pt x="2879" y="1391"/>
-                  <a:pt x="2098" y="1391"/>
-                  <a:pt x="1805" y="854"/>
-                </a:cubicBezTo>
-                <a:cubicBezTo>
-                  <a:pt x="1683" y="708"/>
-                  <a:pt x="1561" y="537"/>
-                  <a:pt x="1366" y="537"/>
-                </a:cubicBezTo>
-                <a:cubicBezTo>
-                  <a:pt x="1171" y="537"/>
-                  <a:pt x="1074" y="683"/>
-                  <a:pt x="927" y="854"/>
-                </a:cubicBezTo>
-                <a:cubicBezTo>
-                  <a:pt x="781" y="1098"/>
-                  <a:pt x="513" y="1244"/>
-                  <a:pt x="244" y="1244"/>
-                </a:cubicBezTo>
-                <a:cubicBezTo>
-                  <a:pt x="1" y="1220"/>
-                  <a:pt x="1" y="878"/>
-                  <a:pt x="244" y="854"/>
-                </a:cubicBezTo>
-                <a:cubicBezTo>
-                  <a:pt x="391" y="854"/>
-                  <a:pt x="513" y="732"/>
-                  <a:pt x="635" y="586"/>
-                </a:cubicBezTo>
-                <a:cubicBezTo>
-                  <a:pt x="781" y="317"/>
-                  <a:pt x="1074" y="171"/>
-                  <a:pt x="1366" y="147"/>
-                </a:cubicBezTo>
-                <a:cubicBezTo>
-                  <a:pt x="1659" y="171"/>
-                  <a:pt x="1952" y="317"/>
-                  <a:pt x="2098" y="586"/>
-                </a:cubicBezTo>
-                <a:cubicBezTo>
-                  <a:pt x="2220" y="732"/>
-                  <a:pt x="2342" y="854"/>
-                  <a:pt x="2488" y="854"/>
-                </a:cubicBezTo>
-                <a:lnTo>
-                  <a:pt x="2488" y="854"/>
-                </a:lnTo>
-                <a:cubicBezTo>
-                  <a:pt x="2635" y="854"/>
-                  <a:pt x="2757" y="732"/>
-                  <a:pt x="2879" y="586"/>
-                </a:cubicBezTo>
-                <a:cubicBezTo>
-                  <a:pt x="3196" y="0"/>
-                  <a:pt x="4025" y="0"/>
-                  <a:pt x="4342" y="586"/>
-                </a:cubicBezTo>
-                <a:cubicBezTo>
-                  <a:pt x="4464" y="732"/>
-                  <a:pt x="4586" y="854"/>
-                  <a:pt x="4732" y="854"/>
-                </a:cubicBezTo>
-                <a:lnTo>
-                  <a:pt x="4781" y="854"/>
-                </a:lnTo>
-                <a:cubicBezTo>
-                  <a:pt x="4927" y="854"/>
-                  <a:pt x="5025" y="732"/>
-                  <a:pt x="5147" y="586"/>
-                </a:cubicBezTo>
-                <a:cubicBezTo>
-                  <a:pt x="5318" y="317"/>
-                  <a:pt x="5586" y="171"/>
-                  <a:pt x="5878" y="147"/>
-                </a:cubicBezTo>
-                <a:cubicBezTo>
-                  <a:pt x="6196" y="171"/>
-                  <a:pt x="6464" y="317"/>
-                  <a:pt x="6635" y="586"/>
-                </a:cubicBezTo>
-                <a:cubicBezTo>
-                  <a:pt x="6757" y="732"/>
-                  <a:pt x="6854" y="854"/>
-                  <a:pt x="7000" y="854"/>
-                </a:cubicBezTo>
-                <a:lnTo>
-                  <a:pt x="7025" y="854"/>
-                </a:lnTo>
-                <a:cubicBezTo>
-                  <a:pt x="7171" y="854"/>
-                  <a:pt x="7293" y="732"/>
-                  <a:pt x="7391" y="586"/>
-                </a:cubicBezTo>
-                <a:cubicBezTo>
-                  <a:pt x="7708" y="0"/>
-                  <a:pt x="8561" y="0"/>
-                  <a:pt x="8878" y="586"/>
-                </a:cubicBezTo>
-                <a:cubicBezTo>
-                  <a:pt x="9000" y="732"/>
-                  <a:pt x="9098" y="854"/>
-                  <a:pt x="9244" y="854"/>
-                </a:cubicBezTo>
-                <a:lnTo>
-                  <a:pt x="9269" y="854"/>
-                </a:lnTo>
-                <a:cubicBezTo>
-                  <a:pt x="9415" y="854"/>
-                  <a:pt x="9537" y="732"/>
-                  <a:pt x="9659" y="586"/>
-                </a:cubicBezTo>
-                <a:cubicBezTo>
-                  <a:pt x="9805" y="317"/>
-                  <a:pt x="10074" y="171"/>
-                  <a:pt x="10391" y="147"/>
-                </a:cubicBezTo>
-                <a:cubicBezTo>
-                  <a:pt x="10683" y="171"/>
-                  <a:pt x="10976" y="317"/>
-                  <a:pt x="11122" y="586"/>
-                </a:cubicBezTo>
-                <a:cubicBezTo>
-                  <a:pt x="11244" y="732"/>
-                  <a:pt x="11342" y="854"/>
-                  <a:pt x="11488" y="854"/>
-                </a:cubicBezTo>
-                <a:close/>
-              </a:path>
-            </a:pathLst>
-          </a:custGeom>
-          <a:solidFill>
-            <a:schemeClr val="dk1"/>
-          </a:solidFill>
-          <a:ln>
-            <a:noFill/>
-          </a:ln>
-        </p:spPr>
-        <p:txBody>
-          <a:bodyPr spcFirstLastPara="1" wrap="square" lIns="91425" tIns="91425" rIns="91425" bIns="91425" anchor="ctr" anchorCtr="0">
-            <a:noAutofit/>
-          </a:bodyPr>
-          <a:lstStyle/>
-          <a:p>
-            <a:pPr marL="0" lvl="0" indent="0" algn="l" rtl="0">
-              <a:spcBef>
-                <a:spcPts val="0"/>
-              </a:spcBef>
-              <a:spcAft>
-                <a:spcPts val="0"/>
-              </a:spcAft>
-              <a:buNone/>
-            </a:pPr>
-            <a:endParaRPr/>
-          </a:p>
-        </p:txBody>
-      </p:sp>
-      <p:sp>
-        <p:nvSpPr>
-          <p:cNvPr id="648" name="Google Shape;648;p49"/>
-          <p:cNvSpPr/>
-          <p:nvPr/>
-        </p:nvSpPr>
-        <p:spPr>
-          <a:xfrm>
-            <a:off x="715100" y="1357700"/>
-            <a:ext cx="457207" cy="59636"/>
-          </a:xfrm>
-          <a:custGeom>
-            <a:avLst/>
-            <a:gdLst/>
-            <a:ahLst/>
-            <a:cxnLst/>
-            <a:rect l="l" t="t" r="r" b="b"/>
-            <a:pathLst>
-              <a:path w="8294" h="952" extrusionOk="0">
-                <a:moveTo>
-                  <a:pt x="415" y="0"/>
-                </a:moveTo>
-                <a:cubicBezTo>
-                  <a:pt x="757" y="0"/>
-                  <a:pt x="952" y="439"/>
-                  <a:pt x="708" y="683"/>
-                </a:cubicBezTo>
-                <a:cubicBezTo>
-                  <a:pt x="440" y="951"/>
-                  <a:pt x="1" y="756"/>
-                  <a:pt x="25" y="390"/>
-                </a:cubicBezTo>
-                <a:cubicBezTo>
-                  <a:pt x="25" y="171"/>
-                  <a:pt x="196" y="0"/>
-                  <a:pt x="415" y="0"/>
-                </a:cubicBezTo>
-                <a:close/>
-                <a:moveTo>
-                  <a:pt x="7757" y="0"/>
-                </a:moveTo>
-                <a:cubicBezTo>
-                  <a:pt x="8123" y="0"/>
-                  <a:pt x="8293" y="439"/>
-                  <a:pt x="8025" y="683"/>
-                </a:cubicBezTo>
-                <a:cubicBezTo>
-                  <a:pt x="7781" y="951"/>
-                  <a:pt x="7342" y="756"/>
-                  <a:pt x="7342" y="415"/>
-                </a:cubicBezTo>
-                <a:cubicBezTo>
-                  <a:pt x="7342" y="195"/>
-                  <a:pt x="7537" y="0"/>
-                  <a:pt x="7757" y="0"/>
-                </a:cubicBezTo>
-                <a:close/>
-                <a:moveTo>
-                  <a:pt x="5928" y="0"/>
-                </a:moveTo>
-                <a:cubicBezTo>
-                  <a:pt x="6293" y="24"/>
-                  <a:pt x="6440" y="463"/>
-                  <a:pt x="6171" y="707"/>
-                </a:cubicBezTo>
-                <a:cubicBezTo>
-                  <a:pt x="5903" y="951"/>
-                  <a:pt x="5488" y="756"/>
-                  <a:pt x="5513" y="390"/>
-                </a:cubicBezTo>
-                <a:cubicBezTo>
-                  <a:pt x="5513" y="171"/>
-                  <a:pt x="5684" y="0"/>
-                  <a:pt x="5903" y="0"/>
-                </a:cubicBezTo>
-                <a:close/>
-                <a:moveTo>
-                  <a:pt x="4098" y="0"/>
-                </a:moveTo>
-                <a:cubicBezTo>
-                  <a:pt x="4464" y="24"/>
-                  <a:pt x="4610" y="463"/>
-                  <a:pt x="4342" y="707"/>
-                </a:cubicBezTo>
-                <a:cubicBezTo>
-                  <a:pt x="4074" y="951"/>
-                  <a:pt x="3659" y="756"/>
-                  <a:pt x="3684" y="390"/>
-                </a:cubicBezTo>
-                <a:cubicBezTo>
-                  <a:pt x="3684" y="171"/>
-                  <a:pt x="3854" y="0"/>
-                  <a:pt x="4074" y="0"/>
-                </a:cubicBezTo>
-                <a:close/>
-                <a:moveTo>
-                  <a:pt x="2269" y="0"/>
-                </a:moveTo>
-                <a:cubicBezTo>
-                  <a:pt x="2635" y="24"/>
-                  <a:pt x="2781" y="463"/>
-                  <a:pt x="2513" y="707"/>
-                </a:cubicBezTo>
-                <a:cubicBezTo>
-                  <a:pt x="2245" y="951"/>
-                  <a:pt x="1830" y="756"/>
-                  <a:pt x="1854" y="390"/>
-                </a:cubicBezTo>
-                <a:cubicBezTo>
-                  <a:pt x="1854" y="171"/>
-                  <a:pt x="2025" y="0"/>
-                  <a:pt x="2245" y="0"/>
-                </a:cubicBezTo>
-                <a:close/>
-              </a:path>
-            </a:pathLst>
-          </a:custGeom>
-          <a:solidFill>
-            <a:schemeClr val="dk1"/>
-          </a:solidFill>
-          <a:ln>
-            <a:noFill/>
-          </a:ln>
-        </p:spPr>
-        <p:txBody>
-          <a:bodyPr spcFirstLastPara="1" wrap="square" lIns="91425" tIns="91425" rIns="91425" bIns="91425" anchor="ctr" anchorCtr="0">
-            <a:noAutofit/>
-          </a:bodyPr>
-          <a:lstStyle/>
-          <a:p>
-            <a:pPr marL="0" lvl="0" indent="0" algn="l" rtl="0">
-              <a:spcBef>
-                <a:spcPts val="0"/>
-              </a:spcBef>
-              <a:spcAft>
-                <a:spcPts val="0"/>
-              </a:spcAft>
-              <a:buNone/>
-            </a:pPr>
-            <a:endParaRPr/>
-          </a:p>
-        </p:txBody>
-      </p:sp>
-      <p:sp>
-        <p:nvSpPr>
-          <p:cNvPr id="649" name="Google Shape;649;p49"/>
-          <p:cNvSpPr txBox="1"/>
-          <p:nvPr/>
-        </p:nvSpPr>
-        <p:spPr>
-          <a:xfrm>
-            <a:off x="715100" y="764725"/>
-            <a:ext cx="1704000" cy="363300"/>
-          </a:xfrm>
-          <a:prstGeom prst="rect">
-            <a:avLst/>
-          </a:prstGeom>
-          <a:noFill/>
-          <a:ln>
-            <a:noFill/>
-          </a:ln>
-        </p:spPr>
-        <p:txBody>
-          <a:bodyPr spcFirstLastPara="1" wrap="square" lIns="91425" tIns="91425" rIns="91425" bIns="91425" anchor="t" anchorCtr="0">
-            <a:noAutofit/>
-          </a:bodyPr>
-          <a:lstStyle/>
-          <a:p>
-            <a:pPr marL="0" lvl="0" indent="0" algn="l" rtl="0">
-              <a:spcBef>
-                <a:spcPts val="0"/>
-              </a:spcBef>
-              <a:spcAft>
-                <a:spcPts val="0"/>
-              </a:spcAft>
-              <a:buNone/>
-            </a:pPr>
-            <a:r>
-              <a:rPr lang="zh-TW">
-                <a:solidFill>
-                  <a:schemeClr val="dk1"/>
-                </a:solidFill>
-                <a:latin typeface="Karla"/>
-                <a:ea typeface="Karla"/>
-                <a:cs typeface="Karla"/>
-                <a:sym typeface="Karla"/>
-              </a:rPr>
-              <a:t>GUI.PY</a:t>
-            </a:r>
-            <a:endParaRPr>
-              <a:solidFill>
-                <a:schemeClr val="dk1"/>
-              </a:solidFill>
-              <a:latin typeface="Karla"/>
-              <a:ea typeface="Karla"/>
-              <a:cs typeface="Karla"/>
-              <a:sym typeface="Karla"/>
-            </a:endParaRPr>
-          </a:p>
-        </p:txBody>
-      </p:sp>
-      <p:sp>
-        <p:nvSpPr>
-          <p:cNvPr id="650" name="Google Shape;650;p49"/>
-          <p:cNvSpPr txBox="1"/>
-          <p:nvPr/>
-        </p:nvSpPr>
-        <p:spPr>
-          <a:xfrm>
-            <a:off x="1797913" y="764713"/>
-            <a:ext cx="3000000" cy="367500"/>
-          </a:xfrm>
-          <a:prstGeom prst="rect">
-            <a:avLst/>
-          </a:prstGeom>
-          <a:noFill/>
-          <a:ln>
-            <a:noFill/>
-          </a:ln>
-        </p:spPr>
-        <p:txBody>
-          <a:bodyPr spcFirstLastPara="1" wrap="square" lIns="91425" tIns="91425" rIns="91425" bIns="91425" anchor="t" anchorCtr="0">
-            <a:spAutoFit/>
-          </a:bodyPr>
-          <a:lstStyle/>
-          <a:p>
-            <a:pPr marL="0" lvl="0" indent="0" algn="l" rtl="0">
-              <a:spcBef>
-                <a:spcPts val="0"/>
-              </a:spcBef>
-              <a:spcAft>
-                <a:spcPts val="0"/>
-              </a:spcAft>
-              <a:buNone/>
-            </a:pPr>
-            <a:r>
-              <a:rPr lang="zh-TW" sz="1200"/>
-              <a:t>按下按鈕後執行並切換按鈕內容</a:t>
-            </a:r>
-            <a:endParaRPr sz="1200"/>
-          </a:p>
-        </p:txBody>
-      </p:sp>
-      <p:sp>
-        <p:nvSpPr>
-          <p:cNvPr id="651" name="Google Shape;651;p49"/>
-          <p:cNvSpPr txBox="1"/>
-          <p:nvPr/>
-        </p:nvSpPr>
-        <p:spPr>
-          <a:xfrm>
-            <a:off x="1797913" y="1799038"/>
-            <a:ext cx="3000000" cy="367500"/>
-          </a:xfrm>
-          <a:prstGeom prst="rect">
-            <a:avLst/>
-          </a:prstGeom>
-          <a:noFill/>
-          <a:ln>
-            <a:noFill/>
-          </a:ln>
-        </p:spPr>
-        <p:txBody>
-          <a:bodyPr spcFirstLastPara="1" wrap="square" lIns="91425" tIns="91425" rIns="91425" bIns="91425" anchor="t" anchorCtr="0">
-            <a:spAutoFit/>
-          </a:bodyPr>
-          <a:lstStyle/>
-          <a:p>
-            <a:pPr marL="0" lvl="0" indent="0" algn="l" rtl="0">
-              <a:spcBef>
-                <a:spcPts val="0"/>
-              </a:spcBef>
-              <a:spcAft>
-                <a:spcPts val="0"/>
-              </a:spcAft>
-              <a:buNone/>
-            </a:pPr>
-            <a:r>
-              <a:rPr lang="zh-TW" sz="1200"/>
-              <a:t>驗證碼</a:t>
-            </a:r>
-            <a:endParaRPr sz="1200"/>
-          </a:p>
-        </p:txBody>
-      </p:sp>
-      <p:pic>
-        <p:nvPicPr>
-          <p:cNvPr id="652" name="Google Shape;652;p49"/>
-          <p:cNvPicPr preferRelativeResize="0"/>
-          <p:nvPr/>
-        </p:nvPicPr>
-        <p:blipFill rotWithShape="1">
-          <a:blip r:embed="rId3">
-            <a:alphaModFix/>
-          </a:blip>
-          <a:srcRect l="6323" t="37044" b="51227"/>
-          <a:stretch/>
-        </p:blipFill>
-        <p:spPr>
-          <a:xfrm>
-            <a:off x="1797838" y="1134025"/>
-            <a:ext cx="5548426" cy="656175"/>
-          </a:xfrm>
-          <a:prstGeom prst="rect">
-            <a:avLst/>
-          </a:prstGeom>
-          <a:noFill/>
-          <a:ln>
-            <a:noFill/>
-          </a:ln>
-        </p:spPr>
-      </p:pic>
-      <p:pic>
-        <p:nvPicPr>
-          <p:cNvPr id="653" name="Google Shape;653;p49"/>
-          <p:cNvPicPr preferRelativeResize="0"/>
-          <p:nvPr/>
-        </p:nvPicPr>
-        <p:blipFill rotWithShape="1">
-          <a:blip r:embed="rId3">
-            <a:alphaModFix/>
-          </a:blip>
-          <a:srcRect l="6323" t="55146" b="33126"/>
-          <a:stretch/>
-        </p:blipFill>
-        <p:spPr>
-          <a:xfrm>
-            <a:off x="1797825" y="2159501"/>
-            <a:ext cx="5548426" cy="656175"/>
-          </a:xfrm>
-          <a:prstGeom prst="rect">
-            <a:avLst/>
-          </a:prstGeom>
-          <a:noFill/>
-          <a:ln>
-            <a:noFill/>
-          </a:ln>
-        </p:spPr>
-      </p:pic>
-      <p:pic>
-        <p:nvPicPr>
-          <p:cNvPr id="654" name="Google Shape;654;p49"/>
-          <p:cNvPicPr preferRelativeResize="0"/>
-          <p:nvPr/>
-        </p:nvPicPr>
-        <p:blipFill rotWithShape="1">
-          <a:blip r:embed="rId3">
-            <a:alphaModFix/>
-          </a:blip>
-          <a:srcRect l="6323" t="84979"/>
-          <a:stretch/>
-        </p:blipFill>
-        <p:spPr>
-          <a:xfrm>
-            <a:off x="1797850" y="3776862"/>
-            <a:ext cx="5548426" cy="840400"/>
-          </a:xfrm>
-          <a:prstGeom prst="rect">
-            <a:avLst/>
-          </a:prstGeom>
-          <a:noFill/>
-          <a:ln>
-            <a:noFill/>
-          </a:ln>
-        </p:spPr>
-      </p:pic>
-      <p:sp>
-        <p:nvSpPr>
-          <p:cNvPr id="655" name="Google Shape;655;p49"/>
-          <p:cNvSpPr txBox="1"/>
-          <p:nvPr/>
-        </p:nvSpPr>
-        <p:spPr>
-          <a:xfrm>
-            <a:off x="1797850" y="3447450"/>
-            <a:ext cx="3000000" cy="367500"/>
-          </a:xfrm>
-          <a:prstGeom prst="rect">
-            <a:avLst/>
-          </a:prstGeom>
-          <a:noFill/>
-          <a:ln>
-            <a:noFill/>
-          </a:ln>
-        </p:spPr>
-        <p:txBody>
-          <a:bodyPr spcFirstLastPara="1" wrap="square" lIns="91425" tIns="91425" rIns="91425" bIns="91425" anchor="t" anchorCtr="0">
-            <a:spAutoFit/>
-          </a:bodyPr>
-          <a:lstStyle/>
-          <a:p>
-            <a:pPr marL="0" lvl="0" indent="0" algn="l" rtl="0">
-              <a:spcBef>
-                <a:spcPts val="0"/>
-              </a:spcBef>
-              <a:spcAft>
-                <a:spcPts val="0"/>
-              </a:spcAft>
-              <a:buNone/>
-            </a:pPr>
-            <a:r>
-              <a:rPr lang="zh-TW" sz="1200"/>
-              <a:t>建立主視窗</a:t>
-            </a:r>
-            <a:endParaRPr sz="1200"/>
-          </a:p>
-        </p:txBody>
-      </p:sp>
-      <p:pic>
-        <p:nvPicPr>
-          <p:cNvPr id="656" name="Google Shape;656;p49"/>
-          <p:cNvPicPr preferRelativeResize="0"/>
-          <p:nvPr/>
-        </p:nvPicPr>
-        <p:blipFill rotWithShape="1">
-          <a:blip r:embed="rId3">
-            <a:alphaModFix/>
-          </a:blip>
-          <a:srcRect l="6323" t="74195" b="21454"/>
-          <a:stretch/>
-        </p:blipFill>
-        <p:spPr>
-          <a:xfrm>
-            <a:off x="1797850" y="3219737"/>
-            <a:ext cx="5548426" cy="243401"/>
-          </a:xfrm>
-          <a:prstGeom prst="rect">
-            <a:avLst/>
-          </a:prstGeom>
-          <a:noFill/>
-          <a:ln>
-            <a:noFill/>
-          </a:ln>
-        </p:spPr>
-      </p:pic>
-      <p:sp>
-        <p:nvSpPr>
-          <p:cNvPr id="657" name="Google Shape;657;p49"/>
-          <p:cNvSpPr txBox="1"/>
-          <p:nvPr/>
-        </p:nvSpPr>
-        <p:spPr>
-          <a:xfrm>
-            <a:off x="1797850" y="2815675"/>
-            <a:ext cx="3000000" cy="367500"/>
-          </a:xfrm>
-          <a:prstGeom prst="rect">
-            <a:avLst/>
-          </a:prstGeom>
-          <a:noFill/>
-          <a:ln>
-            <a:noFill/>
-          </a:ln>
-        </p:spPr>
-        <p:txBody>
-          <a:bodyPr spcFirstLastPara="1" wrap="square" lIns="91425" tIns="91425" rIns="91425" bIns="91425" anchor="t" anchorCtr="0">
-            <a:spAutoFit/>
-          </a:bodyPr>
-          <a:lstStyle/>
-          <a:p>
-            <a:pPr marL="0" lvl="0" indent="0" algn="l" rtl="0">
-              <a:spcBef>
-                <a:spcPts val="0"/>
-              </a:spcBef>
-              <a:spcAft>
-                <a:spcPts val="0"/>
-              </a:spcAft>
-              <a:buNone/>
-            </a:pPr>
-            <a:r>
-              <a:rPr lang="zh-TW" sz="1200"/>
-              <a:t>解析驗證碼結果</a:t>
-            </a:r>
-            <a:endParaRPr sz="1200"/>
-          </a:p>
-        </p:txBody>
-      </p:sp>
-    </p:spTree>
-  </p:cSld>
-  <p:clrMapOvr>
-    <a:masterClrMapping/>
-  </p:clrMapOvr>
-</p:sld>
-</file>
-
-<file path=ppt/slides/slide16.xml><?xml version="1.0" encoding="utf-8"?>
-<p:sld xmlns:a="http://schemas.openxmlformats.org/drawingml/2006/main" xmlns:r="http://schemas.openxmlformats.org/officeDocument/2006/relationships" xmlns:p="http://schemas.openxmlformats.org/presentationml/2006/main">
-  <p:cSld>
-    <p:spTree>
-      <p:nvGrpSpPr>
-        <p:cNvPr id="1" name="Shape 661"/>
-        <p:cNvGrpSpPr/>
-        <p:nvPr/>
-      </p:nvGrpSpPr>
-      <p:grpSpPr>
-        <a:xfrm>
-          <a:off x="0" y="0"/>
-          <a:ext cx="0" cy="0"/>
-          <a:chOff x="0" y="0"/>
-          <a:chExt cx="0" cy="0"/>
-        </a:xfrm>
-      </p:grpSpPr>
-      <p:sp>
-        <p:nvSpPr>
-          <p:cNvPr id="662" name="Google Shape;662;p50"/>
-          <p:cNvSpPr/>
-          <p:nvPr/>
-        </p:nvSpPr>
-        <p:spPr>
-          <a:xfrm>
-            <a:off x="7746400" y="1066450"/>
-            <a:ext cx="457208" cy="164590"/>
-          </a:xfrm>
-          <a:custGeom>
-            <a:avLst/>
-            <a:gdLst/>
-            <a:ahLst/>
-            <a:cxnLst/>
-            <a:rect l="l" t="t" r="r" b="b"/>
-            <a:pathLst>
-              <a:path w="7903" h="3025" extrusionOk="0">
-                <a:moveTo>
-                  <a:pt x="2025" y="2829"/>
-                </a:moveTo>
-                <a:cubicBezTo>
-                  <a:pt x="1829" y="3024"/>
-                  <a:pt x="1537" y="2732"/>
-                  <a:pt x="1732" y="2537"/>
-                </a:cubicBezTo>
-                <a:lnTo>
-                  <a:pt x="2756" y="1537"/>
-                </a:lnTo>
-                <a:lnTo>
-                  <a:pt x="1732" y="512"/>
-                </a:lnTo>
-                <a:cubicBezTo>
-                  <a:pt x="1537" y="317"/>
-                  <a:pt x="1829" y="49"/>
-                  <a:pt x="2025" y="220"/>
-                </a:cubicBezTo>
-                <a:lnTo>
-                  <a:pt x="3171" y="1390"/>
-                </a:lnTo>
-                <a:cubicBezTo>
-                  <a:pt x="3244" y="1463"/>
-                  <a:pt x="3244" y="1585"/>
-                  <a:pt x="3171" y="1683"/>
-                </a:cubicBezTo>
-                <a:close/>
-                <a:moveTo>
-                  <a:pt x="195" y="512"/>
-                </a:moveTo>
-                <a:lnTo>
-                  <a:pt x="1195" y="1512"/>
-                </a:lnTo>
-                <a:lnTo>
-                  <a:pt x="195" y="2537"/>
-                </a:lnTo>
-                <a:cubicBezTo>
-                  <a:pt x="0" y="2732"/>
-                  <a:pt x="269" y="3000"/>
-                  <a:pt x="464" y="2805"/>
-                </a:cubicBezTo>
-                <a:lnTo>
-                  <a:pt x="1610" y="1659"/>
-                </a:lnTo>
-                <a:cubicBezTo>
-                  <a:pt x="1708" y="1585"/>
-                  <a:pt x="1708" y="1463"/>
-                  <a:pt x="1610" y="1366"/>
-                </a:cubicBezTo>
-                <a:lnTo>
-                  <a:pt x="464" y="220"/>
-                </a:lnTo>
-                <a:cubicBezTo>
-                  <a:pt x="269" y="25"/>
-                  <a:pt x="0" y="317"/>
-                  <a:pt x="195" y="512"/>
-                </a:cubicBezTo>
-                <a:close/>
-                <a:moveTo>
-                  <a:pt x="6659" y="2829"/>
-                </a:moveTo>
-                <a:cubicBezTo>
-                  <a:pt x="6464" y="3024"/>
-                  <a:pt x="6195" y="2732"/>
-                  <a:pt x="6366" y="2537"/>
-                </a:cubicBezTo>
-                <a:lnTo>
-                  <a:pt x="7390" y="1537"/>
-                </a:lnTo>
-                <a:lnTo>
-                  <a:pt x="6366" y="512"/>
-                </a:lnTo>
-                <a:cubicBezTo>
-                  <a:pt x="6195" y="317"/>
-                  <a:pt x="6464" y="49"/>
-                  <a:pt x="6659" y="220"/>
-                </a:cubicBezTo>
-                <a:lnTo>
-                  <a:pt x="7805" y="1390"/>
-                </a:lnTo>
-                <a:cubicBezTo>
-                  <a:pt x="7903" y="1463"/>
-                  <a:pt x="7903" y="1585"/>
-                  <a:pt x="7805" y="1683"/>
-                </a:cubicBezTo>
-                <a:close/>
-                <a:moveTo>
-                  <a:pt x="5122" y="2829"/>
-                </a:moveTo>
-                <a:lnTo>
-                  <a:pt x="6268" y="1683"/>
-                </a:lnTo>
-                <a:cubicBezTo>
-                  <a:pt x="6342" y="1585"/>
-                  <a:pt x="6342" y="1463"/>
-                  <a:pt x="6268" y="1390"/>
-                </a:cubicBezTo>
-                <a:lnTo>
-                  <a:pt x="5122" y="220"/>
-                </a:lnTo>
-                <a:cubicBezTo>
-                  <a:pt x="4927" y="73"/>
-                  <a:pt x="4659" y="317"/>
-                  <a:pt x="4829" y="512"/>
-                </a:cubicBezTo>
-                <a:lnTo>
-                  <a:pt x="5854" y="1537"/>
-                </a:lnTo>
-                <a:lnTo>
-                  <a:pt x="4829" y="2537"/>
-                </a:lnTo>
-                <a:cubicBezTo>
-                  <a:pt x="4634" y="2732"/>
-                  <a:pt x="4927" y="3024"/>
-                  <a:pt x="5122" y="2829"/>
-                </a:cubicBezTo>
-                <a:close/>
-                <a:moveTo>
-                  <a:pt x="3561" y="2829"/>
-                </a:moveTo>
-                <a:lnTo>
-                  <a:pt x="4707" y="1683"/>
-                </a:lnTo>
-                <a:cubicBezTo>
-                  <a:pt x="4805" y="1585"/>
-                  <a:pt x="4805" y="1463"/>
-                  <a:pt x="4707" y="1390"/>
-                </a:cubicBezTo>
-                <a:lnTo>
-                  <a:pt x="3561" y="220"/>
-                </a:lnTo>
-                <a:cubicBezTo>
-                  <a:pt x="3366" y="0"/>
-                  <a:pt x="3049" y="317"/>
-                  <a:pt x="3268" y="512"/>
-                </a:cubicBezTo>
-                <a:lnTo>
-                  <a:pt x="4293" y="1537"/>
-                </a:lnTo>
-                <a:lnTo>
-                  <a:pt x="3268" y="2537"/>
-                </a:lnTo>
-                <a:cubicBezTo>
-                  <a:pt x="3098" y="2732"/>
-                  <a:pt x="3366" y="3024"/>
-                  <a:pt x="3561" y="2829"/>
-                </a:cubicBezTo>
-                <a:close/>
-              </a:path>
-            </a:pathLst>
-          </a:custGeom>
-          <a:solidFill>
-            <a:schemeClr val="dk1"/>
-          </a:solidFill>
-          <a:ln>
-            <a:noFill/>
-          </a:ln>
-        </p:spPr>
-        <p:txBody>
-          <a:bodyPr spcFirstLastPara="1" wrap="square" lIns="91425" tIns="91425" rIns="91425" bIns="91425" anchor="ctr" anchorCtr="0">
-            <a:noAutofit/>
-          </a:bodyPr>
-          <a:lstStyle/>
-          <a:p>
-            <a:pPr marL="0" lvl="0" indent="0" algn="l" rtl="0">
-              <a:spcBef>
-                <a:spcPts val="0"/>
-              </a:spcBef>
-              <a:spcAft>
-                <a:spcPts val="0"/>
-              </a:spcAft>
-              <a:buNone/>
-            </a:pPr>
-            <a:endParaRPr/>
-          </a:p>
-        </p:txBody>
-      </p:sp>
-      <p:sp>
-        <p:nvSpPr>
-          <p:cNvPr id="663" name="Google Shape;663;p50"/>
-          <p:cNvSpPr/>
-          <p:nvPr/>
-        </p:nvSpPr>
-        <p:spPr>
-          <a:xfrm>
-            <a:off x="7971832" y="917810"/>
-            <a:ext cx="457196" cy="57149"/>
-          </a:xfrm>
-          <a:custGeom>
-            <a:avLst/>
-            <a:gdLst/>
-            <a:ahLst/>
-            <a:cxnLst/>
-            <a:rect l="l" t="t" r="r" b="b"/>
-            <a:pathLst>
-              <a:path w="11732" h="1391" extrusionOk="0">
-                <a:moveTo>
-                  <a:pt x="11488" y="854"/>
-                </a:moveTo>
-                <a:cubicBezTo>
-                  <a:pt x="11708" y="878"/>
-                  <a:pt x="11732" y="1220"/>
-                  <a:pt x="11488" y="1244"/>
-                </a:cubicBezTo>
-                <a:cubicBezTo>
-                  <a:pt x="11220" y="1244"/>
-                  <a:pt x="10952" y="1098"/>
-                  <a:pt x="10805" y="854"/>
-                </a:cubicBezTo>
-                <a:cubicBezTo>
-                  <a:pt x="10683" y="708"/>
-                  <a:pt x="10561" y="537"/>
-                  <a:pt x="10366" y="537"/>
-                </a:cubicBezTo>
-                <a:cubicBezTo>
-                  <a:pt x="10171" y="537"/>
-                  <a:pt x="10049" y="683"/>
-                  <a:pt x="9927" y="854"/>
-                </a:cubicBezTo>
-                <a:cubicBezTo>
-                  <a:pt x="9781" y="1098"/>
-                  <a:pt x="9513" y="1244"/>
-                  <a:pt x="9244" y="1244"/>
-                </a:cubicBezTo>
-                <a:cubicBezTo>
-                  <a:pt x="8952" y="1244"/>
-                  <a:pt x="8708" y="1098"/>
-                  <a:pt x="8561" y="854"/>
-                </a:cubicBezTo>
-                <a:cubicBezTo>
-                  <a:pt x="8439" y="708"/>
-                  <a:pt x="8293" y="537"/>
-                  <a:pt x="8122" y="537"/>
-                </a:cubicBezTo>
-                <a:cubicBezTo>
-                  <a:pt x="7927" y="537"/>
-                  <a:pt x="7805" y="683"/>
-                  <a:pt x="7683" y="854"/>
-                </a:cubicBezTo>
-                <a:cubicBezTo>
-                  <a:pt x="7537" y="1098"/>
-                  <a:pt x="7269" y="1244"/>
-                  <a:pt x="6976" y="1244"/>
-                </a:cubicBezTo>
-                <a:cubicBezTo>
-                  <a:pt x="6708" y="1244"/>
-                  <a:pt x="6439" y="1098"/>
-                  <a:pt x="6293" y="854"/>
-                </a:cubicBezTo>
-                <a:cubicBezTo>
-                  <a:pt x="6171" y="708"/>
-                  <a:pt x="6049" y="537"/>
-                  <a:pt x="5854" y="537"/>
-                </a:cubicBezTo>
-                <a:cubicBezTo>
-                  <a:pt x="5683" y="537"/>
-                  <a:pt x="5561" y="683"/>
-                  <a:pt x="5415" y="854"/>
-                </a:cubicBezTo>
-                <a:cubicBezTo>
-                  <a:pt x="5122" y="1391"/>
-                  <a:pt x="4342" y="1391"/>
-                  <a:pt x="4049" y="854"/>
-                </a:cubicBezTo>
-                <a:cubicBezTo>
-                  <a:pt x="3927" y="708"/>
-                  <a:pt x="3805" y="537"/>
-                  <a:pt x="3610" y="537"/>
-                </a:cubicBezTo>
-                <a:cubicBezTo>
-                  <a:pt x="3415" y="537"/>
-                  <a:pt x="3318" y="683"/>
-                  <a:pt x="3171" y="854"/>
-                </a:cubicBezTo>
-                <a:cubicBezTo>
-                  <a:pt x="2879" y="1391"/>
-                  <a:pt x="2098" y="1391"/>
-                  <a:pt x="1805" y="854"/>
-                </a:cubicBezTo>
-                <a:cubicBezTo>
-                  <a:pt x="1683" y="708"/>
-                  <a:pt x="1561" y="537"/>
-                  <a:pt x="1366" y="537"/>
-                </a:cubicBezTo>
-                <a:cubicBezTo>
-                  <a:pt x="1171" y="537"/>
-                  <a:pt x="1074" y="683"/>
-                  <a:pt x="927" y="854"/>
-                </a:cubicBezTo>
-                <a:cubicBezTo>
-                  <a:pt x="781" y="1098"/>
-                  <a:pt x="513" y="1244"/>
-                  <a:pt x="244" y="1244"/>
-                </a:cubicBezTo>
-                <a:cubicBezTo>
-                  <a:pt x="1" y="1220"/>
-                  <a:pt x="1" y="878"/>
-                  <a:pt x="244" y="854"/>
-                </a:cubicBezTo>
-                <a:cubicBezTo>
-                  <a:pt x="391" y="854"/>
-                  <a:pt x="513" y="732"/>
-                  <a:pt x="635" y="586"/>
-                </a:cubicBezTo>
-                <a:cubicBezTo>
-                  <a:pt x="781" y="317"/>
-                  <a:pt x="1074" y="171"/>
-                  <a:pt x="1366" y="147"/>
-                </a:cubicBezTo>
-                <a:cubicBezTo>
-                  <a:pt x="1659" y="171"/>
-                  <a:pt x="1952" y="317"/>
-                  <a:pt x="2098" y="586"/>
-                </a:cubicBezTo>
-                <a:cubicBezTo>
-                  <a:pt x="2220" y="732"/>
-                  <a:pt x="2342" y="854"/>
-                  <a:pt x="2488" y="854"/>
-                </a:cubicBezTo>
-                <a:lnTo>
-                  <a:pt x="2488" y="854"/>
-                </a:lnTo>
-                <a:cubicBezTo>
-                  <a:pt x="2635" y="854"/>
-                  <a:pt x="2757" y="732"/>
-                  <a:pt x="2879" y="586"/>
-                </a:cubicBezTo>
-                <a:cubicBezTo>
-                  <a:pt x="3196" y="0"/>
-                  <a:pt x="4025" y="0"/>
-                  <a:pt x="4342" y="586"/>
-                </a:cubicBezTo>
-                <a:cubicBezTo>
-                  <a:pt x="4464" y="732"/>
-                  <a:pt x="4586" y="854"/>
-                  <a:pt x="4732" y="854"/>
-                </a:cubicBezTo>
-                <a:lnTo>
-                  <a:pt x="4781" y="854"/>
-                </a:lnTo>
-                <a:cubicBezTo>
-                  <a:pt x="4927" y="854"/>
-                  <a:pt x="5025" y="732"/>
-                  <a:pt x="5147" y="586"/>
-                </a:cubicBezTo>
-                <a:cubicBezTo>
-                  <a:pt x="5318" y="317"/>
-                  <a:pt x="5586" y="171"/>
-                  <a:pt x="5878" y="147"/>
-                </a:cubicBezTo>
-                <a:cubicBezTo>
-                  <a:pt x="6196" y="171"/>
-                  <a:pt x="6464" y="317"/>
-                  <a:pt x="6635" y="586"/>
-                </a:cubicBezTo>
-                <a:cubicBezTo>
-                  <a:pt x="6757" y="732"/>
-                  <a:pt x="6854" y="854"/>
-                  <a:pt x="7000" y="854"/>
-                </a:cubicBezTo>
-                <a:lnTo>
-                  <a:pt x="7025" y="854"/>
-                </a:lnTo>
-                <a:cubicBezTo>
-                  <a:pt x="7171" y="854"/>
-                  <a:pt x="7293" y="732"/>
-                  <a:pt x="7391" y="586"/>
-                </a:cubicBezTo>
-                <a:cubicBezTo>
-                  <a:pt x="7708" y="0"/>
-                  <a:pt x="8561" y="0"/>
-                  <a:pt x="8878" y="586"/>
-                </a:cubicBezTo>
-                <a:cubicBezTo>
-                  <a:pt x="9000" y="732"/>
-                  <a:pt x="9098" y="854"/>
-                  <a:pt x="9244" y="854"/>
-                </a:cubicBezTo>
-                <a:lnTo>
-                  <a:pt x="9269" y="854"/>
-                </a:lnTo>
-                <a:cubicBezTo>
-                  <a:pt x="9415" y="854"/>
-                  <a:pt x="9537" y="732"/>
-                  <a:pt x="9659" y="586"/>
-                </a:cubicBezTo>
-                <a:cubicBezTo>
-                  <a:pt x="9805" y="317"/>
-                  <a:pt x="10074" y="171"/>
-                  <a:pt x="10391" y="147"/>
-                </a:cubicBezTo>
-                <a:cubicBezTo>
-                  <a:pt x="10683" y="171"/>
-                  <a:pt x="10976" y="317"/>
-                  <a:pt x="11122" y="586"/>
-                </a:cubicBezTo>
-                <a:cubicBezTo>
-                  <a:pt x="11244" y="732"/>
-                  <a:pt x="11342" y="854"/>
-                  <a:pt x="11488" y="854"/>
-                </a:cubicBezTo>
-                <a:close/>
-              </a:path>
-            </a:pathLst>
-          </a:custGeom>
-          <a:solidFill>
-            <a:schemeClr val="dk1"/>
-          </a:solidFill>
-          <a:ln>
-            <a:noFill/>
-          </a:ln>
-        </p:spPr>
-        <p:txBody>
-          <a:bodyPr spcFirstLastPara="1" wrap="square" lIns="91425" tIns="91425" rIns="91425" bIns="91425" anchor="ctr" anchorCtr="0">
-            <a:noAutofit/>
-          </a:bodyPr>
-          <a:lstStyle/>
-          <a:p>
-            <a:pPr marL="0" lvl="0" indent="0" algn="l" rtl="0">
-              <a:spcBef>
-                <a:spcPts val="0"/>
-              </a:spcBef>
-              <a:spcAft>
-                <a:spcPts val="0"/>
-              </a:spcAft>
-              <a:buNone/>
-            </a:pPr>
-            <a:endParaRPr/>
-          </a:p>
-        </p:txBody>
-      </p:sp>
-      <p:sp>
-        <p:nvSpPr>
-          <p:cNvPr id="664" name="Google Shape;664;p50"/>
-          <p:cNvSpPr/>
-          <p:nvPr/>
-        </p:nvSpPr>
-        <p:spPr>
-          <a:xfrm>
-            <a:off x="715100" y="1357700"/>
-            <a:ext cx="457207" cy="59636"/>
-          </a:xfrm>
-          <a:custGeom>
-            <a:avLst/>
-            <a:gdLst/>
-            <a:ahLst/>
-            <a:cxnLst/>
-            <a:rect l="l" t="t" r="r" b="b"/>
-            <a:pathLst>
-              <a:path w="8294" h="952" extrusionOk="0">
-                <a:moveTo>
-                  <a:pt x="415" y="0"/>
-                </a:moveTo>
-                <a:cubicBezTo>
-                  <a:pt x="757" y="0"/>
-                  <a:pt x="952" y="439"/>
-                  <a:pt x="708" y="683"/>
-                </a:cubicBezTo>
-                <a:cubicBezTo>
-                  <a:pt x="440" y="951"/>
-                  <a:pt x="1" y="756"/>
-                  <a:pt x="25" y="390"/>
-                </a:cubicBezTo>
-                <a:cubicBezTo>
-                  <a:pt x="25" y="171"/>
-                  <a:pt x="196" y="0"/>
-                  <a:pt x="415" y="0"/>
-                </a:cubicBezTo>
-                <a:close/>
-                <a:moveTo>
-                  <a:pt x="7757" y="0"/>
-                </a:moveTo>
-                <a:cubicBezTo>
-                  <a:pt x="8123" y="0"/>
-                  <a:pt x="8293" y="439"/>
-                  <a:pt x="8025" y="683"/>
-                </a:cubicBezTo>
-                <a:cubicBezTo>
-                  <a:pt x="7781" y="951"/>
-                  <a:pt x="7342" y="756"/>
-                  <a:pt x="7342" y="415"/>
-                </a:cubicBezTo>
-                <a:cubicBezTo>
-                  <a:pt x="7342" y="195"/>
-                  <a:pt x="7537" y="0"/>
-                  <a:pt x="7757" y="0"/>
-                </a:cubicBezTo>
-                <a:close/>
-                <a:moveTo>
-                  <a:pt x="5928" y="0"/>
-                </a:moveTo>
-                <a:cubicBezTo>
-                  <a:pt x="6293" y="24"/>
-                  <a:pt x="6440" y="463"/>
-                  <a:pt x="6171" y="707"/>
-                </a:cubicBezTo>
-                <a:cubicBezTo>
-                  <a:pt x="5903" y="951"/>
-                  <a:pt x="5488" y="756"/>
-                  <a:pt x="5513" y="390"/>
-                </a:cubicBezTo>
-                <a:cubicBezTo>
-                  <a:pt x="5513" y="171"/>
-                  <a:pt x="5684" y="0"/>
-                  <a:pt x="5903" y="0"/>
-                </a:cubicBezTo>
-                <a:close/>
-                <a:moveTo>
-                  <a:pt x="4098" y="0"/>
-                </a:moveTo>
-                <a:cubicBezTo>
-                  <a:pt x="4464" y="24"/>
-                  <a:pt x="4610" y="463"/>
-                  <a:pt x="4342" y="707"/>
-                </a:cubicBezTo>
-                <a:cubicBezTo>
-                  <a:pt x="4074" y="951"/>
-                  <a:pt x="3659" y="756"/>
-                  <a:pt x="3684" y="390"/>
-                </a:cubicBezTo>
-                <a:cubicBezTo>
-                  <a:pt x="3684" y="171"/>
-                  <a:pt x="3854" y="0"/>
-                  <a:pt x="4074" y="0"/>
-                </a:cubicBezTo>
-                <a:close/>
-                <a:moveTo>
-                  <a:pt x="2269" y="0"/>
-                </a:moveTo>
-                <a:cubicBezTo>
-                  <a:pt x="2635" y="24"/>
-                  <a:pt x="2781" y="463"/>
-                  <a:pt x="2513" y="707"/>
-                </a:cubicBezTo>
-                <a:cubicBezTo>
-                  <a:pt x="2245" y="951"/>
-                  <a:pt x="1830" y="756"/>
-                  <a:pt x="1854" y="390"/>
-                </a:cubicBezTo>
-                <a:cubicBezTo>
-                  <a:pt x="1854" y="171"/>
-                  <a:pt x="2025" y="0"/>
-                  <a:pt x="2245" y="0"/>
-                </a:cubicBezTo>
-                <a:close/>
-              </a:path>
-            </a:pathLst>
-          </a:custGeom>
-          <a:solidFill>
-            <a:schemeClr val="dk1"/>
-          </a:solidFill>
-          <a:ln>
-            <a:noFill/>
-          </a:ln>
-        </p:spPr>
-        <p:txBody>
-          <a:bodyPr spcFirstLastPara="1" wrap="square" lIns="91425" tIns="91425" rIns="91425" bIns="91425" anchor="ctr" anchorCtr="0">
-            <a:noAutofit/>
-          </a:bodyPr>
-          <a:lstStyle/>
-          <a:p>
-            <a:pPr marL="0" lvl="0" indent="0" algn="l" rtl="0">
-              <a:spcBef>
-                <a:spcPts val="0"/>
-              </a:spcBef>
-              <a:spcAft>
-                <a:spcPts val="0"/>
-              </a:spcAft>
-              <a:buNone/>
-            </a:pPr>
-            <a:endParaRPr/>
-          </a:p>
-        </p:txBody>
-      </p:sp>
-      <p:sp>
-        <p:nvSpPr>
-          <p:cNvPr id="665" name="Google Shape;665;p50"/>
-          <p:cNvSpPr txBox="1"/>
-          <p:nvPr/>
-        </p:nvSpPr>
-        <p:spPr>
-          <a:xfrm>
-            <a:off x="751650" y="882775"/>
-            <a:ext cx="1704000" cy="363300"/>
-          </a:xfrm>
-          <a:prstGeom prst="rect">
-            <a:avLst/>
-          </a:prstGeom>
-          <a:noFill/>
-          <a:ln>
-            <a:noFill/>
-          </a:ln>
-        </p:spPr>
-        <p:txBody>
-          <a:bodyPr spcFirstLastPara="1" wrap="square" lIns="91425" tIns="91425" rIns="91425" bIns="91425" anchor="t" anchorCtr="0">
-            <a:noAutofit/>
-          </a:bodyPr>
-          <a:lstStyle/>
-          <a:p>
-            <a:pPr marL="0" lvl="0" indent="0" algn="l" rtl="0">
-              <a:spcBef>
-                <a:spcPts val="0"/>
-              </a:spcBef>
-              <a:spcAft>
-                <a:spcPts val="0"/>
-              </a:spcAft>
-              <a:buNone/>
-            </a:pPr>
-            <a:r>
-              <a:rPr lang="zh-TW" dirty="0">
-                <a:solidFill>
-                  <a:schemeClr val="dk1"/>
-                </a:solidFill>
-                <a:latin typeface="Karla"/>
-                <a:ea typeface="Karla"/>
-                <a:cs typeface="Karla"/>
-                <a:sym typeface="Karla"/>
-              </a:rPr>
-              <a:t>GUI.PY</a:t>
-            </a:r>
-            <a:endParaRPr dirty="0">
-              <a:solidFill>
-                <a:schemeClr val="dk1"/>
-              </a:solidFill>
-              <a:latin typeface="Karla"/>
-              <a:ea typeface="Karla"/>
-              <a:cs typeface="Karla"/>
-              <a:sym typeface="Karla"/>
-            </a:endParaRPr>
-          </a:p>
-        </p:txBody>
-      </p:sp>
-      <p:pic>
-        <p:nvPicPr>
-          <p:cNvPr id="666" name="Google Shape;666;p50"/>
-          <p:cNvPicPr preferRelativeResize="0"/>
-          <p:nvPr/>
-        </p:nvPicPr>
-        <p:blipFill rotWithShape="1">
-          <a:blip r:embed="rId3">
-            <a:alphaModFix/>
-          </a:blip>
-          <a:srcRect l="8359" t="4250" r="6162" b="86286"/>
-          <a:stretch/>
-        </p:blipFill>
-        <p:spPr>
-          <a:xfrm>
-            <a:off x="1797888" y="1022826"/>
-            <a:ext cx="5548425" cy="408300"/>
-          </a:xfrm>
-          <a:prstGeom prst="rect">
-            <a:avLst/>
-          </a:prstGeom>
-          <a:noFill/>
-          <a:ln>
-            <a:noFill/>
-          </a:ln>
-        </p:spPr>
-      </p:pic>
-      <p:pic>
-        <p:nvPicPr>
-          <p:cNvPr id="667" name="Google Shape;667;p50"/>
-          <p:cNvPicPr preferRelativeResize="0"/>
-          <p:nvPr/>
-        </p:nvPicPr>
-        <p:blipFill rotWithShape="1">
-          <a:blip r:embed="rId3">
-            <a:alphaModFix/>
-          </a:blip>
-          <a:srcRect l="8357" t="22915" b="57605"/>
-          <a:stretch/>
-        </p:blipFill>
-        <p:spPr>
-          <a:xfrm>
-            <a:off x="1797825" y="1439964"/>
-            <a:ext cx="5548425" cy="783891"/>
-          </a:xfrm>
-          <a:prstGeom prst="rect">
-            <a:avLst/>
-          </a:prstGeom>
-          <a:noFill/>
-          <a:ln>
-            <a:noFill/>
-          </a:ln>
-        </p:spPr>
-      </p:pic>
-      <p:sp>
-        <p:nvSpPr>
-          <p:cNvPr id="668" name="Google Shape;668;p50"/>
-          <p:cNvSpPr txBox="1"/>
-          <p:nvPr/>
-        </p:nvSpPr>
-        <p:spPr>
-          <a:xfrm>
-            <a:off x="1797888" y="683903"/>
-            <a:ext cx="3277500" cy="367500"/>
-          </a:xfrm>
-          <a:prstGeom prst="rect">
-            <a:avLst/>
-          </a:prstGeom>
-          <a:noFill/>
-          <a:ln>
-            <a:noFill/>
-          </a:ln>
-        </p:spPr>
-        <p:txBody>
-          <a:bodyPr spcFirstLastPara="1" wrap="square" lIns="91425" tIns="91425" rIns="91425" bIns="91425" anchor="t" anchorCtr="0">
-            <a:spAutoFit/>
-          </a:bodyPr>
-          <a:lstStyle/>
-          <a:p>
-            <a:pPr marL="0" lvl="0" indent="0" algn="l" rtl="0">
-              <a:spcBef>
-                <a:spcPts val="0"/>
-              </a:spcBef>
-              <a:spcAft>
-                <a:spcPts val="0"/>
-              </a:spcAft>
-              <a:buNone/>
-            </a:pPr>
-            <a:r>
-              <a:rPr lang="zh-TW" sz="1200"/>
-              <a:t>風格設定、</a:t>
-            </a:r>
-            <a:r>
-              <a:rPr lang="zh-TW" sz="1200">
-                <a:solidFill>
-                  <a:schemeClr val="dk1"/>
-                </a:solidFill>
-              </a:rPr>
-              <a:t>建立標籤顯示驗證圖/結果圖</a:t>
-            </a:r>
-            <a:endParaRPr sz="1200"/>
-          </a:p>
-        </p:txBody>
-      </p:sp>
-      <p:pic>
-        <p:nvPicPr>
-          <p:cNvPr id="669" name="Google Shape;669;p50"/>
-          <p:cNvPicPr preferRelativeResize="0"/>
-          <p:nvPr/>
-        </p:nvPicPr>
-        <p:blipFill rotWithShape="1">
-          <a:blip r:embed="rId3">
-            <a:alphaModFix/>
-          </a:blip>
-          <a:srcRect l="8357" t="49895" b="27379"/>
-          <a:stretch/>
-        </p:blipFill>
-        <p:spPr>
-          <a:xfrm>
-            <a:off x="1797800" y="2589366"/>
-            <a:ext cx="5548425" cy="914538"/>
-          </a:xfrm>
-          <a:prstGeom prst="rect">
-            <a:avLst/>
-          </a:prstGeom>
-          <a:noFill/>
-          <a:ln>
-            <a:noFill/>
-          </a:ln>
-        </p:spPr>
-      </p:pic>
-      <p:pic>
-        <p:nvPicPr>
-          <p:cNvPr id="670" name="Google Shape;670;p50"/>
-          <p:cNvPicPr preferRelativeResize="0"/>
-          <p:nvPr/>
-        </p:nvPicPr>
-        <p:blipFill rotWithShape="1">
-          <a:blip r:embed="rId3">
-            <a:alphaModFix/>
-          </a:blip>
-          <a:srcRect l="8357" t="81104" b="12583"/>
-          <a:stretch/>
-        </p:blipFill>
-        <p:spPr>
-          <a:xfrm>
-            <a:off x="1797800" y="3869403"/>
-            <a:ext cx="5548425" cy="253999"/>
-          </a:xfrm>
-          <a:prstGeom prst="rect">
-            <a:avLst/>
-          </a:prstGeom>
-          <a:noFill/>
-          <a:ln>
-            <a:noFill/>
-          </a:ln>
-        </p:spPr>
-      </p:pic>
-      <p:pic>
-        <p:nvPicPr>
-          <p:cNvPr id="671" name="Google Shape;671;p50"/>
-          <p:cNvPicPr preferRelativeResize="0"/>
-          <p:nvPr/>
-        </p:nvPicPr>
-        <p:blipFill rotWithShape="1">
-          <a:blip r:embed="rId3">
-            <a:alphaModFix/>
-          </a:blip>
-          <a:srcRect l="8357" t="93688"/>
-          <a:stretch/>
-        </p:blipFill>
-        <p:spPr>
-          <a:xfrm>
-            <a:off x="1797863" y="4488904"/>
-            <a:ext cx="5548425" cy="253999"/>
-          </a:xfrm>
-          <a:prstGeom prst="rect">
-            <a:avLst/>
-          </a:prstGeom>
-          <a:noFill/>
-          <a:ln>
-            <a:noFill/>
-          </a:ln>
-        </p:spPr>
-      </p:pic>
-      <p:sp>
-        <p:nvSpPr>
-          <p:cNvPr id="672" name="Google Shape;672;p50"/>
-          <p:cNvSpPr txBox="1"/>
-          <p:nvPr/>
-        </p:nvSpPr>
-        <p:spPr>
-          <a:xfrm>
-            <a:off x="1797875" y="2238478"/>
-            <a:ext cx="3000000" cy="367500"/>
-          </a:xfrm>
-          <a:prstGeom prst="rect">
-            <a:avLst/>
-          </a:prstGeom>
-          <a:noFill/>
-          <a:ln>
-            <a:noFill/>
-          </a:ln>
-        </p:spPr>
-        <p:txBody>
-          <a:bodyPr spcFirstLastPara="1" wrap="square" lIns="91425" tIns="91425" rIns="91425" bIns="91425" anchor="t" anchorCtr="0">
-            <a:spAutoFit/>
-          </a:bodyPr>
-          <a:lstStyle/>
-          <a:p>
-            <a:pPr marL="0" lvl="0" indent="0" algn="l" rtl="0">
-              <a:spcBef>
-                <a:spcPts val="0"/>
-              </a:spcBef>
-              <a:spcAft>
-                <a:spcPts val="0"/>
-              </a:spcAft>
-              <a:buNone/>
-            </a:pPr>
-            <a:r>
-              <a:rPr lang="zh-TW" sz="1200"/>
-              <a:t>建立按鈕控制圖片輸出</a:t>
-            </a:r>
-            <a:endParaRPr sz="1200"/>
-          </a:p>
-        </p:txBody>
-      </p:sp>
-      <p:sp>
-        <p:nvSpPr>
-          <p:cNvPr id="673" name="Google Shape;673;p50"/>
-          <p:cNvSpPr txBox="1"/>
-          <p:nvPr/>
-        </p:nvSpPr>
-        <p:spPr>
-          <a:xfrm>
-            <a:off x="1797875" y="3503903"/>
-            <a:ext cx="3000000" cy="367500"/>
-          </a:xfrm>
-          <a:prstGeom prst="rect">
-            <a:avLst/>
-          </a:prstGeom>
-          <a:noFill/>
-          <a:ln>
-            <a:noFill/>
-          </a:ln>
-        </p:spPr>
-        <p:txBody>
-          <a:bodyPr spcFirstLastPara="1" wrap="square" lIns="91425" tIns="91425" rIns="91425" bIns="91425" anchor="t" anchorCtr="0">
-            <a:spAutoFit/>
-          </a:bodyPr>
-          <a:lstStyle/>
-          <a:p>
-            <a:pPr marL="0" lvl="0" indent="0" algn="l" rtl="0">
-              <a:spcBef>
-                <a:spcPts val="0"/>
-              </a:spcBef>
-              <a:spcAft>
-                <a:spcPts val="0"/>
-              </a:spcAft>
-              <a:buNone/>
-            </a:pPr>
-            <a:r>
-              <a:rPr lang="zh-TW" sz="1200"/>
-              <a:t>分割線</a:t>
-            </a:r>
-            <a:endParaRPr sz="1200"/>
-          </a:p>
-        </p:txBody>
-      </p:sp>
-      <p:sp>
-        <p:nvSpPr>
-          <p:cNvPr id="674" name="Google Shape;674;p50"/>
-          <p:cNvSpPr txBox="1"/>
-          <p:nvPr/>
-        </p:nvSpPr>
-        <p:spPr>
-          <a:xfrm>
-            <a:off x="1797875" y="4123403"/>
-            <a:ext cx="3000000" cy="367500"/>
-          </a:xfrm>
-          <a:prstGeom prst="rect">
-            <a:avLst/>
-          </a:prstGeom>
-          <a:noFill/>
-          <a:ln>
-            <a:noFill/>
-          </a:ln>
-        </p:spPr>
-        <p:txBody>
-          <a:bodyPr spcFirstLastPara="1" wrap="square" lIns="91425" tIns="91425" rIns="91425" bIns="91425" anchor="t" anchorCtr="0">
-            <a:spAutoFit/>
-          </a:bodyPr>
-          <a:lstStyle/>
-          <a:p>
-            <a:pPr marL="0" lvl="0" indent="0" algn="l" rtl="0">
-              <a:spcBef>
-                <a:spcPts val="0"/>
-              </a:spcBef>
-              <a:spcAft>
-                <a:spcPts val="0"/>
-              </a:spcAft>
-              <a:buNone/>
-            </a:pPr>
-            <a:r>
-              <a:rPr lang="zh-TW" sz="1200"/>
-              <a:t>tkinter執行</a:t>
-            </a:r>
-            <a:endParaRPr sz="1200"/>
-          </a:p>
-        </p:txBody>
-      </p:sp>
-    </p:spTree>
-  </p:cSld>
-  <p:clrMapOvr>
-    <a:masterClrMapping/>
-  </p:clrMapOvr>
-</p:sld>
-</file>
-
-<file path=ppt/slides/slide17.xml><?xml version="1.0" encoding="utf-8"?>
 <p:sld xmlns:a="http://schemas.openxmlformats.org/drawingml/2006/main" xmlns:r="http://schemas.openxmlformats.org/officeDocument/2006/relationships" xmlns:p="http://schemas.openxmlformats.org/presentationml/2006/main">
   <p:cSld>
     <p:spTree>
@@ -43179,6 +40283,3715 @@
       </p:par>
     </p:tnLst>
   </p:timing>
+</p:sld>
+</file>
+
+<file path=ppt/slides/slide14.xml><?xml version="1.0" encoding="utf-8"?>
+<p:sld xmlns:a="http://schemas.openxmlformats.org/drawingml/2006/main" xmlns:r="http://schemas.openxmlformats.org/officeDocument/2006/relationships" xmlns:p="http://schemas.openxmlformats.org/presentationml/2006/main">
+  <p:cSld>
+    <p:spTree>
+      <p:nvGrpSpPr>
+        <p:cNvPr id="1" name="Shape 617"/>
+        <p:cNvGrpSpPr/>
+        <p:nvPr/>
+      </p:nvGrpSpPr>
+      <p:grpSpPr>
+        <a:xfrm>
+          <a:off x="0" y="0"/>
+          <a:ext cx="0" cy="0"/>
+          <a:chOff x="0" y="0"/>
+          <a:chExt cx="0" cy="0"/>
+        </a:xfrm>
+      </p:grpSpPr>
+      <p:sp>
+        <p:nvSpPr>
+          <p:cNvPr id="618" name="Google Shape;618;p47"/>
+          <p:cNvSpPr/>
+          <p:nvPr/>
+        </p:nvSpPr>
+        <p:spPr>
+          <a:xfrm>
+            <a:off x="7746400" y="1066450"/>
+            <a:ext cx="457208" cy="164590"/>
+          </a:xfrm>
+          <a:custGeom>
+            <a:avLst/>
+            <a:gdLst/>
+            <a:ahLst/>
+            <a:cxnLst/>
+            <a:rect l="l" t="t" r="r" b="b"/>
+            <a:pathLst>
+              <a:path w="7903" h="3025" extrusionOk="0">
+                <a:moveTo>
+                  <a:pt x="2025" y="2829"/>
+                </a:moveTo>
+                <a:cubicBezTo>
+                  <a:pt x="1829" y="3024"/>
+                  <a:pt x="1537" y="2732"/>
+                  <a:pt x="1732" y="2537"/>
+                </a:cubicBezTo>
+                <a:lnTo>
+                  <a:pt x="2756" y="1537"/>
+                </a:lnTo>
+                <a:lnTo>
+                  <a:pt x="1732" y="512"/>
+                </a:lnTo>
+                <a:cubicBezTo>
+                  <a:pt x="1537" y="317"/>
+                  <a:pt x="1829" y="49"/>
+                  <a:pt x="2025" y="220"/>
+                </a:cubicBezTo>
+                <a:lnTo>
+                  <a:pt x="3171" y="1390"/>
+                </a:lnTo>
+                <a:cubicBezTo>
+                  <a:pt x="3244" y="1463"/>
+                  <a:pt x="3244" y="1585"/>
+                  <a:pt x="3171" y="1683"/>
+                </a:cubicBezTo>
+                <a:close/>
+                <a:moveTo>
+                  <a:pt x="195" y="512"/>
+                </a:moveTo>
+                <a:lnTo>
+                  <a:pt x="1195" y="1512"/>
+                </a:lnTo>
+                <a:lnTo>
+                  <a:pt x="195" y="2537"/>
+                </a:lnTo>
+                <a:cubicBezTo>
+                  <a:pt x="0" y="2732"/>
+                  <a:pt x="269" y="3000"/>
+                  <a:pt x="464" y="2805"/>
+                </a:cubicBezTo>
+                <a:lnTo>
+                  <a:pt x="1610" y="1659"/>
+                </a:lnTo>
+                <a:cubicBezTo>
+                  <a:pt x="1708" y="1585"/>
+                  <a:pt x="1708" y="1463"/>
+                  <a:pt x="1610" y="1366"/>
+                </a:cubicBezTo>
+                <a:lnTo>
+                  <a:pt x="464" y="220"/>
+                </a:lnTo>
+                <a:cubicBezTo>
+                  <a:pt x="269" y="25"/>
+                  <a:pt x="0" y="317"/>
+                  <a:pt x="195" y="512"/>
+                </a:cubicBezTo>
+                <a:close/>
+                <a:moveTo>
+                  <a:pt x="6659" y="2829"/>
+                </a:moveTo>
+                <a:cubicBezTo>
+                  <a:pt x="6464" y="3024"/>
+                  <a:pt x="6195" y="2732"/>
+                  <a:pt x="6366" y="2537"/>
+                </a:cubicBezTo>
+                <a:lnTo>
+                  <a:pt x="7390" y="1537"/>
+                </a:lnTo>
+                <a:lnTo>
+                  <a:pt x="6366" y="512"/>
+                </a:lnTo>
+                <a:cubicBezTo>
+                  <a:pt x="6195" y="317"/>
+                  <a:pt x="6464" y="49"/>
+                  <a:pt x="6659" y="220"/>
+                </a:cubicBezTo>
+                <a:lnTo>
+                  <a:pt x="7805" y="1390"/>
+                </a:lnTo>
+                <a:cubicBezTo>
+                  <a:pt x="7903" y="1463"/>
+                  <a:pt x="7903" y="1585"/>
+                  <a:pt x="7805" y="1683"/>
+                </a:cubicBezTo>
+                <a:close/>
+                <a:moveTo>
+                  <a:pt x="5122" y="2829"/>
+                </a:moveTo>
+                <a:lnTo>
+                  <a:pt x="6268" y="1683"/>
+                </a:lnTo>
+                <a:cubicBezTo>
+                  <a:pt x="6342" y="1585"/>
+                  <a:pt x="6342" y="1463"/>
+                  <a:pt x="6268" y="1390"/>
+                </a:cubicBezTo>
+                <a:lnTo>
+                  <a:pt x="5122" y="220"/>
+                </a:lnTo>
+                <a:cubicBezTo>
+                  <a:pt x="4927" y="73"/>
+                  <a:pt x="4659" y="317"/>
+                  <a:pt x="4829" y="512"/>
+                </a:cubicBezTo>
+                <a:lnTo>
+                  <a:pt x="5854" y="1537"/>
+                </a:lnTo>
+                <a:lnTo>
+                  <a:pt x="4829" y="2537"/>
+                </a:lnTo>
+                <a:cubicBezTo>
+                  <a:pt x="4634" y="2732"/>
+                  <a:pt x="4927" y="3024"/>
+                  <a:pt x="5122" y="2829"/>
+                </a:cubicBezTo>
+                <a:close/>
+                <a:moveTo>
+                  <a:pt x="3561" y="2829"/>
+                </a:moveTo>
+                <a:lnTo>
+                  <a:pt x="4707" y="1683"/>
+                </a:lnTo>
+                <a:cubicBezTo>
+                  <a:pt x="4805" y="1585"/>
+                  <a:pt x="4805" y="1463"/>
+                  <a:pt x="4707" y="1390"/>
+                </a:cubicBezTo>
+                <a:lnTo>
+                  <a:pt x="3561" y="220"/>
+                </a:lnTo>
+                <a:cubicBezTo>
+                  <a:pt x="3366" y="0"/>
+                  <a:pt x="3049" y="317"/>
+                  <a:pt x="3268" y="512"/>
+                </a:cubicBezTo>
+                <a:lnTo>
+                  <a:pt x="4293" y="1537"/>
+                </a:lnTo>
+                <a:lnTo>
+                  <a:pt x="3268" y="2537"/>
+                </a:lnTo>
+                <a:cubicBezTo>
+                  <a:pt x="3098" y="2732"/>
+                  <a:pt x="3366" y="3024"/>
+                  <a:pt x="3561" y="2829"/>
+                </a:cubicBezTo>
+                <a:close/>
+              </a:path>
+            </a:pathLst>
+          </a:custGeom>
+          <a:solidFill>
+            <a:schemeClr val="dk1"/>
+          </a:solidFill>
+          <a:ln>
+            <a:noFill/>
+          </a:ln>
+        </p:spPr>
+        <p:txBody>
+          <a:bodyPr spcFirstLastPara="1" wrap="square" lIns="91425" tIns="91425" rIns="91425" bIns="91425" anchor="ctr" anchorCtr="0">
+            <a:noAutofit/>
+          </a:bodyPr>
+          <a:lstStyle/>
+          <a:p>
+            <a:pPr marL="0" lvl="0" indent="0" algn="l" rtl="0">
+              <a:spcBef>
+                <a:spcPts val="0"/>
+              </a:spcBef>
+              <a:spcAft>
+                <a:spcPts val="0"/>
+              </a:spcAft>
+              <a:buNone/>
+            </a:pPr>
+            <a:endParaRPr/>
+          </a:p>
+        </p:txBody>
+      </p:sp>
+      <p:sp>
+        <p:nvSpPr>
+          <p:cNvPr id="619" name="Google Shape;619;p47"/>
+          <p:cNvSpPr/>
+          <p:nvPr/>
+        </p:nvSpPr>
+        <p:spPr>
+          <a:xfrm>
+            <a:off x="7971832" y="917810"/>
+            <a:ext cx="457196" cy="57149"/>
+          </a:xfrm>
+          <a:custGeom>
+            <a:avLst/>
+            <a:gdLst/>
+            <a:ahLst/>
+            <a:cxnLst/>
+            <a:rect l="l" t="t" r="r" b="b"/>
+            <a:pathLst>
+              <a:path w="11732" h="1391" extrusionOk="0">
+                <a:moveTo>
+                  <a:pt x="11488" y="854"/>
+                </a:moveTo>
+                <a:cubicBezTo>
+                  <a:pt x="11708" y="878"/>
+                  <a:pt x="11732" y="1220"/>
+                  <a:pt x="11488" y="1244"/>
+                </a:cubicBezTo>
+                <a:cubicBezTo>
+                  <a:pt x="11220" y="1244"/>
+                  <a:pt x="10952" y="1098"/>
+                  <a:pt x="10805" y="854"/>
+                </a:cubicBezTo>
+                <a:cubicBezTo>
+                  <a:pt x="10683" y="708"/>
+                  <a:pt x="10561" y="537"/>
+                  <a:pt x="10366" y="537"/>
+                </a:cubicBezTo>
+                <a:cubicBezTo>
+                  <a:pt x="10171" y="537"/>
+                  <a:pt x="10049" y="683"/>
+                  <a:pt x="9927" y="854"/>
+                </a:cubicBezTo>
+                <a:cubicBezTo>
+                  <a:pt x="9781" y="1098"/>
+                  <a:pt x="9513" y="1244"/>
+                  <a:pt x="9244" y="1244"/>
+                </a:cubicBezTo>
+                <a:cubicBezTo>
+                  <a:pt x="8952" y="1244"/>
+                  <a:pt x="8708" y="1098"/>
+                  <a:pt x="8561" y="854"/>
+                </a:cubicBezTo>
+                <a:cubicBezTo>
+                  <a:pt x="8439" y="708"/>
+                  <a:pt x="8293" y="537"/>
+                  <a:pt x="8122" y="537"/>
+                </a:cubicBezTo>
+                <a:cubicBezTo>
+                  <a:pt x="7927" y="537"/>
+                  <a:pt x="7805" y="683"/>
+                  <a:pt x="7683" y="854"/>
+                </a:cubicBezTo>
+                <a:cubicBezTo>
+                  <a:pt x="7537" y="1098"/>
+                  <a:pt x="7269" y="1244"/>
+                  <a:pt x="6976" y="1244"/>
+                </a:cubicBezTo>
+                <a:cubicBezTo>
+                  <a:pt x="6708" y="1244"/>
+                  <a:pt x="6439" y="1098"/>
+                  <a:pt x="6293" y="854"/>
+                </a:cubicBezTo>
+                <a:cubicBezTo>
+                  <a:pt x="6171" y="708"/>
+                  <a:pt x="6049" y="537"/>
+                  <a:pt x="5854" y="537"/>
+                </a:cubicBezTo>
+                <a:cubicBezTo>
+                  <a:pt x="5683" y="537"/>
+                  <a:pt x="5561" y="683"/>
+                  <a:pt x="5415" y="854"/>
+                </a:cubicBezTo>
+                <a:cubicBezTo>
+                  <a:pt x="5122" y="1391"/>
+                  <a:pt x="4342" y="1391"/>
+                  <a:pt x="4049" y="854"/>
+                </a:cubicBezTo>
+                <a:cubicBezTo>
+                  <a:pt x="3927" y="708"/>
+                  <a:pt x="3805" y="537"/>
+                  <a:pt x="3610" y="537"/>
+                </a:cubicBezTo>
+                <a:cubicBezTo>
+                  <a:pt x="3415" y="537"/>
+                  <a:pt x="3318" y="683"/>
+                  <a:pt x="3171" y="854"/>
+                </a:cubicBezTo>
+                <a:cubicBezTo>
+                  <a:pt x="2879" y="1391"/>
+                  <a:pt x="2098" y="1391"/>
+                  <a:pt x="1805" y="854"/>
+                </a:cubicBezTo>
+                <a:cubicBezTo>
+                  <a:pt x="1683" y="708"/>
+                  <a:pt x="1561" y="537"/>
+                  <a:pt x="1366" y="537"/>
+                </a:cubicBezTo>
+                <a:cubicBezTo>
+                  <a:pt x="1171" y="537"/>
+                  <a:pt x="1074" y="683"/>
+                  <a:pt x="927" y="854"/>
+                </a:cubicBezTo>
+                <a:cubicBezTo>
+                  <a:pt x="781" y="1098"/>
+                  <a:pt x="513" y="1244"/>
+                  <a:pt x="244" y="1244"/>
+                </a:cubicBezTo>
+                <a:cubicBezTo>
+                  <a:pt x="1" y="1220"/>
+                  <a:pt x="1" y="878"/>
+                  <a:pt x="244" y="854"/>
+                </a:cubicBezTo>
+                <a:cubicBezTo>
+                  <a:pt x="391" y="854"/>
+                  <a:pt x="513" y="732"/>
+                  <a:pt x="635" y="586"/>
+                </a:cubicBezTo>
+                <a:cubicBezTo>
+                  <a:pt x="781" y="317"/>
+                  <a:pt x="1074" y="171"/>
+                  <a:pt x="1366" y="147"/>
+                </a:cubicBezTo>
+                <a:cubicBezTo>
+                  <a:pt x="1659" y="171"/>
+                  <a:pt x="1952" y="317"/>
+                  <a:pt x="2098" y="586"/>
+                </a:cubicBezTo>
+                <a:cubicBezTo>
+                  <a:pt x="2220" y="732"/>
+                  <a:pt x="2342" y="854"/>
+                  <a:pt x="2488" y="854"/>
+                </a:cubicBezTo>
+                <a:lnTo>
+                  <a:pt x="2488" y="854"/>
+                </a:lnTo>
+                <a:cubicBezTo>
+                  <a:pt x="2635" y="854"/>
+                  <a:pt x="2757" y="732"/>
+                  <a:pt x="2879" y="586"/>
+                </a:cubicBezTo>
+                <a:cubicBezTo>
+                  <a:pt x="3196" y="0"/>
+                  <a:pt x="4025" y="0"/>
+                  <a:pt x="4342" y="586"/>
+                </a:cubicBezTo>
+                <a:cubicBezTo>
+                  <a:pt x="4464" y="732"/>
+                  <a:pt x="4586" y="854"/>
+                  <a:pt x="4732" y="854"/>
+                </a:cubicBezTo>
+                <a:lnTo>
+                  <a:pt x="4781" y="854"/>
+                </a:lnTo>
+                <a:cubicBezTo>
+                  <a:pt x="4927" y="854"/>
+                  <a:pt x="5025" y="732"/>
+                  <a:pt x="5147" y="586"/>
+                </a:cubicBezTo>
+                <a:cubicBezTo>
+                  <a:pt x="5318" y="317"/>
+                  <a:pt x="5586" y="171"/>
+                  <a:pt x="5878" y="147"/>
+                </a:cubicBezTo>
+                <a:cubicBezTo>
+                  <a:pt x="6196" y="171"/>
+                  <a:pt x="6464" y="317"/>
+                  <a:pt x="6635" y="586"/>
+                </a:cubicBezTo>
+                <a:cubicBezTo>
+                  <a:pt x="6757" y="732"/>
+                  <a:pt x="6854" y="854"/>
+                  <a:pt x="7000" y="854"/>
+                </a:cubicBezTo>
+                <a:lnTo>
+                  <a:pt x="7025" y="854"/>
+                </a:lnTo>
+                <a:cubicBezTo>
+                  <a:pt x="7171" y="854"/>
+                  <a:pt x="7293" y="732"/>
+                  <a:pt x="7391" y="586"/>
+                </a:cubicBezTo>
+                <a:cubicBezTo>
+                  <a:pt x="7708" y="0"/>
+                  <a:pt x="8561" y="0"/>
+                  <a:pt x="8878" y="586"/>
+                </a:cubicBezTo>
+                <a:cubicBezTo>
+                  <a:pt x="9000" y="732"/>
+                  <a:pt x="9098" y="854"/>
+                  <a:pt x="9244" y="854"/>
+                </a:cubicBezTo>
+                <a:lnTo>
+                  <a:pt x="9269" y="854"/>
+                </a:lnTo>
+                <a:cubicBezTo>
+                  <a:pt x="9415" y="854"/>
+                  <a:pt x="9537" y="732"/>
+                  <a:pt x="9659" y="586"/>
+                </a:cubicBezTo>
+                <a:cubicBezTo>
+                  <a:pt x="9805" y="317"/>
+                  <a:pt x="10074" y="171"/>
+                  <a:pt x="10391" y="147"/>
+                </a:cubicBezTo>
+                <a:cubicBezTo>
+                  <a:pt x="10683" y="171"/>
+                  <a:pt x="10976" y="317"/>
+                  <a:pt x="11122" y="586"/>
+                </a:cubicBezTo>
+                <a:cubicBezTo>
+                  <a:pt x="11244" y="732"/>
+                  <a:pt x="11342" y="854"/>
+                  <a:pt x="11488" y="854"/>
+                </a:cubicBezTo>
+                <a:close/>
+              </a:path>
+            </a:pathLst>
+          </a:custGeom>
+          <a:solidFill>
+            <a:schemeClr val="dk1"/>
+          </a:solidFill>
+          <a:ln>
+            <a:noFill/>
+          </a:ln>
+        </p:spPr>
+        <p:txBody>
+          <a:bodyPr spcFirstLastPara="1" wrap="square" lIns="91425" tIns="91425" rIns="91425" bIns="91425" anchor="ctr" anchorCtr="0">
+            <a:noAutofit/>
+          </a:bodyPr>
+          <a:lstStyle/>
+          <a:p>
+            <a:pPr marL="0" lvl="0" indent="0" algn="l" rtl="0">
+              <a:spcBef>
+                <a:spcPts val="0"/>
+              </a:spcBef>
+              <a:spcAft>
+                <a:spcPts val="0"/>
+              </a:spcAft>
+              <a:buNone/>
+            </a:pPr>
+            <a:endParaRPr/>
+          </a:p>
+        </p:txBody>
+      </p:sp>
+      <p:sp>
+        <p:nvSpPr>
+          <p:cNvPr id="620" name="Google Shape;620;p47"/>
+          <p:cNvSpPr/>
+          <p:nvPr/>
+        </p:nvSpPr>
+        <p:spPr>
+          <a:xfrm>
+            <a:off x="715100" y="1357700"/>
+            <a:ext cx="457207" cy="59636"/>
+          </a:xfrm>
+          <a:custGeom>
+            <a:avLst/>
+            <a:gdLst/>
+            <a:ahLst/>
+            <a:cxnLst/>
+            <a:rect l="l" t="t" r="r" b="b"/>
+            <a:pathLst>
+              <a:path w="8294" h="952" extrusionOk="0">
+                <a:moveTo>
+                  <a:pt x="415" y="0"/>
+                </a:moveTo>
+                <a:cubicBezTo>
+                  <a:pt x="757" y="0"/>
+                  <a:pt x="952" y="439"/>
+                  <a:pt x="708" y="683"/>
+                </a:cubicBezTo>
+                <a:cubicBezTo>
+                  <a:pt x="440" y="951"/>
+                  <a:pt x="1" y="756"/>
+                  <a:pt x="25" y="390"/>
+                </a:cubicBezTo>
+                <a:cubicBezTo>
+                  <a:pt x="25" y="171"/>
+                  <a:pt x="196" y="0"/>
+                  <a:pt x="415" y="0"/>
+                </a:cubicBezTo>
+                <a:close/>
+                <a:moveTo>
+                  <a:pt x="7757" y="0"/>
+                </a:moveTo>
+                <a:cubicBezTo>
+                  <a:pt x="8123" y="0"/>
+                  <a:pt x="8293" y="439"/>
+                  <a:pt x="8025" y="683"/>
+                </a:cubicBezTo>
+                <a:cubicBezTo>
+                  <a:pt x="7781" y="951"/>
+                  <a:pt x="7342" y="756"/>
+                  <a:pt x="7342" y="415"/>
+                </a:cubicBezTo>
+                <a:cubicBezTo>
+                  <a:pt x="7342" y="195"/>
+                  <a:pt x="7537" y="0"/>
+                  <a:pt x="7757" y="0"/>
+                </a:cubicBezTo>
+                <a:close/>
+                <a:moveTo>
+                  <a:pt x="5928" y="0"/>
+                </a:moveTo>
+                <a:cubicBezTo>
+                  <a:pt x="6293" y="24"/>
+                  <a:pt x="6440" y="463"/>
+                  <a:pt x="6171" y="707"/>
+                </a:cubicBezTo>
+                <a:cubicBezTo>
+                  <a:pt x="5903" y="951"/>
+                  <a:pt x="5488" y="756"/>
+                  <a:pt x="5513" y="390"/>
+                </a:cubicBezTo>
+                <a:cubicBezTo>
+                  <a:pt x="5513" y="171"/>
+                  <a:pt x="5684" y="0"/>
+                  <a:pt x="5903" y="0"/>
+                </a:cubicBezTo>
+                <a:close/>
+                <a:moveTo>
+                  <a:pt x="4098" y="0"/>
+                </a:moveTo>
+                <a:cubicBezTo>
+                  <a:pt x="4464" y="24"/>
+                  <a:pt x="4610" y="463"/>
+                  <a:pt x="4342" y="707"/>
+                </a:cubicBezTo>
+                <a:cubicBezTo>
+                  <a:pt x="4074" y="951"/>
+                  <a:pt x="3659" y="756"/>
+                  <a:pt x="3684" y="390"/>
+                </a:cubicBezTo>
+                <a:cubicBezTo>
+                  <a:pt x="3684" y="171"/>
+                  <a:pt x="3854" y="0"/>
+                  <a:pt x="4074" y="0"/>
+                </a:cubicBezTo>
+                <a:close/>
+                <a:moveTo>
+                  <a:pt x="2269" y="0"/>
+                </a:moveTo>
+                <a:cubicBezTo>
+                  <a:pt x="2635" y="24"/>
+                  <a:pt x="2781" y="463"/>
+                  <a:pt x="2513" y="707"/>
+                </a:cubicBezTo>
+                <a:cubicBezTo>
+                  <a:pt x="2245" y="951"/>
+                  <a:pt x="1830" y="756"/>
+                  <a:pt x="1854" y="390"/>
+                </a:cubicBezTo>
+                <a:cubicBezTo>
+                  <a:pt x="1854" y="171"/>
+                  <a:pt x="2025" y="0"/>
+                  <a:pt x="2245" y="0"/>
+                </a:cubicBezTo>
+                <a:close/>
+              </a:path>
+            </a:pathLst>
+          </a:custGeom>
+          <a:solidFill>
+            <a:schemeClr val="dk1"/>
+          </a:solidFill>
+          <a:ln>
+            <a:noFill/>
+          </a:ln>
+        </p:spPr>
+        <p:txBody>
+          <a:bodyPr spcFirstLastPara="1" wrap="square" lIns="91425" tIns="91425" rIns="91425" bIns="91425" anchor="ctr" anchorCtr="0">
+            <a:noAutofit/>
+          </a:bodyPr>
+          <a:lstStyle/>
+          <a:p>
+            <a:pPr marL="0" lvl="0" indent="0" algn="l" rtl="0">
+              <a:spcBef>
+                <a:spcPts val="0"/>
+              </a:spcBef>
+              <a:spcAft>
+                <a:spcPts val="0"/>
+              </a:spcAft>
+              <a:buNone/>
+            </a:pPr>
+            <a:endParaRPr/>
+          </a:p>
+        </p:txBody>
+      </p:sp>
+      <p:sp>
+        <p:nvSpPr>
+          <p:cNvPr id="621" name="Google Shape;621;p47"/>
+          <p:cNvSpPr txBox="1"/>
+          <p:nvPr/>
+        </p:nvSpPr>
+        <p:spPr>
+          <a:xfrm>
+            <a:off x="715100" y="764725"/>
+            <a:ext cx="1704000" cy="363300"/>
+          </a:xfrm>
+          <a:prstGeom prst="rect">
+            <a:avLst/>
+          </a:prstGeom>
+          <a:noFill/>
+          <a:ln>
+            <a:noFill/>
+          </a:ln>
+        </p:spPr>
+        <p:txBody>
+          <a:bodyPr spcFirstLastPara="1" wrap="square" lIns="91425" tIns="91425" rIns="91425" bIns="91425" anchor="t" anchorCtr="0">
+            <a:noAutofit/>
+          </a:bodyPr>
+          <a:lstStyle/>
+          <a:p>
+            <a:pPr marL="0" lvl="0" indent="0" algn="l" rtl="0">
+              <a:spcBef>
+                <a:spcPts val="0"/>
+              </a:spcBef>
+              <a:spcAft>
+                <a:spcPts val="0"/>
+              </a:spcAft>
+              <a:buNone/>
+            </a:pPr>
+            <a:r>
+              <a:rPr lang="zh-TW" dirty="0">
+                <a:solidFill>
+                  <a:schemeClr val="dk1"/>
+                </a:solidFill>
+                <a:latin typeface="Karla"/>
+                <a:ea typeface="Karla"/>
+                <a:cs typeface="Karla"/>
+                <a:sym typeface="Karla"/>
+              </a:rPr>
+              <a:t>GUI.PY</a:t>
+            </a:r>
+            <a:endParaRPr dirty="0">
+              <a:solidFill>
+                <a:schemeClr val="dk1"/>
+              </a:solidFill>
+              <a:latin typeface="Karla"/>
+              <a:ea typeface="Karla"/>
+              <a:cs typeface="Karla"/>
+              <a:sym typeface="Karla"/>
+            </a:endParaRPr>
+          </a:p>
+        </p:txBody>
+      </p:sp>
+      <p:pic>
+        <p:nvPicPr>
+          <p:cNvPr id="622" name="Google Shape;622;p47"/>
+          <p:cNvPicPr preferRelativeResize="0"/>
+          <p:nvPr/>
+        </p:nvPicPr>
+        <p:blipFill rotWithShape="1">
+          <a:blip r:embed="rId3">
+            <a:alphaModFix/>
+          </a:blip>
+          <a:srcRect l="4216" t="40814" r="1042" b="50922"/>
+          <a:stretch/>
+        </p:blipFill>
+        <p:spPr>
+          <a:xfrm>
+            <a:off x="1797775" y="1725200"/>
+            <a:ext cx="5548425" cy="453076"/>
+          </a:xfrm>
+          <a:prstGeom prst="rect">
+            <a:avLst/>
+          </a:prstGeom>
+          <a:noFill/>
+          <a:ln>
+            <a:noFill/>
+          </a:ln>
+        </p:spPr>
+      </p:pic>
+      <p:sp>
+        <p:nvSpPr>
+          <p:cNvPr id="623" name="Google Shape;623;p47"/>
+          <p:cNvSpPr txBox="1"/>
+          <p:nvPr/>
+        </p:nvSpPr>
+        <p:spPr>
+          <a:xfrm>
+            <a:off x="1797850" y="1357700"/>
+            <a:ext cx="3000000" cy="367500"/>
+          </a:xfrm>
+          <a:prstGeom prst="rect">
+            <a:avLst/>
+          </a:prstGeom>
+          <a:noFill/>
+          <a:ln>
+            <a:noFill/>
+          </a:ln>
+        </p:spPr>
+        <p:txBody>
+          <a:bodyPr spcFirstLastPara="1" wrap="square" lIns="91425" tIns="91425" rIns="91425" bIns="91425" anchor="t" anchorCtr="0">
+            <a:spAutoFit/>
+          </a:bodyPr>
+          <a:lstStyle/>
+          <a:p>
+            <a:pPr marL="0" lvl="0" indent="0" algn="l" rtl="0">
+              <a:spcBef>
+                <a:spcPts val="0"/>
+              </a:spcBef>
+              <a:spcAft>
+                <a:spcPts val="0"/>
+              </a:spcAft>
+              <a:buNone/>
+            </a:pPr>
+            <a:r>
+              <a:rPr lang="zh-TW" sz="1200" dirty="0"/>
+              <a:t>輸出驗證碼圖片</a:t>
+            </a:r>
+            <a:endParaRPr sz="1200" dirty="0"/>
+          </a:p>
+        </p:txBody>
+      </p:sp>
+      <p:sp>
+        <p:nvSpPr>
+          <p:cNvPr id="624" name="Google Shape;624;p47"/>
+          <p:cNvSpPr txBox="1"/>
+          <p:nvPr/>
+        </p:nvSpPr>
+        <p:spPr>
+          <a:xfrm>
+            <a:off x="1797763" y="2178275"/>
+            <a:ext cx="3672300" cy="367500"/>
+          </a:xfrm>
+          <a:prstGeom prst="rect">
+            <a:avLst/>
+          </a:prstGeom>
+          <a:noFill/>
+          <a:ln>
+            <a:noFill/>
+          </a:ln>
+        </p:spPr>
+        <p:txBody>
+          <a:bodyPr spcFirstLastPara="1" wrap="square" lIns="91425" tIns="91425" rIns="91425" bIns="91425" anchor="t" anchorCtr="0">
+            <a:spAutoFit/>
+          </a:bodyPr>
+          <a:lstStyle/>
+          <a:p>
+            <a:pPr marL="0" lvl="0" indent="0" algn="l" rtl="0">
+              <a:spcBef>
+                <a:spcPts val="0"/>
+              </a:spcBef>
+              <a:spcAft>
+                <a:spcPts val="0"/>
+              </a:spcAft>
+              <a:buNone/>
+            </a:pPr>
+            <a:r>
+              <a:rPr lang="zh-TW" sz="1200"/>
+              <a:t>呼叫create_CAPTCHA.py生成驗證碼</a:t>
+            </a:r>
+            <a:endParaRPr sz="1200"/>
+          </a:p>
+        </p:txBody>
+      </p:sp>
+      <p:pic>
+        <p:nvPicPr>
+          <p:cNvPr id="625" name="Google Shape;625;p47"/>
+          <p:cNvPicPr preferRelativeResize="0"/>
+          <p:nvPr/>
+        </p:nvPicPr>
+        <p:blipFill rotWithShape="1">
+          <a:blip r:embed="rId3">
+            <a:alphaModFix/>
+          </a:blip>
+          <a:srcRect l="5258" t="55856" b="28840"/>
+          <a:stretch/>
+        </p:blipFill>
+        <p:spPr>
+          <a:xfrm>
+            <a:off x="1797763" y="2545787"/>
+            <a:ext cx="5548425" cy="839074"/>
+          </a:xfrm>
+          <a:prstGeom prst="rect">
+            <a:avLst/>
+          </a:prstGeom>
+          <a:noFill/>
+          <a:ln>
+            <a:noFill/>
+          </a:ln>
+        </p:spPr>
+      </p:pic>
+      <p:sp>
+        <p:nvSpPr>
+          <p:cNvPr id="626" name="Google Shape;626;p47"/>
+          <p:cNvSpPr txBox="1"/>
+          <p:nvPr/>
+        </p:nvSpPr>
+        <p:spPr>
+          <a:xfrm>
+            <a:off x="1797763" y="3384838"/>
+            <a:ext cx="3672300" cy="367500"/>
+          </a:xfrm>
+          <a:prstGeom prst="rect">
+            <a:avLst/>
+          </a:prstGeom>
+          <a:noFill/>
+          <a:ln>
+            <a:noFill/>
+          </a:ln>
+        </p:spPr>
+        <p:txBody>
+          <a:bodyPr spcFirstLastPara="1" wrap="square" lIns="91425" tIns="91425" rIns="91425" bIns="91425" anchor="t" anchorCtr="0">
+            <a:spAutoFit/>
+          </a:bodyPr>
+          <a:lstStyle/>
+          <a:p>
+            <a:pPr marL="0" lvl="0" indent="0" algn="l" rtl="0">
+              <a:spcBef>
+                <a:spcPts val="0"/>
+              </a:spcBef>
+              <a:spcAft>
+                <a:spcPts val="0"/>
+              </a:spcAft>
+              <a:buNone/>
+            </a:pPr>
+            <a:r>
+              <a:rPr lang="zh-TW" sz="1200"/>
+              <a:t>在output標籤輸出圖片</a:t>
+            </a:r>
+            <a:endParaRPr sz="1200"/>
+          </a:p>
+        </p:txBody>
+      </p:sp>
+      <p:pic>
+        <p:nvPicPr>
+          <p:cNvPr id="627" name="Google Shape;627;p47"/>
+          <p:cNvPicPr preferRelativeResize="0"/>
+          <p:nvPr/>
+        </p:nvPicPr>
+        <p:blipFill rotWithShape="1">
+          <a:blip r:embed="rId3">
+            <a:alphaModFix/>
+          </a:blip>
+          <a:srcRect l="5258" t="78306" b="18691"/>
+          <a:stretch/>
+        </p:blipFill>
+        <p:spPr>
+          <a:xfrm>
+            <a:off x="1797763" y="3752350"/>
+            <a:ext cx="5548425" cy="164601"/>
+          </a:xfrm>
+          <a:prstGeom prst="rect">
+            <a:avLst/>
+          </a:prstGeom>
+          <a:noFill/>
+          <a:ln>
+            <a:noFill/>
+          </a:ln>
+        </p:spPr>
+      </p:pic>
+    </p:spTree>
+  </p:cSld>
+  <p:clrMapOvr>
+    <a:masterClrMapping/>
+  </p:clrMapOvr>
+</p:sld>
+</file>
+
+<file path=ppt/slides/slide15.xml><?xml version="1.0" encoding="utf-8"?>
+<p:sld xmlns:a="http://schemas.openxmlformats.org/drawingml/2006/main" xmlns:r="http://schemas.openxmlformats.org/officeDocument/2006/relationships" xmlns:p="http://schemas.openxmlformats.org/presentationml/2006/main">
+  <p:cSld>
+    <p:spTree>
+      <p:nvGrpSpPr>
+        <p:cNvPr id="1" name="Shape 631"/>
+        <p:cNvGrpSpPr/>
+        <p:nvPr/>
+      </p:nvGrpSpPr>
+      <p:grpSpPr>
+        <a:xfrm>
+          <a:off x="0" y="0"/>
+          <a:ext cx="0" cy="0"/>
+          <a:chOff x="0" y="0"/>
+          <a:chExt cx="0" cy="0"/>
+        </a:xfrm>
+      </p:grpSpPr>
+      <p:sp>
+        <p:nvSpPr>
+          <p:cNvPr id="632" name="Google Shape;632;p48"/>
+          <p:cNvSpPr/>
+          <p:nvPr/>
+        </p:nvSpPr>
+        <p:spPr>
+          <a:xfrm>
+            <a:off x="7746400" y="1066450"/>
+            <a:ext cx="457208" cy="164590"/>
+          </a:xfrm>
+          <a:custGeom>
+            <a:avLst/>
+            <a:gdLst/>
+            <a:ahLst/>
+            <a:cxnLst/>
+            <a:rect l="l" t="t" r="r" b="b"/>
+            <a:pathLst>
+              <a:path w="7903" h="3025" extrusionOk="0">
+                <a:moveTo>
+                  <a:pt x="2025" y="2829"/>
+                </a:moveTo>
+                <a:cubicBezTo>
+                  <a:pt x="1829" y="3024"/>
+                  <a:pt x="1537" y="2732"/>
+                  <a:pt x="1732" y="2537"/>
+                </a:cubicBezTo>
+                <a:lnTo>
+                  <a:pt x="2756" y="1537"/>
+                </a:lnTo>
+                <a:lnTo>
+                  <a:pt x="1732" y="512"/>
+                </a:lnTo>
+                <a:cubicBezTo>
+                  <a:pt x="1537" y="317"/>
+                  <a:pt x="1829" y="49"/>
+                  <a:pt x="2025" y="220"/>
+                </a:cubicBezTo>
+                <a:lnTo>
+                  <a:pt x="3171" y="1390"/>
+                </a:lnTo>
+                <a:cubicBezTo>
+                  <a:pt x="3244" y="1463"/>
+                  <a:pt x="3244" y="1585"/>
+                  <a:pt x="3171" y="1683"/>
+                </a:cubicBezTo>
+                <a:close/>
+                <a:moveTo>
+                  <a:pt x="195" y="512"/>
+                </a:moveTo>
+                <a:lnTo>
+                  <a:pt x="1195" y="1512"/>
+                </a:lnTo>
+                <a:lnTo>
+                  <a:pt x="195" y="2537"/>
+                </a:lnTo>
+                <a:cubicBezTo>
+                  <a:pt x="0" y="2732"/>
+                  <a:pt x="269" y="3000"/>
+                  <a:pt x="464" y="2805"/>
+                </a:cubicBezTo>
+                <a:lnTo>
+                  <a:pt x="1610" y="1659"/>
+                </a:lnTo>
+                <a:cubicBezTo>
+                  <a:pt x="1708" y="1585"/>
+                  <a:pt x="1708" y="1463"/>
+                  <a:pt x="1610" y="1366"/>
+                </a:cubicBezTo>
+                <a:lnTo>
+                  <a:pt x="464" y="220"/>
+                </a:lnTo>
+                <a:cubicBezTo>
+                  <a:pt x="269" y="25"/>
+                  <a:pt x="0" y="317"/>
+                  <a:pt x="195" y="512"/>
+                </a:cubicBezTo>
+                <a:close/>
+                <a:moveTo>
+                  <a:pt x="6659" y="2829"/>
+                </a:moveTo>
+                <a:cubicBezTo>
+                  <a:pt x="6464" y="3024"/>
+                  <a:pt x="6195" y="2732"/>
+                  <a:pt x="6366" y="2537"/>
+                </a:cubicBezTo>
+                <a:lnTo>
+                  <a:pt x="7390" y="1537"/>
+                </a:lnTo>
+                <a:lnTo>
+                  <a:pt x="6366" y="512"/>
+                </a:lnTo>
+                <a:cubicBezTo>
+                  <a:pt x="6195" y="317"/>
+                  <a:pt x="6464" y="49"/>
+                  <a:pt x="6659" y="220"/>
+                </a:cubicBezTo>
+                <a:lnTo>
+                  <a:pt x="7805" y="1390"/>
+                </a:lnTo>
+                <a:cubicBezTo>
+                  <a:pt x="7903" y="1463"/>
+                  <a:pt x="7903" y="1585"/>
+                  <a:pt x="7805" y="1683"/>
+                </a:cubicBezTo>
+                <a:close/>
+                <a:moveTo>
+                  <a:pt x="5122" y="2829"/>
+                </a:moveTo>
+                <a:lnTo>
+                  <a:pt x="6268" y="1683"/>
+                </a:lnTo>
+                <a:cubicBezTo>
+                  <a:pt x="6342" y="1585"/>
+                  <a:pt x="6342" y="1463"/>
+                  <a:pt x="6268" y="1390"/>
+                </a:cubicBezTo>
+                <a:lnTo>
+                  <a:pt x="5122" y="220"/>
+                </a:lnTo>
+                <a:cubicBezTo>
+                  <a:pt x="4927" y="73"/>
+                  <a:pt x="4659" y="317"/>
+                  <a:pt x="4829" y="512"/>
+                </a:cubicBezTo>
+                <a:lnTo>
+                  <a:pt x="5854" y="1537"/>
+                </a:lnTo>
+                <a:lnTo>
+                  <a:pt x="4829" y="2537"/>
+                </a:lnTo>
+                <a:cubicBezTo>
+                  <a:pt x="4634" y="2732"/>
+                  <a:pt x="4927" y="3024"/>
+                  <a:pt x="5122" y="2829"/>
+                </a:cubicBezTo>
+                <a:close/>
+                <a:moveTo>
+                  <a:pt x="3561" y="2829"/>
+                </a:moveTo>
+                <a:lnTo>
+                  <a:pt x="4707" y="1683"/>
+                </a:lnTo>
+                <a:cubicBezTo>
+                  <a:pt x="4805" y="1585"/>
+                  <a:pt x="4805" y="1463"/>
+                  <a:pt x="4707" y="1390"/>
+                </a:cubicBezTo>
+                <a:lnTo>
+                  <a:pt x="3561" y="220"/>
+                </a:lnTo>
+                <a:cubicBezTo>
+                  <a:pt x="3366" y="0"/>
+                  <a:pt x="3049" y="317"/>
+                  <a:pt x="3268" y="512"/>
+                </a:cubicBezTo>
+                <a:lnTo>
+                  <a:pt x="4293" y="1537"/>
+                </a:lnTo>
+                <a:lnTo>
+                  <a:pt x="3268" y="2537"/>
+                </a:lnTo>
+                <a:cubicBezTo>
+                  <a:pt x="3098" y="2732"/>
+                  <a:pt x="3366" y="3024"/>
+                  <a:pt x="3561" y="2829"/>
+                </a:cubicBezTo>
+                <a:close/>
+              </a:path>
+            </a:pathLst>
+          </a:custGeom>
+          <a:solidFill>
+            <a:schemeClr val="dk1"/>
+          </a:solidFill>
+          <a:ln>
+            <a:noFill/>
+          </a:ln>
+        </p:spPr>
+        <p:txBody>
+          <a:bodyPr spcFirstLastPara="1" wrap="square" lIns="91425" tIns="91425" rIns="91425" bIns="91425" anchor="ctr" anchorCtr="0">
+            <a:noAutofit/>
+          </a:bodyPr>
+          <a:lstStyle/>
+          <a:p>
+            <a:pPr marL="0" lvl="0" indent="0" algn="l" rtl="0">
+              <a:spcBef>
+                <a:spcPts val="0"/>
+              </a:spcBef>
+              <a:spcAft>
+                <a:spcPts val="0"/>
+              </a:spcAft>
+              <a:buNone/>
+            </a:pPr>
+            <a:endParaRPr/>
+          </a:p>
+        </p:txBody>
+      </p:sp>
+      <p:sp>
+        <p:nvSpPr>
+          <p:cNvPr id="633" name="Google Shape;633;p48"/>
+          <p:cNvSpPr/>
+          <p:nvPr/>
+        </p:nvSpPr>
+        <p:spPr>
+          <a:xfrm>
+            <a:off x="7971832" y="917810"/>
+            <a:ext cx="457196" cy="57149"/>
+          </a:xfrm>
+          <a:custGeom>
+            <a:avLst/>
+            <a:gdLst/>
+            <a:ahLst/>
+            <a:cxnLst/>
+            <a:rect l="l" t="t" r="r" b="b"/>
+            <a:pathLst>
+              <a:path w="11732" h="1391" extrusionOk="0">
+                <a:moveTo>
+                  <a:pt x="11488" y="854"/>
+                </a:moveTo>
+                <a:cubicBezTo>
+                  <a:pt x="11708" y="878"/>
+                  <a:pt x="11732" y="1220"/>
+                  <a:pt x="11488" y="1244"/>
+                </a:cubicBezTo>
+                <a:cubicBezTo>
+                  <a:pt x="11220" y="1244"/>
+                  <a:pt x="10952" y="1098"/>
+                  <a:pt x="10805" y="854"/>
+                </a:cubicBezTo>
+                <a:cubicBezTo>
+                  <a:pt x="10683" y="708"/>
+                  <a:pt x="10561" y="537"/>
+                  <a:pt x="10366" y="537"/>
+                </a:cubicBezTo>
+                <a:cubicBezTo>
+                  <a:pt x="10171" y="537"/>
+                  <a:pt x="10049" y="683"/>
+                  <a:pt x="9927" y="854"/>
+                </a:cubicBezTo>
+                <a:cubicBezTo>
+                  <a:pt x="9781" y="1098"/>
+                  <a:pt x="9513" y="1244"/>
+                  <a:pt x="9244" y="1244"/>
+                </a:cubicBezTo>
+                <a:cubicBezTo>
+                  <a:pt x="8952" y="1244"/>
+                  <a:pt x="8708" y="1098"/>
+                  <a:pt x="8561" y="854"/>
+                </a:cubicBezTo>
+                <a:cubicBezTo>
+                  <a:pt x="8439" y="708"/>
+                  <a:pt x="8293" y="537"/>
+                  <a:pt x="8122" y="537"/>
+                </a:cubicBezTo>
+                <a:cubicBezTo>
+                  <a:pt x="7927" y="537"/>
+                  <a:pt x="7805" y="683"/>
+                  <a:pt x="7683" y="854"/>
+                </a:cubicBezTo>
+                <a:cubicBezTo>
+                  <a:pt x="7537" y="1098"/>
+                  <a:pt x="7269" y="1244"/>
+                  <a:pt x="6976" y="1244"/>
+                </a:cubicBezTo>
+                <a:cubicBezTo>
+                  <a:pt x="6708" y="1244"/>
+                  <a:pt x="6439" y="1098"/>
+                  <a:pt x="6293" y="854"/>
+                </a:cubicBezTo>
+                <a:cubicBezTo>
+                  <a:pt x="6171" y="708"/>
+                  <a:pt x="6049" y="537"/>
+                  <a:pt x="5854" y="537"/>
+                </a:cubicBezTo>
+                <a:cubicBezTo>
+                  <a:pt x="5683" y="537"/>
+                  <a:pt x="5561" y="683"/>
+                  <a:pt x="5415" y="854"/>
+                </a:cubicBezTo>
+                <a:cubicBezTo>
+                  <a:pt x="5122" y="1391"/>
+                  <a:pt x="4342" y="1391"/>
+                  <a:pt x="4049" y="854"/>
+                </a:cubicBezTo>
+                <a:cubicBezTo>
+                  <a:pt x="3927" y="708"/>
+                  <a:pt x="3805" y="537"/>
+                  <a:pt x="3610" y="537"/>
+                </a:cubicBezTo>
+                <a:cubicBezTo>
+                  <a:pt x="3415" y="537"/>
+                  <a:pt x="3318" y="683"/>
+                  <a:pt x="3171" y="854"/>
+                </a:cubicBezTo>
+                <a:cubicBezTo>
+                  <a:pt x="2879" y="1391"/>
+                  <a:pt x="2098" y="1391"/>
+                  <a:pt x="1805" y="854"/>
+                </a:cubicBezTo>
+                <a:cubicBezTo>
+                  <a:pt x="1683" y="708"/>
+                  <a:pt x="1561" y="537"/>
+                  <a:pt x="1366" y="537"/>
+                </a:cubicBezTo>
+                <a:cubicBezTo>
+                  <a:pt x="1171" y="537"/>
+                  <a:pt x="1074" y="683"/>
+                  <a:pt x="927" y="854"/>
+                </a:cubicBezTo>
+                <a:cubicBezTo>
+                  <a:pt x="781" y="1098"/>
+                  <a:pt x="513" y="1244"/>
+                  <a:pt x="244" y="1244"/>
+                </a:cubicBezTo>
+                <a:cubicBezTo>
+                  <a:pt x="1" y="1220"/>
+                  <a:pt x="1" y="878"/>
+                  <a:pt x="244" y="854"/>
+                </a:cubicBezTo>
+                <a:cubicBezTo>
+                  <a:pt x="391" y="854"/>
+                  <a:pt x="513" y="732"/>
+                  <a:pt x="635" y="586"/>
+                </a:cubicBezTo>
+                <a:cubicBezTo>
+                  <a:pt x="781" y="317"/>
+                  <a:pt x="1074" y="171"/>
+                  <a:pt x="1366" y="147"/>
+                </a:cubicBezTo>
+                <a:cubicBezTo>
+                  <a:pt x="1659" y="171"/>
+                  <a:pt x="1952" y="317"/>
+                  <a:pt x="2098" y="586"/>
+                </a:cubicBezTo>
+                <a:cubicBezTo>
+                  <a:pt x="2220" y="732"/>
+                  <a:pt x="2342" y="854"/>
+                  <a:pt x="2488" y="854"/>
+                </a:cubicBezTo>
+                <a:lnTo>
+                  <a:pt x="2488" y="854"/>
+                </a:lnTo>
+                <a:cubicBezTo>
+                  <a:pt x="2635" y="854"/>
+                  <a:pt x="2757" y="732"/>
+                  <a:pt x="2879" y="586"/>
+                </a:cubicBezTo>
+                <a:cubicBezTo>
+                  <a:pt x="3196" y="0"/>
+                  <a:pt x="4025" y="0"/>
+                  <a:pt x="4342" y="586"/>
+                </a:cubicBezTo>
+                <a:cubicBezTo>
+                  <a:pt x="4464" y="732"/>
+                  <a:pt x="4586" y="854"/>
+                  <a:pt x="4732" y="854"/>
+                </a:cubicBezTo>
+                <a:lnTo>
+                  <a:pt x="4781" y="854"/>
+                </a:lnTo>
+                <a:cubicBezTo>
+                  <a:pt x="4927" y="854"/>
+                  <a:pt x="5025" y="732"/>
+                  <a:pt x="5147" y="586"/>
+                </a:cubicBezTo>
+                <a:cubicBezTo>
+                  <a:pt x="5318" y="317"/>
+                  <a:pt x="5586" y="171"/>
+                  <a:pt x="5878" y="147"/>
+                </a:cubicBezTo>
+                <a:cubicBezTo>
+                  <a:pt x="6196" y="171"/>
+                  <a:pt x="6464" y="317"/>
+                  <a:pt x="6635" y="586"/>
+                </a:cubicBezTo>
+                <a:cubicBezTo>
+                  <a:pt x="6757" y="732"/>
+                  <a:pt x="6854" y="854"/>
+                  <a:pt x="7000" y="854"/>
+                </a:cubicBezTo>
+                <a:lnTo>
+                  <a:pt x="7025" y="854"/>
+                </a:lnTo>
+                <a:cubicBezTo>
+                  <a:pt x="7171" y="854"/>
+                  <a:pt x="7293" y="732"/>
+                  <a:pt x="7391" y="586"/>
+                </a:cubicBezTo>
+                <a:cubicBezTo>
+                  <a:pt x="7708" y="0"/>
+                  <a:pt x="8561" y="0"/>
+                  <a:pt x="8878" y="586"/>
+                </a:cubicBezTo>
+                <a:cubicBezTo>
+                  <a:pt x="9000" y="732"/>
+                  <a:pt x="9098" y="854"/>
+                  <a:pt x="9244" y="854"/>
+                </a:cubicBezTo>
+                <a:lnTo>
+                  <a:pt x="9269" y="854"/>
+                </a:lnTo>
+                <a:cubicBezTo>
+                  <a:pt x="9415" y="854"/>
+                  <a:pt x="9537" y="732"/>
+                  <a:pt x="9659" y="586"/>
+                </a:cubicBezTo>
+                <a:cubicBezTo>
+                  <a:pt x="9805" y="317"/>
+                  <a:pt x="10074" y="171"/>
+                  <a:pt x="10391" y="147"/>
+                </a:cubicBezTo>
+                <a:cubicBezTo>
+                  <a:pt x="10683" y="171"/>
+                  <a:pt x="10976" y="317"/>
+                  <a:pt x="11122" y="586"/>
+                </a:cubicBezTo>
+                <a:cubicBezTo>
+                  <a:pt x="11244" y="732"/>
+                  <a:pt x="11342" y="854"/>
+                  <a:pt x="11488" y="854"/>
+                </a:cubicBezTo>
+                <a:close/>
+              </a:path>
+            </a:pathLst>
+          </a:custGeom>
+          <a:solidFill>
+            <a:schemeClr val="dk1"/>
+          </a:solidFill>
+          <a:ln>
+            <a:noFill/>
+          </a:ln>
+        </p:spPr>
+        <p:txBody>
+          <a:bodyPr spcFirstLastPara="1" wrap="square" lIns="91425" tIns="91425" rIns="91425" bIns="91425" anchor="ctr" anchorCtr="0">
+            <a:noAutofit/>
+          </a:bodyPr>
+          <a:lstStyle/>
+          <a:p>
+            <a:pPr marL="0" lvl="0" indent="0" algn="l" rtl="0">
+              <a:spcBef>
+                <a:spcPts val="0"/>
+              </a:spcBef>
+              <a:spcAft>
+                <a:spcPts val="0"/>
+              </a:spcAft>
+              <a:buNone/>
+            </a:pPr>
+            <a:endParaRPr/>
+          </a:p>
+        </p:txBody>
+      </p:sp>
+      <p:sp>
+        <p:nvSpPr>
+          <p:cNvPr id="634" name="Google Shape;634;p48"/>
+          <p:cNvSpPr/>
+          <p:nvPr/>
+        </p:nvSpPr>
+        <p:spPr>
+          <a:xfrm>
+            <a:off x="715100" y="1357700"/>
+            <a:ext cx="457207" cy="59636"/>
+          </a:xfrm>
+          <a:custGeom>
+            <a:avLst/>
+            <a:gdLst/>
+            <a:ahLst/>
+            <a:cxnLst/>
+            <a:rect l="l" t="t" r="r" b="b"/>
+            <a:pathLst>
+              <a:path w="8294" h="952" extrusionOk="0">
+                <a:moveTo>
+                  <a:pt x="415" y="0"/>
+                </a:moveTo>
+                <a:cubicBezTo>
+                  <a:pt x="757" y="0"/>
+                  <a:pt x="952" y="439"/>
+                  <a:pt x="708" y="683"/>
+                </a:cubicBezTo>
+                <a:cubicBezTo>
+                  <a:pt x="440" y="951"/>
+                  <a:pt x="1" y="756"/>
+                  <a:pt x="25" y="390"/>
+                </a:cubicBezTo>
+                <a:cubicBezTo>
+                  <a:pt x="25" y="171"/>
+                  <a:pt x="196" y="0"/>
+                  <a:pt x="415" y="0"/>
+                </a:cubicBezTo>
+                <a:close/>
+                <a:moveTo>
+                  <a:pt x="7757" y="0"/>
+                </a:moveTo>
+                <a:cubicBezTo>
+                  <a:pt x="8123" y="0"/>
+                  <a:pt x="8293" y="439"/>
+                  <a:pt x="8025" y="683"/>
+                </a:cubicBezTo>
+                <a:cubicBezTo>
+                  <a:pt x="7781" y="951"/>
+                  <a:pt x="7342" y="756"/>
+                  <a:pt x="7342" y="415"/>
+                </a:cubicBezTo>
+                <a:cubicBezTo>
+                  <a:pt x="7342" y="195"/>
+                  <a:pt x="7537" y="0"/>
+                  <a:pt x="7757" y="0"/>
+                </a:cubicBezTo>
+                <a:close/>
+                <a:moveTo>
+                  <a:pt x="5928" y="0"/>
+                </a:moveTo>
+                <a:cubicBezTo>
+                  <a:pt x="6293" y="24"/>
+                  <a:pt x="6440" y="463"/>
+                  <a:pt x="6171" y="707"/>
+                </a:cubicBezTo>
+                <a:cubicBezTo>
+                  <a:pt x="5903" y="951"/>
+                  <a:pt x="5488" y="756"/>
+                  <a:pt x="5513" y="390"/>
+                </a:cubicBezTo>
+                <a:cubicBezTo>
+                  <a:pt x="5513" y="171"/>
+                  <a:pt x="5684" y="0"/>
+                  <a:pt x="5903" y="0"/>
+                </a:cubicBezTo>
+                <a:close/>
+                <a:moveTo>
+                  <a:pt x="4098" y="0"/>
+                </a:moveTo>
+                <a:cubicBezTo>
+                  <a:pt x="4464" y="24"/>
+                  <a:pt x="4610" y="463"/>
+                  <a:pt x="4342" y="707"/>
+                </a:cubicBezTo>
+                <a:cubicBezTo>
+                  <a:pt x="4074" y="951"/>
+                  <a:pt x="3659" y="756"/>
+                  <a:pt x="3684" y="390"/>
+                </a:cubicBezTo>
+                <a:cubicBezTo>
+                  <a:pt x="3684" y="171"/>
+                  <a:pt x="3854" y="0"/>
+                  <a:pt x="4074" y="0"/>
+                </a:cubicBezTo>
+                <a:close/>
+                <a:moveTo>
+                  <a:pt x="2269" y="0"/>
+                </a:moveTo>
+                <a:cubicBezTo>
+                  <a:pt x="2635" y="24"/>
+                  <a:pt x="2781" y="463"/>
+                  <a:pt x="2513" y="707"/>
+                </a:cubicBezTo>
+                <a:cubicBezTo>
+                  <a:pt x="2245" y="951"/>
+                  <a:pt x="1830" y="756"/>
+                  <a:pt x="1854" y="390"/>
+                </a:cubicBezTo>
+                <a:cubicBezTo>
+                  <a:pt x="1854" y="171"/>
+                  <a:pt x="2025" y="0"/>
+                  <a:pt x="2245" y="0"/>
+                </a:cubicBezTo>
+                <a:close/>
+              </a:path>
+            </a:pathLst>
+          </a:custGeom>
+          <a:solidFill>
+            <a:schemeClr val="dk1"/>
+          </a:solidFill>
+          <a:ln>
+            <a:noFill/>
+          </a:ln>
+        </p:spPr>
+        <p:txBody>
+          <a:bodyPr spcFirstLastPara="1" wrap="square" lIns="91425" tIns="91425" rIns="91425" bIns="91425" anchor="ctr" anchorCtr="0">
+            <a:noAutofit/>
+          </a:bodyPr>
+          <a:lstStyle/>
+          <a:p>
+            <a:pPr marL="0" lvl="0" indent="0" algn="l" rtl="0">
+              <a:spcBef>
+                <a:spcPts val="0"/>
+              </a:spcBef>
+              <a:spcAft>
+                <a:spcPts val="0"/>
+              </a:spcAft>
+              <a:buNone/>
+            </a:pPr>
+            <a:endParaRPr/>
+          </a:p>
+        </p:txBody>
+      </p:sp>
+      <p:sp>
+        <p:nvSpPr>
+          <p:cNvPr id="635" name="Google Shape;635;p48"/>
+          <p:cNvSpPr txBox="1"/>
+          <p:nvPr/>
+        </p:nvSpPr>
+        <p:spPr>
+          <a:xfrm>
+            <a:off x="715100" y="764725"/>
+            <a:ext cx="1704000" cy="363300"/>
+          </a:xfrm>
+          <a:prstGeom prst="rect">
+            <a:avLst/>
+          </a:prstGeom>
+          <a:noFill/>
+          <a:ln>
+            <a:noFill/>
+          </a:ln>
+        </p:spPr>
+        <p:txBody>
+          <a:bodyPr spcFirstLastPara="1" wrap="square" lIns="91425" tIns="91425" rIns="91425" bIns="91425" anchor="t" anchorCtr="0">
+            <a:noAutofit/>
+          </a:bodyPr>
+          <a:lstStyle/>
+          <a:p>
+            <a:pPr marL="0" lvl="0" indent="0" algn="l" rtl="0">
+              <a:spcBef>
+                <a:spcPts val="0"/>
+              </a:spcBef>
+              <a:spcAft>
+                <a:spcPts val="0"/>
+              </a:spcAft>
+              <a:buNone/>
+            </a:pPr>
+            <a:r>
+              <a:rPr lang="zh-TW">
+                <a:solidFill>
+                  <a:schemeClr val="dk1"/>
+                </a:solidFill>
+                <a:latin typeface="Karla"/>
+                <a:ea typeface="Karla"/>
+                <a:cs typeface="Karla"/>
+                <a:sym typeface="Karla"/>
+              </a:rPr>
+              <a:t>GUI.PY</a:t>
+            </a:r>
+            <a:endParaRPr>
+              <a:solidFill>
+                <a:schemeClr val="dk1"/>
+              </a:solidFill>
+              <a:latin typeface="Karla"/>
+              <a:ea typeface="Karla"/>
+              <a:cs typeface="Karla"/>
+              <a:sym typeface="Karla"/>
+            </a:endParaRPr>
+          </a:p>
+        </p:txBody>
+      </p:sp>
+      <p:pic>
+        <p:nvPicPr>
+          <p:cNvPr id="636" name="Google Shape;636;p48"/>
+          <p:cNvPicPr preferRelativeResize="0"/>
+          <p:nvPr/>
+        </p:nvPicPr>
+        <p:blipFill rotWithShape="1">
+          <a:blip r:embed="rId3">
+            <a:alphaModFix/>
+          </a:blip>
+          <a:srcRect l="3770" t="89632" r="1487" b="3742"/>
+          <a:stretch/>
+        </p:blipFill>
+        <p:spPr>
+          <a:xfrm>
+            <a:off x="1797788" y="1784825"/>
+            <a:ext cx="5548425" cy="363300"/>
+          </a:xfrm>
+          <a:prstGeom prst="rect">
+            <a:avLst/>
+          </a:prstGeom>
+          <a:noFill/>
+          <a:ln>
+            <a:noFill/>
+          </a:ln>
+        </p:spPr>
+      </p:pic>
+      <p:sp>
+        <p:nvSpPr>
+          <p:cNvPr id="637" name="Google Shape;637;p48"/>
+          <p:cNvSpPr txBox="1"/>
+          <p:nvPr/>
+        </p:nvSpPr>
+        <p:spPr>
+          <a:xfrm>
+            <a:off x="1797763" y="1417325"/>
+            <a:ext cx="3000000" cy="367500"/>
+          </a:xfrm>
+          <a:prstGeom prst="rect">
+            <a:avLst/>
+          </a:prstGeom>
+          <a:noFill/>
+          <a:ln>
+            <a:noFill/>
+          </a:ln>
+        </p:spPr>
+        <p:txBody>
+          <a:bodyPr spcFirstLastPara="1" wrap="square" lIns="91425" tIns="91425" rIns="91425" bIns="91425" anchor="t" anchorCtr="0">
+            <a:spAutoFit/>
+          </a:bodyPr>
+          <a:lstStyle/>
+          <a:p>
+            <a:pPr marL="0" lvl="0" indent="0" algn="l" rtl="0">
+              <a:spcBef>
+                <a:spcPts val="0"/>
+              </a:spcBef>
+              <a:spcAft>
+                <a:spcPts val="0"/>
+              </a:spcAft>
+              <a:buNone/>
+            </a:pPr>
+            <a:r>
+              <a:rPr lang="zh-TW" sz="1200"/>
+              <a:t>輸出解析後的結果圖</a:t>
+            </a:r>
+            <a:endParaRPr sz="1200"/>
+          </a:p>
+        </p:txBody>
+      </p:sp>
+      <p:pic>
+        <p:nvPicPr>
+          <p:cNvPr id="638" name="Google Shape;638;p48"/>
+          <p:cNvPicPr preferRelativeResize="0"/>
+          <p:nvPr/>
+        </p:nvPicPr>
+        <p:blipFill rotWithShape="1">
+          <a:blip r:embed="rId4">
+            <a:alphaModFix/>
+          </a:blip>
+          <a:srcRect l="6323" t="4110" b="79534"/>
+          <a:stretch/>
+        </p:blipFill>
+        <p:spPr>
+          <a:xfrm>
+            <a:off x="1797801" y="2498988"/>
+            <a:ext cx="5548426" cy="915085"/>
+          </a:xfrm>
+          <a:prstGeom prst="rect">
+            <a:avLst/>
+          </a:prstGeom>
+          <a:noFill/>
+          <a:ln>
+            <a:noFill/>
+          </a:ln>
+        </p:spPr>
+      </p:pic>
+      <p:pic>
+        <p:nvPicPr>
+          <p:cNvPr id="639" name="Google Shape;639;p48"/>
+          <p:cNvPicPr preferRelativeResize="0"/>
+          <p:nvPr/>
+        </p:nvPicPr>
+        <p:blipFill rotWithShape="1">
+          <a:blip r:embed="rId4">
+            <a:alphaModFix/>
+          </a:blip>
+          <a:srcRect l="6323" t="26370" b="69278"/>
+          <a:stretch/>
+        </p:blipFill>
+        <p:spPr>
+          <a:xfrm>
+            <a:off x="1797863" y="3759493"/>
+            <a:ext cx="5548426" cy="243401"/>
+          </a:xfrm>
+          <a:prstGeom prst="rect">
+            <a:avLst/>
+          </a:prstGeom>
+          <a:noFill/>
+          <a:ln>
+            <a:noFill/>
+          </a:ln>
+        </p:spPr>
+      </p:pic>
+      <p:sp>
+        <p:nvSpPr>
+          <p:cNvPr id="640" name="Google Shape;640;p48"/>
+          <p:cNvSpPr txBox="1"/>
+          <p:nvPr/>
+        </p:nvSpPr>
+        <p:spPr>
+          <a:xfrm>
+            <a:off x="1797875" y="2148125"/>
+            <a:ext cx="3000000" cy="367500"/>
+          </a:xfrm>
+          <a:prstGeom prst="rect">
+            <a:avLst/>
+          </a:prstGeom>
+          <a:noFill/>
+          <a:ln>
+            <a:noFill/>
+          </a:ln>
+        </p:spPr>
+        <p:txBody>
+          <a:bodyPr spcFirstLastPara="1" wrap="square" lIns="91425" tIns="91425" rIns="91425" bIns="91425" anchor="t" anchorCtr="0">
+            <a:spAutoFit/>
+          </a:bodyPr>
+          <a:lstStyle/>
+          <a:p>
+            <a:pPr marL="0" lvl="0" indent="0" algn="l" rtl="0">
+              <a:spcBef>
+                <a:spcPts val="0"/>
+              </a:spcBef>
+              <a:spcAft>
+                <a:spcPts val="0"/>
+              </a:spcAft>
+              <a:buNone/>
+            </a:pPr>
+            <a:r>
+              <a:rPr lang="zh-TW" sz="1200"/>
+              <a:t>呼叫main.py生成結果圖</a:t>
+            </a:r>
+            <a:endParaRPr sz="1200"/>
+          </a:p>
+        </p:txBody>
+      </p:sp>
+      <p:sp>
+        <p:nvSpPr>
+          <p:cNvPr id="641" name="Google Shape;641;p48"/>
+          <p:cNvSpPr txBox="1"/>
+          <p:nvPr/>
+        </p:nvSpPr>
+        <p:spPr>
+          <a:xfrm>
+            <a:off x="1797875" y="3414075"/>
+            <a:ext cx="3000000" cy="367500"/>
+          </a:xfrm>
+          <a:prstGeom prst="rect">
+            <a:avLst/>
+          </a:prstGeom>
+          <a:noFill/>
+          <a:ln>
+            <a:noFill/>
+          </a:ln>
+        </p:spPr>
+        <p:txBody>
+          <a:bodyPr spcFirstLastPara="1" wrap="square" lIns="91425" tIns="91425" rIns="91425" bIns="91425" anchor="t" anchorCtr="0">
+            <a:spAutoFit/>
+          </a:bodyPr>
+          <a:lstStyle/>
+          <a:p>
+            <a:pPr marL="0" lvl="0" indent="0" algn="l" rtl="0">
+              <a:spcBef>
+                <a:spcPts val="0"/>
+              </a:spcBef>
+              <a:spcAft>
+                <a:spcPts val="0"/>
+              </a:spcAft>
+              <a:buNone/>
+            </a:pPr>
+            <a:r>
+              <a:rPr lang="zh-TW" sz="1200"/>
+              <a:t>在output標籤輸出圖片</a:t>
+            </a:r>
+            <a:endParaRPr sz="1200"/>
+          </a:p>
+        </p:txBody>
+      </p:sp>
+    </p:spTree>
+  </p:cSld>
+  <p:clrMapOvr>
+    <a:masterClrMapping/>
+  </p:clrMapOvr>
+</p:sld>
+</file>
+
+<file path=ppt/slides/slide16.xml><?xml version="1.0" encoding="utf-8"?>
+<p:sld xmlns:a="http://schemas.openxmlformats.org/drawingml/2006/main" xmlns:r="http://schemas.openxmlformats.org/officeDocument/2006/relationships" xmlns:p="http://schemas.openxmlformats.org/presentationml/2006/main">
+  <p:cSld>
+    <p:spTree>
+      <p:nvGrpSpPr>
+        <p:cNvPr id="1" name="Shape 645"/>
+        <p:cNvGrpSpPr/>
+        <p:nvPr/>
+      </p:nvGrpSpPr>
+      <p:grpSpPr>
+        <a:xfrm>
+          <a:off x="0" y="0"/>
+          <a:ext cx="0" cy="0"/>
+          <a:chOff x="0" y="0"/>
+          <a:chExt cx="0" cy="0"/>
+        </a:xfrm>
+      </p:grpSpPr>
+      <p:sp>
+        <p:nvSpPr>
+          <p:cNvPr id="646" name="Google Shape;646;p49"/>
+          <p:cNvSpPr/>
+          <p:nvPr/>
+        </p:nvSpPr>
+        <p:spPr>
+          <a:xfrm>
+            <a:off x="7746400" y="1066450"/>
+            <a:ext cx="457208" cy="164590"/>
+          </a:xfrm>
+          <a:custGeom>
+            <a:avLst/>
+            <a:gdLst/>
+            <a:ahLst/>
+            <a:cxnLst/>
+            <a:rect l="l" t="t" r="r" b="b"/>
+            <a:pathLst>
+              <a:path w="7903" h="3025" extrusionOk="0">
+                <a:moveTo>
+                  <a:pt x="2025" y="2829"/>
+                </a:moveTo>
+                <a:cubicBezTo>
+                  <a:pt x="1829" y="3024"/>
+                  <a:pt x="1537" y="2732"/>
+                  <a:pt x="1732" y="2537"/>
+                </a:cubicBezTo>
+                <a:lnTo>
+                  <a:pt x="2756" y="1537"/>
+                </a:lnTo>
+                <a:lnTo>
+                  <a:pt x="1732" y="512"/>
+                </a:lnTo>
+                <a:cubicBezTo>
+                  <a:pt x="1537" y="317"/>
+                  <a:pt x="1829" y="49"/>
+                  <a:pt x="2025" y="220"/>
+                </a:cubicBezTo>
+                <a:lnTo>
+                  <a:pt x="3171" y="1390"/>
+                </a:lnTo>
+                <a:cubicBezTo>
+                  <a:pt x="3244" y="1463"/>
+                  <a:pt x="3244" y="1585"/>
+                  <a:pt x="3171" y="1683"/>
+                </a:cubicBezTo>
+                <a:close/>
+                <a:moveTo>
+                  <a:pt x="195" y="512"/>
+                </a:moveTo>
+                <a:lnTo>
+                  <a:pt x="1195" y="1512"/>
+                </a:lnTo>
+                <a:lnTo>
+                  <a:pt x="195" y="2537"/>
+                </a:lnTo>
+                <a:cubicBezTo>
+                  <a:pt x="0" y="2732"/>
+                  <a:pt x="269" y="3000"/>
+                  <a:pt x="464" y="2805"/>
+                </a:cubicBezTo>
+                <a:lnTo>
+                  <a:pt x="1610" y="1659"/>
+                </a:lnTo>
+                <a:cubicBezTo>
+                  <a:pt x="1708" y="1585"/>
+                  <a:pt x="1708" y="1463"/>
+                  <a:pt x="1610" y="1366"/>
+                </a:cubicBezTo>
+                <a:lnTo>
+                  <a:pt x="464" y="220"/>
+                </a:lnTo>
+                <a:cubicBezTo>
+                  <a:pt x="269" y="25"/>
+                  <a:pt x="0" y="317"/>
+                  <a:pt x="195" y="512"/>
+                </a:cubicBezTo>
+                <a:close/>
+                <a:moveTo>
+                  <a:pt x="6659" y="2829"/>
+                </a:moveTo>
+                <a:cubicBezTo>
+                  <a:pt x="6464" y="3024"/>
+                  <a:pt x="6195" y="2732"/>
+                  <a:pt x="6366" y="2537"/>
+                </a:cubicBezTo>
+                <a:lnTo>
+                  <a:pt x="7390" y="1537"/>
+                </a:lnTo>
+                <a:lnTo>
+                  <a:pt x="6366" y="512"/>
+                </a:lnTo>
+                <a:cubicBezTo>
+                  <a:pt x="6195" y="317"/>
+                  <a:pt x="6464" y="49"/>
+                  <a:pt x="6659" y="220"/>
+                </a:cubicBezTo>
+                <a:lnTo>
+                  <a:pt x="7805" y="1390"/>
+                </a:lnTo>
+                <a:cubicBezTo>
+                  <a:pt x="7903" y="1463"/>
+                  <a:pt x="7903" y="1585"/>
+                  <a:pt x="7805" y="1683"/>
+                </a:cubicBezTo>
+                <a:close/>
+                <a:moveTo>
+                  <a:pt x="5122" y="2829"/>
+                </a:moveTo>
+                <a:lnTo>
+                  <a:pt x="6268" y="1683"/>
+                </a:lnTo>
+                <a:cubicBezTo>
+                  <a:pt x="6342" y="1585"/>
+                  <a:pt x="6342" y="1463"/>
+                  <a:pt x="6268" y="1390"/>
+                </a:cubicBezTo>
+                <a:lnTo>
+                  <a:pt x="5122" y="220"/>
+                </a:lnTo>
+                <a:cubicBezTo>
+                  <a:pt x="4927" y="73"/>
+                  <a:pt x="4659" y="317"/>
+                  <a:pt x="4829" y="512"/>
+                </a:cubicBezTo>
+                <a:lnTo>
+                  <a:pt x="5854" y="1537"/>
+                </a:lnTo>
+                <a:lnTo>
+                  <a:pt x="4829" y="2537"/>
+                </a:lnTo>
+                <a:cubicBezTo>
+                  <a:pt x="4634" y="2732"/>
+                  <a:pt x="4927" y="3024"/>
+                  <a:pt x="5122" y="2829"/>
+                </a:cubicBezTo>
+                <a:close/>
+                <a:moveTo>
+                  <a:pt x="3561" y="2829"/>
+                </a:moveTo>
+                <a:lnTo>
+                  <a:pt x="4707" y="1683"/>
+                </a:lnTo>
+                <a:cubicBezTo>
+                  <a:pt x="4805" y="1585"/>
+                  <a:pt x="4805" y="1463"/>
+                  <a:pt x="4707" y="1390"/>
+                </a:cubicBezTo>
+                <a:lnTo>
+                  <a:pt x="3561" y="220"/>
+                </a:lnTo>
+                <a:cubicBezTo>
+                  <a:pt x="3366" y="0"/>
+                  <a:pt x="3049" y="317"/>
+                  <a:pt x="3268" y="512"/>
+                </a:cubicBezTo>
+                <a:lnTo>
+                  <a:pt x="4293" y="1537"/>
+                </a:lnTo>
+                <a:lnTo>
+                  <a:pt x="3268" y="2537"/>
+                </a:lnTo>
+                <a:cubicBezTo>
+                  <a:pt x="3098" y="2732"/>
+                  <a:pt x="3366" y="3024"/>
+                  <a:pt x="3561" y="2829"/>
+                </a:cubicBezTo>
+                <a:close/>
+              </a:path>
+            </a:pathLst>
+          </a:custGeom>
+          <a:solidFill>
+            <a:schemeClr val="dk1"/>
+          </a:solidFill>
+          <a:ln>
+            <a:noFill/>
+          </a:ln>
+        </p:spPr>
+        <p:txBody>
+          <a:bodyPr spcFirstLastPara="1" wrap="square" lIns="91425" tIns="91425" rIns="91425" bIns="91425" anchor="ctr" anchorCtr="0">
+            <a:noAutofit/>
+          </a:bodyPr>
+          <a:lstStyle/>
+          <a:p>
+            <a:pPr marL="0" lvl="0" indent="0" algn="l" rtl="0">
+              <a:spcBef>
+                <a:spcPts val="0"/>
+              </a:spcBef>
+              <a:spcAft>
+                <a:spcPts val="0"/>
+              </a:spcAft>
+              <a:buNone/>
+            </a:pPr>
+            <a:endParaRPr/>
+          </a:p>
+        </p:txBody>
+      </p:sp>
+      <p:sp>
+        <p:nvSpPr>
+          <p:cNvPr id="647" name="Google Shape;647;p49"/>
+          <p:cNvSpPr/>
+          <p:nvPr/>
+        </p:nvSpPr>
+        <p:spPr>
+          <a:xfrm>
+            <a:off x="7971832" y="917810"/>
+            <a:ext cx="457196" cy="57149"/>
+          </a:xfrm>
+          <a:custGeom>
+            <a:avLst/>
+            <a:gdLst/>
+            <a:ahLst/>
+            <a:cxnLst/>
+            <a:rect l="l" t="t" r="r" b="b"/>
+            <a:pathLst>
+              <a:path w="11732" h="1391" extrusionOk="0">
+                <a:moveTo>
+                  <a:pt x="11488" y="854"/>
+                </a:moveTo>
+                <a:cubicBezTo>
+                  <a:pt x="11708" y="878"/>
+                  <a:pt x="11732" y="1220"/>
+                  <a:pt x="11488" y="1244"/>
+                </a:cubicBezTo>
+                <a:cubicBezTo>
+                  <a:pt x="11220" y="1244"/>
+                  <a:pt x="10952" y="1098"/>
+                  <a:pt x="10805" y="854"/>
+                </a:cubicBezTo>
+                <a:cubicBezTo>
+                  <a:pt x="10683" y="708"/>
+                  <a:pt x="10561" y="537"/>
+                  <a:pt x="10366" y="537"/>
+                </a:cubicBezTo>
+                <a:cubicBezTo>
+                  <a:pt x="10171" y="537"/>
+                  <a:pt x="10049" y="683"/>
+                  <a:pt x="9927" y="854"/>
+                </a:cubicBezTo>
+                <a:cubicBezTo>
+                  <a:pt x="9781" y="1098"/>
+                  <a:pt x="9513" y="1244"/>
+                  <a:pt x="9244" y="1244"/>
+                </a:cubicBezTo>
+                <a:cubicBezTo>
+                  <a:pt x="8952" y="1244"/>
+                  <a:pt x="8708" y="1098"/>
+                  <a:pt x="8561" y="854"/>
+                </a:cubicBezTo>
+                <a:cubicBezTo>
+                  <a:pt x="8439" y="708"/>
+                  <a:pt x="8293" y="537"/>
+                  <a:pt x="8122" y="537"/>
+                </a:cubicBezTo>
+                <a:cubicBezTo>
+                  <a:pt x="7927" y="537"/>
+                  <a:pt x="7805" y="683"/>
+                  <a:pt x="7683" y="854"/>
+                </a:cubicBezTo>
+                <a:cubicBezTo>
+                  <a:pt x="7537" y="1098"/>
+                  <a:pt x="7269" y="1244"/>
+                  <a:pt x="6976" y="1244"/>
+                </a:cubicBezTo>
+                <a:cubicBezTo>
+                  <a:pt x="6708" y="1244"/>
+                  <a:pt x="6439" y="1098"/>
+                  <a:pt x="6293" y="854"/>
+                </a:cubicBezTo>
+                <a:cubicBezTo>
+                  <a:pt x="6171" y="708"/>
+                  <a:pt x="6049" y="537"/>
+                  <a:pt x="5854" y="537"/>
+                </a:cubicBezTo>
+                <a:cubicBezTo>
+                  <a:pt x="5683" y="537"/>
+                  <a:pt x="5561" y="683"/>
+                  <a:pt x="5415" y="854"/>
+                </a:cubicBezTo>
+                <a:cubicBezTo>
+                  <a:pt x="5122" y="1391"/>
+                  <a:pt x="4342" y="1391"/>
+                  <a:pt x="4049" y="854"/>
+                </a:cubicBezTo>
+                <a:cubicBezTo>
+                  <a:pt x="3927" y="708"/>
+                  <a:pt x="3805" y="537"/>
+                  <a:pt x="3610" y="537"/>
+                </a:cubicBezTo>
+                <a:cubicBezTo>
+                  <a:pt x="3415" y="537"/>
+                  <a:pt x="3318" y="683"/>
+                  <a:pt x="3171" y="854"/>
+                </a:cubicBezTo>
+                <a:cubicBezTo>
+                  <a:pt x="2879" y="1391"/>
+                  <a:pt x="2098" y="1391"/>
+                  <a:pt x="1805" y="854"/>
+                </a:cubicBezTo>
+                <a:cubicBezTo>
+                  <a:pt x="1683" y="708"/>
+                  <a:pt x="1561" y="537"/>
+                  <a:pt x="1366" y="537"/>
+                </a:cubicBezTo>
+                <a:cubicBezTo>
+                  <a:pt x="1171" y="537"/>
+                  <a:pt x="1074" y="683"/>
+                  <a:pt x="927" y="854"/>
+                </a:cubicBezTo>
+                <a:cubicBezTo>
+                  <a:pt x="781" y="1098"/>
+                  <a:pt x="513" y="1244"/>
+                  <a:pt x="244" y="1244"/>
+                </a:cubicBezTo>
+                <a:cubicBezTo>
+                  <a:pt x="1" y="1220"/>
+                  <a:pt x="1" y="878"/>
+                  <a:pt x="244" y="854"/>
+                </a:cubicBezTo>
+                <a:cubicBezTo>
+                  <a:pt x="391" y="854"/>
+                  <a:pt x="513" y="732"/>
+                  <a:pt x="635" y="586"/>
+                </a:cubicBezTo>
+                <a:cubicBezTo>
+                  <a:pt x="781" y="317"/>
+                  <a:pt x="1074" y="171"/>
+                  <a:pt x="1366" y="147"/>
+                </a:cubicBezTo>
+                <a:cubicBezTo>
+                  <a:pt x="1659" y="171"/>
+                  <a:pt x="1952" y="317"/>
+                  <a:pt x="2098" y="586"/>
+                </a:cubicBezTo>
+                <a:cubicBezTo>
+                  <a:pt x="2220" y="732"/>
+                  <a:pt x="2342" y="854"/>
+                  <a:pt x="2488" y="854"/>
+                </a:cubicBezTo>
+                <a:lnTo>
+                  <a:pt x="2488" y="854"/>
+                </a:lnTo>
+                <a:cubicBezTo>
+                  <a:pt x="2635" y="854"/>
+                  <a:pt x="2757" y="732"/>
+                  <a:pt x="2879" y="586"/>
+                </a:cubicBezTo>
+                <a:cubicBezTo>
+                  <a:pt x="3196" y="0"/>
+                  <a:pt x="4025" y="0"/>
+                  <a:pt x="4342" y="586"/>
+                </a:cubicBezTo>
+                <a:cubicBezTo>
+                  <a:pt x="4464" y="732"/>
+                  <a:pt x="4586" y="854"/>
+                  <a:pt x="4732" y="854"/>
+                </a:cubicBezTo>
+                <a:lnTo>
+                  <a:pt x="4781" y="854"/>
+                </a:lnTo>
+                <a:cubicBezTo>
+                  <a:pt x="4927" y="854"/>
+                  <a:pt x="5025" y="732"/>
+                  <a:pt x="5147" y="586"/>
+                </a:cubicBezTo>
+                <a:cubicBezTo>
+                  <a:pt x="5318" y="317"/>
+                  <a:pt x="5586" y="171"/>
+                  <a:pt x="5878" y="147"/>
+                </a:cubicBezTo>
+                <a:cubicBezTo>
+                  <a:pt x="6196" y="171"/>
+                  <a:pt x="6464" y="317"/>
+                  <a:pt x="6635" y="586"/>
+                </a:cubicBezTo>
+                <a:cubicBezTo>
+                  <a:pt x="6757" y="732"/>
+                  <a:pt x="6854" y="854"/>
+                  <a:pt x="7000" y="854"/>
+                </a:cubicBezTo>
+                <a:lnTo>
+                  <a:pt x="7025" y="854"/>
+                </a:lnTo>
+                <a:cubicBezTo>
+                  <a:pt x="7171" y="854"/>
+                  <a:pt x="7293" y="732"/>
+                  <a:pt x="7391" y="586"/>
+                </a:cubicBezTo>
+                <a:cubicBezTo>
+                  <a:pt x="7708" y="0"/>
+                  <a:pt x="8561" y="0"/>
+                  <a:pt x="8878" y="586"/>
+                </a:cubicBezTo>
+                <a:cubicBezTo>
+                  <a:pt x="9000" y="732"/>
+                  <a:pt x="9098" y="854"/>
+                  <a:pt x="9244" y="854"/>
+                </a:cubicBezTo>
+                <a:lnTo>
+                  <a:pt x="9269" y="854"/>
+                </a:lnTo>
+                <a:cubicBezTo>
+                  <a:pt x="9415" y="854"/>
+                  <a:pt x="9537" y="732"/>
+                  <a:pt x="9659" y="586"/>
+                </a:cubicBezTo>
+                <a:cubicBezTo>
+                  <a:pt x="9805" y="317"/>
+                  <a:pt x="10074" y="171"/>
+                  <a:pt x="10391" y="147"/>
+                </a:cubicBezTo>
+                <a:cubicBezTo>
+                  <a:pt x="10683" y="171"/>
+                  <a:pt x="10976" y="317"/>
+                  <a:pt x="11122" y="586"/>
+                </a:cubicBezTo>
+                <a:cubicBezTo>
+                  <a:pt x="11244" y="732"/>
+                  <a:pt x="11342" y="854"/>
+                  <a:pt x="11488" y="854"/>
+                </a:cubicBezTo>
+                <a:close/>
+              </a:path>
+            </a:pathLst>
+          </a:custGeom>
+          <a:solidFill>
+            <a:schemeClr val="dk1"/>
+          </a:solidFill>
+          <a:ln>
+            <a:noFill/>
+          </a:ln>
+        </p:spPr>
+        <p:txBody>
+          <a:bodyPr spcFirstLastPara="1" wrap="square" lIns="91425" tIns="91425" rIns="91425" bIns="91425" anchor="ctr" anchorCtr="0">
+            <a:noAutofit/>
+          </a:bodyPr>
+          <a:lstStyle/>
+          <a:p>
+            <a:pPr marL="0" lvl="0" indent="0" algn="l" rtl="0">
+              <a:spcBef>
+                <a:spcPts val="0"/>
+              </a:spcBef>
+              <a:spcAft>
+                <a:spcPts val="0"/>
+              </a:spcAft>
+              <a:buNone/>
+            </a:pPr>
+            <a:endParaRPr/>
+          </a:p>
+        </p:txBody>
+      </p:sp>
+      <p:sp>
+        <p:nvSpPr>
+          <p:cNvPr id="648" name="Google Shape;648;p49"/>
+          <p:cNvSpPr/>
+          <p:nvPr/>
+        </p:nvSpPr>
+        <p:spPr>
+          <a:xfrm>
+            <a:off x="715100" y="1357700"/>
+            <a:ext cx="457207" cy="59636"/>
+          </a:xfrm>
+          <a:custGeom>
+            <a:avLst/>
+            <a:gdLst/>
+            <a:ahLst/>
+            <a:cxnLst/>
+            <a:rect l="l" t="t" r="r" b="b"/>
+            <a:pathLst>
+              <a:path w="8294" h="952" extrusionOk="0">
+                <a:moveTo>
+                  <a:pt x="415" y="0"/>
+                </a:moveTo>
+                <a:cubicBezTo>
+                  <a:pt x="757" y="0"/>
+                  <a:pt x="952" y="439"/>
+                  <a:pt x="708" y="683"/>
+                </a:cubicBezTo>
+                <a:cubicBezTo>
+                  <a:pt x="440" y="951"/>
+                  <a:pt x="1" y="756"/>
+                  <a:pt x="25" y="390"/>
+                </a:cubicBezTo>
+                <a:cubicBezTo>
+                  <a:pt x="25" y="171"/>
+                  <a:pt x="196" y="0"/>
+                  <a:pt x="415" y="0"/>
+                </a:cubicBezTo>
+                <a:close/>
+                <a:moveTo>
+                  <a:pt x="7757" y="0"/>
+                </a:moveTo>
+                <a:cubicBezTo>
+                  <a:pt x="8123" y="0"/>
+                  <a:pt x="8293" y="439"/>
+                  <a:pt x="8025" y="683"/>
+                </a:cubicBezTo>
+                <a:cubicBezTo>
+                  <a:pt x="7781" y="951"/>
+                  <a:pt x="7342" y="756"/>
+                  <a:pt x="7342" y="415"/>
+                </a:cubicBezTo>
+                <a:cubicBezTo>
+                  <a:pt x="7342" y="195"/>
+                  <a:pt x="7537" y="0"/>
+                  <a:pt x="7757" y="0"/>
+                </a:cubicBezTo>
+                <a:close/>
+                <a:moveTo>
+                  <a:pt x="5928" y="0"/>
+                </a:moveTo>
+                <a:cubicBezTo>
+                  <a:pt x="6293" y="24"/>
+                  <a:pt x="6440" y="463"/>
+                  <a:pt x="6171" y="707"/>
+                </a:cubicBezTo>
+                <a:cubicBezTo>
+                  <a:pt x="5903" y="951"/>
+                  <a:pt x="5488" y="756"/>
+                  <a:pt x="5513" y="390"/>
+                </a:cubicBezTo>
+                <a:cubicBezTo>
+                  <a:pt x="5513" y="171"/>
+                  <a:pt x="5684" y="0"/>
+                  <a:pt x="5903" y="0"/>
+                </a:cubicBezTo>
+                <a:close/>
+                <a:moveTo>
+                  <a:pt x="4098" y="0"/>
+                </a:moveTo>
+                <a:cubicBezTo>
+                  <a:pt x="4464" y="24"/>
+                  <a:pt x="4610" y="463"/>
+                  <a:pt x="4342" y="707"/>
+                </a:cubicBezTo>
+                <a:cubicBezTo>
+                  <a:pt x="4074" y="951"/>
+                  <a:pt x="3659" y="756"/>
+                  <a:pt x="3684" y="390"/>
+                </a:cubicBezTo>
+                <a:cubicBezTo>
+                  <a:pt x="3684" y="171"/>
+                  <a:pt x="3854" y="0"/>
+                  <a:pt x="4074" y="0"/>
+                </a:cubicBezTo>
+                <a:close/>
+                <a:moveTo>
+                  <a:pt x="2269" y="0"/>
+                </a:moveTo>
+                <a:cubicBezTo>
+                  <a:pt x="2635" y="24"/>
+                  <a:pt x="2781" y="463"/>
+                  <a:pt x="2513" y="707"/>
+                </a:cubicBezTo>
+                <a:cubicBezTo>
+                  <a:pt x="2245" y="951"/>
+                  <a:pt x="1830" y="756"/>
+                  <a:pt x="1854" y="390"/>
+                </a:cubicBezTo>
+                <a:cubicBezTo>
+                  <a:pt x="1854" y="171"/>
+                  <a:pt x="2025" y="0"/>
+                  <a:pt x="2245" y="0"/>
+                </a:cubicBezTo>
+                <a:close/>
+              </a:path>
+            </a:pathLst>
+          </a:custGeom>
+          <a:solidFill>
+            <a:schemeClr val="dk1"/>
+          </a:solidFill>
+          <a:ln>
+            <a:noFill/>
+          </a:ln>
+        </p:spPr>
+        <p:txBody>
+          <a:bodyPr spcFirstLastPara="1" wrap="square" lIns="91425" tIns="91425" rIns="91425" bIns="91425" anchor="ctr" anchorCtr="0">
+            <a:noAutofit/>
+          </a:bodyPr>
+          <a:lstStyle/>
+          <a:p>
+            <a:pPr marL="0" lvl="0" indent="0" algn="l" rtl="0">
+              <a:spcBef>
+                <a:spcPts val="0"/>
+              </a:spcBef>
+              <a:spcAft>
+                <a:spcPts val="0"/>
+              </a:spcAft>
+              <a:buNone/>
+            </a:pPr>
+            <a:endParaRPr/>
+          </a:p>
+        </p:txBody>
+      </p:sp>
+      <p:sp>
+        <p:nvSpPr>
+          <p:cNvPr id="649" name="Google Shape;649;p49"/>
+          <p:cNvSpPr txBox="1"/>
+          <p:nvPr/>
+        </p:nvSpPr>
+        <p:spPr>
+          <a:xfrm>
+            <a:off x="715100" y="764725"/>
+            <a:ext cx="1704000" cy="363300"/>
+          </a:xfrm>
+          <a:prstGeom prst="rect">
+            <a:avLst/>
+          </a:prstGeom>
+          <a:noFill/>
+          <a:ln>
+            <a:noFill/>
+          </a:ln>
+        </p:spPr>
+        <p:txBody>
+          <a:bodyPr spcFirstLastPara="1" wrap="square" lIns="91425" tIns="91425" rIns="91425" bIns="91425" anchor="t" anchorCtr="0">
+            <a:noAutofit/>
+          </a:bodyPr>
+          <a:lstStyle/>
+          <a:p>
+            <a:pPr marL="0" lvl="0" indent="0" algn="l" rtl="0">
+              <a:spcBef>
+                <a:spcPts val="0"/>
+              </a:spcBef>
+              <a:spcAft>
+                <a:spcPts val="0"/>
+              </a:spcAft>
+              <a:buNone/>
+            </a:pPr>
+            <a:r>
+              <a:rPr lang="zh-TW">
+                <a:solidFill>
+                  <a:schemeClr val="dk1"/>
+                </a:solidFill>
+                <a:latin typeface="Karla"/>
+                <a:ea typeface="Karla"/>
+                <a:cs typeface="Karla"/>
+                <a:sym typeface="Karla"/>
+              </a:rPr>
+              <a:t>GUI.PY</a:t>
+            </a:r>
+            <a:endParaRPr>
+              <a:solidFill>
+                <a:schemeClr val="dk1"/>
+              </a:solidFill>
+              <a:latin typeface="Karla"/>
+              <a:ea typeface="Karla"/>
+              <a:cs typeface="Karla"/>
+              <a:sym typeface="Karla"/>
+            </a:endParaRPr>
+          </a:p>
+        </p:txBody>
+      </p:sp>
+      <p:sp>
+        <p:nvSpPr>
+          <p:cNvPr id="650" name="Google Shape;650;p49"/>
+          <p:cNvSpPr txBox="1"/>
+          <p:nvPr/>
+        </p:nvSpPr>
+        <p:spPr>
+          <a:xfrm>
+            <a:off x="1797913" y="764713"/>
+            <a:ext cx="3000000" cy="367500"/>
+          </a:xfrm>
+          <a:prstGeom prst="rect">
+            <a:avLst/>
+          </a:prstGeom>
+          <a:noFill/>
+          <a:ln>
+            <a:noFill/>
+          </a:ln>
+        </p:spPr>
+        <p:txBody>
+          <a:bodyPr spcFirstLastPara="1" wrap="square" lIns="91425" tIns="91425" rIns="91425" bIns="91425" anchor="t" anchorCtr="0">
+            <a:spAutoFit/>
+          </a:bodyPr>
+          <a:lstStyle/>
+          <a:p>
+            <a:pPr marL="0" lvl="0" indent="0" algn="l" rtl="0">
+              <a:spcBef>
+                <a:spcPts val="0"/>
+              </a:spcBef>
+              <a:spcAft>
+                <a:spcPts val="0"/>
+              </a:spcAft>
+              <a:buNone/>
+            </a:pPr>
+            <a:r>
+              <a:rPr lang="zh-TW" sz="1200"/>
+              <a:t>按下按鈕後執行並切換按鈕內容</a:t>
+            </a:r>
+            <a:endParaRPr sz="1200"/>
+          </a:p>
+        </p:txBody>
+      </p:sp>
+      <p:sp>
+        <p:nvSpPr>
+          <p:cNvPr id="651" name="Google Shape;651;p49"/>
+          <p:cNvSpPr txBox="1"/>
+          <p:nvPr/>
+        </p:nvSpPr>
+        <p:spPr>
+          <a:xfrm>
+            <a:off x="1797913" y="1799038"/>
+            <a:ext cx="3000000" cy="367500"/>
+          </a:xfrm>
+          <a:prstGeom prst="rect">
+            <a:avLst/>
+          </a:prstGeom>
+          <a:noFill/>
+          <a:ln>
+            <a:noFill/>
+          </a:ln>
+        </p:spPr>
+        <p:txBody>
+          <a:bodyPr spcFirstLastPara="1" wrap="square" lIns="91425" tIns="91425" rIns="91425" bIns="91425" anchor="t" anchorCtr="0">
+            <a:spAutoFit/>
+          </a:bodyPr>
+          <a:lstStyle/>
+          <a:p>
+            <a:pPr marL="0" lvl="0" indent="0" algn="l" rtl="0">
+              <a:spcBef>
+                <a:spcPts val="0"/>
+              </a:spcBef>
+              <a:spcAft>
+                <a:spcPts val="0"/>
+              </a:spcAft>
+              <a:buNone/>
+            </a:pPr>
+            <a:r>
+              <a:rPr lang="zh-TW" sz="1200"/>
+              <a:t>驗證碼</a:t>
+            </a:r>
+            <a:endParaRPr sz="1200"/>
+          </a:p>
+        </p:txBody>
+      </p:sp>
+      <p:pic>
+        <p:nvPicPr>
+          <p:cNvPr id="652" name="Google Shape;652;p49"/>
+          <p:cNvPicPr preferRelativeResize="0"/>
+          <p:nvPr/>
+        </p:nvPicPr>
+        <p:blipFill rotWithShape="1">
+          <a:blip r:embed="rId3">
+            <a:alphaModFix/>
+          </a:blip>
+          <a:srcRect l="6323" t="37044" b="51227"/>
+          <a:stretch/>
+        </p:blipFill>
+        <p:spPr>
+          <a:xfrm>
+            <a:off x="1797838" y="1134025"/>
+            <a:ext cx="5548426" cy="656175"/>
+          </a:xfrm>
+          <a:prstGeom prst="rect">
+            <a:avLst/>
+          </a:prstGeom>
+          <a:noFill/>
+          <a:ln>
+            <a:noFill/>
+          </a:ln>
+        </p:spPr>
+      </p:pic>
+      <p:pic>
+        <p:nvPicPr>
+          <p:cNvPr id="653" name="Google Shape;653;p49"/>
+          <p:cNvPicPr preferRelativeResize="0"/>
+          <p:nvPr/>
+        </p:nvPicPr>
+        <p:blipFill rotWithShape="1">
+          <a:blip r:embed="rId3">
+            <a:alphaModFix/>
+          </a:blip>
+          <a:srcRect l="6323" t="55146" b="33126"/>
+          <a:stretch/>
+        </p:blipFill>
+        <p:spPr>
+          <a:xfrm>
+            <a:off x="1797825" y="2159501"/>
+            <a:ext cx="5548426" cy="656175"/>
+          </a:xfrm>
+          <a:prstGeom prst="rect">
+            <a:avLst/>
+          </a:prstGeom>
+          <a:noFill/>
+          <a:ln>
+            <a:noFill/>
+          </a:ln>
+        </p:spPr>
+      </p:pic>
+      <p:pic>
+        <p:nvPicPr>
+          <p:cNvPr id="654" name="Google Shape;654;p49"/>
+          <p:cNvPicPr preferRelativeResize="0"/>
+          <p:nvPr/>
+        </p:nvPicPr>
+        <p:blipFill rotWithShape="1">
+          <a:blip r:embed="rId3">
+            <a:alphaModFix/>
+          </a:blip>
+          <a:srcRect l="6323" t="84979"/>
+          <a:stretch/>
+        </p:blipFill>
+        <p:spPr>
+          <a:xfrm>
+            <a:off x="1797850" y="3776862"/>
+            <a:ext cx="5548426" cy="840400"/>
+          </a:xfrm>
+          <a:prstGeom prst="rect">
+            <a:avLst/>
+          </a:prstGeom>
+          <a:noFill/>
+          <a:ln>
+            <a:noFill/>
+          </a:ln>
+        </p:spPr>
+      </p:pic>
+      <p:sp>
+        <p:nvSpPr>
+          <p:cNvPr id="655" name="Google Shape;655;p49"/>
+          <p:cNvSpPr txBox="1"/>
+          <p:nvPr/>
+        </p:nvSpPr>
+        <p:spPr>
+          <a:xfrm>
+            <a:off x="1797850" y="3447450"/>
+            <a:ext cx="3000000" cy="367500"/>
+          </a:xfrm>
+          <a:prstGeom prst="rect">
+            <a:avLst/>
+          </a:prstGeom>
+          <a:noFill/>
+          <a:ln>
+            <a:noFill/>
+          </a:ln>
+        </p:spPr>
+        <p:txBody>
+          <a:bodyPr spcFirstLastPara="1" wrap="square" lIns="91425" tIns="91425" rIns="91425" bIns="91425" anchor="t" anchorCtr="0">
+            <a:spAutoFit/>
+          </a:bodyPr>
+          <a:lstStyle/>
+          <a:p>
+            <a:pPr marL="0" lvl="0" indent="0" algn="l" rtl="0">
+              <a:spcBef>
+                <a:spcPts val="0"/>
+              </a:spcBef>
+              <a:spcAft>
+                <a:spcPts val="0"/>
+              </a:spcAft>
+              <a:buNone/>
+            </a:pPr>
+            <a:r>
+              <a:rPr lang="zh-TW" sz="1200"/>
+              <a:t>建立主視窗</a:t>
+            </a:r>
+            <a:endParaRPr sz="1200"/>
+          </a:p>
+        </p:txBody>
+      </p:sp>
+      <p:pic>
+        <p:nvPicPr>
+          <p:cNvPr id="656" name="Google Shape;656;p49"/>
+          <p:cNvPicPr preferRelativeResize="0"/>
+          <p:nvPr/>
+        </p:nvPicPr>
+        <p:blipFill rotWithShape="1">
+          <a:blip r:embed="rId3">
+            <a:alphaModFix/>
+          </a:blip>
+          <a:srcRect l="6323" t="74195" b="21454"/>
+          <a:stretch/>
+        </p:blipFill>
+        <p:spPr>
+          <a:xfrm>
+            <a:off x="1797850" y="3219737"/>
+            <a:ext cx="5548426" cy="243401"/>
+          </a:xfrm>
+          <a:prstGeom prst="rect">
+            <a:avLst/>
+          </a:prstGeom>
+          <a:noFill/>
+          <a:ln>
+            <a:noFill/>
+          </a:ln>
+        </p:spPr>
+      </p:pic>
+      <p:sp>
+        <p:nvSpPr>
+          <p:cNvPr id="657" name="Google Shape;657;p49"/>
+          <p:cNvSpPr txBox="1"/>
+          <p:nvPr/>
+        </p:nvSpPr>
+        <p:spPr>
+          <a:xfrm>
+            <a:off x="1797850" y="2815675"/>
+            <a:ext cx="3000000" cy="367500"/>
+          </a:xfrm>
+          <a:prstGeom prst="rect">
+            <a:avLst/>
+          </a:prstGeom>
+          <a:noFill/>
+          <a:ln>
+            <a:noFill/>
+          </a:ln>
+        </p:spPr>
+        <p:txBody>
+          <a:bodyPr spcFirstLastPara="1" wrap="square" lIns="91425" tIns="91425" rIns="91425" bIns="91425" anchor="t" anchorCtr="0">
+            <a:spAutoFit/>
+          </a:bodyPr>
+          <a:lstStyle/>
+          <a:p>
+            <a:pPr marL="0" lvl="0" indent="0" algn="l" rtl="0">
+              <a:spcBef>
+                <a:spcPts val="0"/>
+              </a:spcBef>
+              <a:spcAft>
+                <a:spcPts val="0"/>
+              </a:spcAft>
+              <a:buNone/>
+            </a:pPr>
+            <a:r>
+              <a:rPr lang="zh-TW" sz="1200"/>
+              <a:t>解析驗證碼結果</a:t>
+            </a:r>
+            <a:endParaRPr sz="1200"/>
+          </a:p>
+        </p:txBody>
+      </p:sp>
+    </p:spTree>
+  </p:cSld>
+  <p:clrMapOvr>
+    <a:masterClrMapping/>
+  </p:clrMapOvr>
+</p:sld>
+</file>
+
+<file path=ppt/slides/slide17.xml><?xml version="1.0" encoding="utf-8"?>
+<p:sld xmlns:a="http://schemas.openxmlformats.org/drawingml/2006/main" xmlns:r="http://schemas.openxmlformats.org/officeDocument/2006/relationships" xmlns:p="http://schemas.openxmlformats.org/presentationml/2006/main">
+  <p:cSld>
+    <p:spTree>
+      <p:nvGrpSpPr>
+        <p:cNvPr id="1" name="Shape 661"/>
+        <p:cNvGrpSpPr/>
+        <p:nvPr/>
+      </p:nvGrpSpPr>
+      <p:grpSpPr>
+        <a:xfrm>
+          <a:off x="0" y="0"/>
+          <a:ext cx="0" cy="0"/>
+          <a:chOff x="0" y="0"/>
+          <a:chExt cx="0" cy="0"/>
+        </a:xfrm>
+      </p:grpSpPr>
+      <p:sp>
+        <p:nvSpPr>
+          <p:cNvPr id="662" name="Google Shape;662;p50"/>
+          <p:cNvSpPr/>
+          <p:nvPr/>
+        </p:nvSpPr>
+        <p:spPr>
+          <a:xfrm>
+            <a:off x="7746400" y="1066450"/>
+            <a:ext cx="457208" cy="164590"/>
+          </a:xfrm>
+          <a:custGeom>
+            <a:avLst/>
+            <a:gdLst/>
+            <a:ahLst/>
+            <a:cxnLst/>
+            <a:rect l="l" t="t" r="r" b="b"/>
+            <a:pathLst>
+              <a:path w="7903" h="3025" extrusionOk="0">
+                <a:moveTo>
+                  <a:pt x="2025" y="2829"/>
+                </a:moveTo>
+                <a:cubicBezTo>
+                  <a:pt x="1829" y="3024"/>
+                  <a:pt x="1537" y="2732"/>
+                  <a:pt x="1732" y="2537"/>
+                </a:cubicBezTo>
+                <a:lnTo>
+                  <a:pt x="2756" y="1537"/>
+                </a:lnTo>
+                <a:lnTo>
+                  <a:pt x="1732" y="512"/>
+                </a:lnTo>
+                <a:cubicBezTo>
+                  <a:pt x="1537" y="317"/>
+                  <a:pt x="1829" y="49"/>
+                  <a:pt x="2025" y="220"/>
+                </a:cubicBezTo>
+                <a:lnTo>
+                  <a:pt x="3171" y="1390"/>
+                </a:lnTo>
+                <a:cubicBezTo>
+                  <a:pt x="3244" y="1463"/>
+                  <a:pt x="3244" y="1585"/>
+                  <a:pt x="3171" y="1683"/>
+                </a:cubicBezTo>
+                <a:close/>
+                <a:moveTo>
+                  <a:pt x="195" y="512"/>
+                </a:moveTo>
+                <a:lnTo>
+                  <a:pt x="1195" y="1512"/>
+                </a:lnTo>
+                <a:lnTo>
+                  <a:pt x="195" y="2537"/>
+                </a:lnTo>
+                <a:cubicBezTo>
+                  <a:pt x="0" y="2732"/>
+                  <a:pt x="269" y="3000"/>
+                  <a:pt x="464" y="2805"/>
+                </a:cubicBezTo>
+                <a:lnTo>
+                  <a:pt x="1610" y="1659"/>
+                </a:lnTo>
+                <a:cubicBezTo>
+                  <a:pt x="1708" y="1585"/>
+                  <a:pt x="1708" y="1463"/>
+                  <a:pt x="1610" y="1366"/>
+                </a:cubicBezTo>
+                <a:lnTo>
+                  <a:pt x="464" y="220"/>
+                </a:lnTo>
+                <a:cubicBezTo>
+                  <a:pt x="269" y="25"/>
+                  <a:pt x="0" y="317"/>
+                  <a:pt x="195" y="512"/>
+                </a:cubicBezTo>
+                <a:close/>
+                <a:moveTo>
+                  <a:pt x="6659" y="2829"/>
+                </a:moveTo>
+                <a:cubicBezTo>
+                  <a:pt x="6464" y="3024"/>
+                  <a:pt x="6195" y="2732"/>
+                  <a:pt x="6366" y="2537"/>
+                </a:cubicBezTo>
+                <a:lnTo>
+                  <a:pt x="7390" y="1537"/>
+                </a:lnTo>
+                <a:lnTo>
+                  <a:pt x="6366" y="512"/>
+                </a:lnTo>
+                <a:cubicBezTo>
+                  <a:pt x="6195" y="317"/>
+                  <a:pt x="6464" y="49"/>
+                  <a:pt x="6659" y="220"/>
+                </a:cubicBezTo>
+                <a:lnTo>
+                  <a:pt x="7805" y="1390"/>
+                </a:lnTo>
+                <a:cubicBezTo>
+                  <a:pt x="7903" y="1463"/>
+                  <a:pt x="7903" y="1585"/>
+                  <a:pt x="7805" y="1683"/>
+                </a:cubicBezTo>
+                <a:close/>
+                <a:moveTo>
+                  <a:pt x="5122" y="2829"/>
+                </a:moveTo>
+                <a:lnTo>
+                  <a:pt x="6268" y="1683"/>
+                </a:lnTo>
+                <a:cubicBezTo>
+                  <a:pt x="6342" y="1585"/>
+                  <a:pt x="6342" y="1463"/>
+                  <a:pt x="6268" y="1390"/>
+                </a:cubicBezTo>
+                <a:lnTo>
+                  <a:pt x="5122" y="220"/>
+                </a:lnTo>
+                <a:cubicBezTo>
+                  <a:pt x="4927" y="73"/>
+                  <a:pt x="4659" y="317"/>
+                  <a:pt x="4829" y="512"/>
+                </a:cubicBezTo>
+                <a:lnTo>
+                  <a:pt x="5854" y="1537"/>
+                </a:lnTo>
+                <a:lnTo>
+                  <a:pt x="4829" y="2537"/>
+                </a:lnTo>
+                <a:cubicBezTo>
+                  <a:pt x="4634" y="2732"/>
+                  <a:pt x="4927" y="3024"/>
+                  <a:pt x="5122" y="2829"/>
+                </a:cubicBezTo>
+                <a:close/>
+                <a:moveTo>
+                  <a:pt x="3561" y="2829"/>
+                </a:moveTo>
+                <a:lnTo>
+                  <a:pt x="4707" y="1683"/>
+                </a:lnTo>
+                <a:cubicBezTo>
+                  <a:pt x="4805" y="1585"/>
+                  <a:pt x="4805" y="1463"/>
+                  <a:pt x="4707" y="1390"/>
+                </a:cubicBezTo>
+                <a:lnTo>
+                  <a:pt x="3561" y="220"/>
+                </a:lnTo>
+                <a:cubicBezTo>
+                  <a:pt x="3366" y="0"/>
+                  <a:pt x="3049" y="317"/>
+                  <a:pt x="3268" y="512"/>
+                </a:cubicBezTo>
+                <a:lnTo>
+                  <a:pt x="4293" y="1537"/>
+                </a:lnTo>
+                <a:lnTo>
+                  <a:pt x="3268" y="2537"/>
+                </a:lnTo>
+                <a:cubicBezTo>
+                  <a:pt x="3098" y="2732"/>
+                  <a:pt x="3366" y="3024"/>
+                  <a:pt x="3561" y="2829"/>
+                </a:cubicBezTo>
+                <a:close/>
+              </a:path>
+            </a:pathLst>
+          </a:custGeom>
+          <a:solidFill>
+            <a:schemeClr val="dk1"/>
+          </a:solidFill>
+          <a:ln>
+            <a:noFill/>
+          </a:ln>
+        </p:spPr>
+        <p:txBody>
+          <a:bodyPr spcFirstLastPara="1" wrap="square" lIns="91425" tIns="91425" rIns="91425" bIns="91425" anchor="ctr" anchorCtr="0">
+            <a:noAutofit/>
+          </a:bodyPr>
+          <a:lstStyle/>
+          <a:p>
+            <a:pPr marL="0" lvl="0" indent="0" algn="l" rtl="0">
+              <a:spcBef>
+                <a:spcPts val="0"/>
+              </a:spcBef>
+              <a:spcAft>
+                <a:spcPts val="0"/>
+              </a:spcAft>
+              <a:buNone/>
+            </a:pPr>
+            <a:endParaRPr/>
+          </a:p>
+        </p:txBody>
+      </p:sp>
+      <p:sp>
+        <p:nvSpPr>
+          <p:cNvPr id="663" name="Google Shape;663;p50"/>
+          <p:cNvSpPr/>
+          <p:nvPr/>
+        </p:nvSpPr>
+        <p:spPr>
+          <a:xfrm>
+            <a:off x="7971832" y="917810"/>
+            <a:ext cx="457196" cy="57149"/>
+          </a:xfrm>
+          <a:custGeom>
+            <a:avLst/>
+            <a:gdLst/>
+            <a:ahLst/>
+            <a:cxnLst/>
+            <a:rect l="l" t="t" r="r" b="b"/>
+            <a:pathLst>
+              <a:path w="11732" h="1391" extrusionOk="0">
+                <a:moveTo>
+                  <a:pt x="11488" y="854"/>
+                </a:moveTo>
+                <a:cubicBezTo>
+                  <a:pt x="11708" y="878"/>
+                  <a:pt x="11732" y="1220"/>
+                  <a:pt x="11488" y="1244"/>
+                </a:cubicBezTo>
+                <a:cubicBezTo>
+                  <a:pt x="11220" y="1244"/>
+                  <a:pt x="10952" y="1098"/>
+                  <a:pt x="10805" y="854"/>
+                </a:cubicBezTo>
+                <a:cubicBezTo>
+                  <a:pt x="10683" y="708"/>
+                  <a:pt x="10561" y="537"/>
+                  <a:pt x="10366" y="537"/>
+                </a:cubicBezTo>
+                <a:cubicBezTo>
+                  <a:pt x="10171" y="537"/>
+                  <a:pt x="10049" y="683"/>
+                  <a:pt x="9927" y="854"/>
+                </a:cubicBezTo>
+                <a:cubicBezTo>
+                  <a:pt x="9781" y="1098"/>
+                  <a:pt x="9513" y="1244"/>
+                  <a:pt x="9244" y="1244"/>
+                </a:cubicBezTo>
+                <a:cubicBezTo>
+                  <a:pt x="8952" y="1244"/>
+                  <a:pt x="8708" y="1098"/>
+                  <a:pt x="8561" y="854"/>
+                </a:cubicBezTo>
+                <a:cubicBezTo>
+                  <a:pt x="8439" y="708"/>
+                  <a:pt x="8293" y="537"/>
+                  <a:pt x="8122" y="537"/>
+                </a:cubicBezTo>
+                <a:cubicBezTo>
+                  <a:pt x="7927" y="537"/>
+                  <a:pt x="7805" y="683"/>
+                  <a:pt x="7683" y="854"/>
+                </a:cubicBezTo>
+                <a:cubicBezTo>
+                  <a:pt x="7537" y="1098"/>
+                  <a:pt x="7269" y="1244"/>
+                  <a:pt x="6976" y="1244"/>
+                </a:cubicBezTo>
+                <a:cubicBezTo>
+                  <a:pt x="6708" y="1244"/>
+                  <a:pt x="6439" y="1098"/>
+                  <a:pt x="6293" y="854"/>
+                </a:cubicBezTo>
+                <a:cubicBezTo>
+                  <a:pt x="6171" y="708"/>
+                  <a:pt x="6049" y="537"/>
+                  <a:pt x="5854" y="537"/>
+                </a:cubicBezTo>
+                <a:cubicBezTo>
+                  <a:pt x="5683" y="537"/>
+                  <a:pt x="5561" y="683"/>
+                  <a:pt x="5415" y="854"/>
+                </a:cubicBezTo>
+                <a:cubicBezTo>
+                  <a:pt x="5122" y="1391"/>
+                  <a:pt x="4342" y="1391"/>
+                  <a:pt x="4049" y="854"/>
+                </a:cubicBezTo>
+                <a:cubicBezTo>
+                  <a:pt x="3927" y="708"/>
+                  <a:pt x="3805" y="537"/>
+                  <a:pt x="3610" y="537"/>
+                </a:cubicBezTo>
+                <a:cubicBezTo>
+                  <a:pt x="3415" y="537"/>
+                  <a:pt x="3318" y="683"/>
+                  <a:pt x="3171" y="854"/>
+                </a:cubicBezTo>
+                <a:cubicBezTo>
+                  <a:pt x="2879" y="1391"/>
+                  <a:pt x="2098" y="1391"/>
+                  <a:pt x="1805" y="854"/>
+                </a:cubicBezTo>
+                <a:cubicBezTo>
+                  <a:pt x="1683" y="708"/>
+                  <a:pt x="1561" y="537"/>
+                  <a:pt x="1366" y="537"/>
+                </a:cubicBezTo>
+                <a:cubicBezTo>
+                  <a:pt x="1171" y="537"/>
+                  <a:pt x="1074" y="683"/>
+                  <a:pt x="927" y="854"/>
+                </a:cubicBezTo>
+                <a:cubicBezTo>
+                  <a:pt x="781" y="1098"/>
+                  <a:pt x="513" y="1244"/>
+                  <a:pt x="244" y="1244"/>
+                </a:cubicBezTo>
+                <a:cubicBezTo>
+                  <a:pt x="1" y="1220"/>
+                  <a:pt x="1" y="878"/>
+                  <a:pt x="244" y="854"/>
+                </a:cubicBezTo>
+                <a:cubicBezTo>
+                  <a:pt x="391" y="854"/>
+                  <a:pt x="513" y="732"/>
+                  <a:pt x="635" y="586"/>
+                </a:cubicBezTo>
+                <a:cubicBezTo>
+                  <a:pt x="781" y="317"/>
+                  <a:pt x="1074" y="171"/>
+                  <a:pt x="1366" y="147"/>
+                </a:cubicBezTo>
+                <a:cubicBezTo>
+                  <a:pt x="1659" y="171"/>
+                  <a:pt x="1952" y="317"/>
+                  <a:pt x="2098" y="586"/>
+                </a:cubicBezTo>
+                <a:cubicBezTo>
+                  <a:pt x="2220" y="732"/>
+                  <a:pt x="2342" y="854"/>
+                  <a:pt x="2488" y="854"/>
+                </a:cubicBezTo>
+                <a:lnTo>
+                  <a:pt x="2488" y="854"/>
+                </a:lnTo>
+                <a:cubicBezTo>
+                  <a:pt x="2635" y="854"/>
+                  <a:pt x="2757" y="732"/>
+                  <a:pt x="2879" y="586"/>
+                </a:cubicBezTo>
+                <a:cubicBezTo>
+                  <a:pt x="3196" y="0"/>
+                  <a:pt x="4025" y="0"/>
+                  <a:pt x="4342" y="586"/>
+                </a:cubicBezTo>
+                <a:cubicBezTo>
+                  <a:pt x="4464" y="732"/>
+                  <a:pt x="4586" y="854"/>
+                  <a:pt x="4732" y="854"/>
+                </a:cubicBezTo>
+                <a:lnTo>
+                  <a:pt x="4781" y="854"/>
+                </a:lnTo>
+                <a:cubicBezTo>
+                  <a:pt x="4927" y="854"/>
+                  <a:pt x="5025" y="732"/>
+                  <a:pt x="5147" y="586"/>
+                </a:cubicBezTo>
+                <a:cubicBezTo>
+                  <a:pt x="5318" y="317"/>
+                  <a:pt x="5586" y="171"/>
+                  <a:pt x="5878" y="147"/>
+                </a:cubicBezTo>
+                <a:cubicBezTo>
+                  <a:pt x="6196" y="171"/>
+                  <a:pt x="6464" y="317"/>
+                  <a:pt x="6635" y="586"/>
+                </a:cubicBezTo>
+                <a:cubicBezTo>
+                  <a:pt x="6757" y="732"/>
+                  <a:pt x="6854" y="854"/>
+                  <a:pt x="7000" y="854"/>
+                </a:cubicBezTo>
+                <a:lnTo>
+                  <a:pt x="7025" y="854"/>
+                </a:lnTo>
+                <a:cubicBezTo>
+                  <a:pt x="7171" y="854"/>
+                  <a:pt x="7293" y="732"/>
+                  <a:pt x="7391" y="586"/>
+                </a:cubicBezTo>
+                <a:cubicBezTo>
+                  <a:pt x="7708" y="0"/>
+                  <a:pt x="8561" y="0"/>
+                  <a:pt x="8878" y="586"/>
+                </a:cubicBezTo>
+                <a:cubicBezTo>
+                  <a:pt x="9000" y="732"/>
+                  <a:pt x="9098" y="854"/>
+                  <a:pt x="9244" y="854"/>
+                </a:cubicBezTo>
+                <a:lnTo>
+                  <a:pt x="9269" y="854"/>
+                </a:lnTo>
+                <a:cubicBezTo>
+                  <a:pt x="9415" y="854"/>
+                  <a:pt x="9537" y="732"/>
+                  <a:pt x="9659" y="586"/>
+                </a:cubicBezTo>
+                <a:cubicBezTo>
+                  <a:pt x="9805" y="317"/>
+                  <a:pt x="10074" y="171"/>
+                  <a:pt x="10391" y="147"/>
+                </a:cubicBezTo>
+                <a:cubicBezTo>
+                  <a:pt x="10683" y="171"/>
+                  <a:pt x="10976" y="317"/>
+                  <a:pt x="11122" y="586"/>
+                </a:cubicBezTo>
+                <a:cubicBezTo>
+                  <a:pt x="11244" y="732"/>
+                  <a:pt x="11342" y="854"/>
+                  <a:pt x="11488" y="854"/>
+                </a:cubicBezTo>
+                <a:close/>
+              </a:path>
+            </a:pathLst>
+          </a:custGeom>
+          <a:solidFill>
+            <a:schemeClr val="dk1"/>
+          </a:solidFill>
+          <a:ln>
+            <a:noFill/>
+          </a:ln>
+        </p:spPr>
+        <p:txBody>
+          <a:bodyPr spcFirstLastPara="1" wrap="square" lIns="91425" tIns="91425" rIns="91425" bIns="91425" anchor="ctr" anchorCtr="0">
+            <a:noAutofit/>
+          </a:bodyPr>
+          <a:lstStyle/>
+          <a:p>
+            <a:pPr marL="0" lvl="0" indent="0" algn="l" rtl="0">
+              <a:spcBef>
+                <a:spcPts val="0"/>
+              </a:spcBef>
+              <a:spcAft>
+                <a:spcPts val="0"/>
+              </a:spcAft>
+              <a:buNone/>
+            </a:pPr>
+            <a:endParaRPr/>
+          </a:p>
+        </p:txBody>
+      </p:sp>
+      <p:sp>
+        <p:nvSpPr>
+          <p:cNvPr id="664" name="Google Shape;664;p50"/>
+          <p:cNvSpPr/>
+          <p:nvPr/>
+        </p:nvSpPr>
+        <p:spPr>
+          <a:xfrm>
+            <a:off x="715100" y="1357700"/>
+            <a:ext cx="457207" cy="59636"/>
+          </a:xfrm>
+          <a:custGeom>
+            <a:avLst/>
+            <a:gdLst/>
+            <a:ahLst/>
+            <a:cxnLst/>
+            <a:rect l="l" t="t" r="r" b="b"/>
+            <a:pathLst>
+              <a:path w="8294" h="952" extrusionOk="0">
+                <a:moveTo>
+                  <a:pt x="415" y="0"/>
+                </a:moveTo>
+                <a:cubicBezTo>
+                  <a:pt x="757" y="0"/>
+                  <a:pt x="952" y="439"/>
+                  <a:pt x="708" y="683"/>
+                </a:cubicBezTo>
+                <a:cubicBezTo>
+                  <a:pt x="440" y="951"/>
+                  <a:pt x="1" y="756"/>
+                  <a:pt x="25" y="390"/>
+                </a:cubicBezTo>
+                <a:cubicBezTo>
+                  <a:pt x="25" y="171"/>
+                  <a:pt x="196" y="0"/>
+                  <a:pt x="415" y="0"/>
+                </a:cubicBezTo>
+                <a:close/>
+                <a:moveTo>
+                  <a:pt x="7757" y="0"/>
+                </a:moveTo>
+                <a:cubicBezTo>
+                  <a:pt x="8123" y="0"/>
+                  <a:pt x="8293" y="439"/>
+                  <a:pt x="8025" y="683"/>
+                </a:cubicBezTo>
+                <a:cubicBezTo>
+                  <a:pt x="7781" y="951"/>
+                  <a:pt x="7342" y="756"/>
+                  <a:pt x="7342" y="415"/>
+                </a:cubicBezTo>
+                <a:cubicBezTo>
+                  <a:pt x="7342" y="195"/>
+                  <a:pt x="7537" y="0"/>
+                  <a:pt x="7757" y="0"/>
+                </a:cubicBezTo>
+                <a:close/>
+                <a:moveTo>
+                  <a:pt x="5928" y="0"/>
+                </a:moveTo>
+                <a:cubicBezTo>
+                  <a:pt x="6293" y="24"/>
+                  <a:pt x="6440" y="463"/>
+                  <a:pt x="6171" y="707"/>
+                </a:cubicBezTo>
+                <a:cubicBezTo>
+                  <a:pt x="5903" y="951"/>
+                  <a:pt x="5488" y="756"/>
+                  <a:pt x="5513" y="390"/>
+                </a:cubicBezTo>
+                <a:cubicBezTo>
+                  <a:pt x="5513" y="171"/>
+                  <a:pt x="5684" y="0"/>
+                  <a:pt x="5903" y="0"/>
+                </a:cubicBezTo>
+                <a:close/>
+                <a:moveTo>
+                  <a:pt x="4098" y="0"/>
+                </a:moveTo>
+                <a:cubicBezTo>
+                  <a:pt x="4464" y="24"/>
+                  <a:pt x="4610" y="463"/>
+                  <a:pt x="4342" y="707"/>
+                </a:cubicBezTo>
+                <a:cubicBezTo>
+                  <a:pt x="4074" y="951"/>
+                  <a:pt x="3659" y="756"/>
+                  <a:pt x="3684" y="390"/>
+                </a:cubicBezTo>
+                <a:cubicBezTo>
+                  <a:pt x="3684" y="171"/>
+                  <a:pt x="3854" y="0"/>
+                  <a:pt x="4074" y="0"/>
+                </a:cubicBezTo>
+                <a:close/>
+                <a:moveTo>
+                  <a:pt x="2269" y="0"/>
+                </a:moveTo>
+                <a:cubicBezTo>
+                  <a:pt x="2635" y="24"/>
+                  <a:pt x="2781" y="463"/>
+                  <a:pt x="2513" y="707"/>
+                </a:cubicBezTo>
+                <a:cubicBezTo>
+                  <a:pt x="2245" y="951"/>
+                  <a:pt x="1830" y="756"/>
+                  <a:pt x="1854" y="390"/>
+                </a:cubicBezTo>
+                <a:cubicBezTo>
+                  <a:pt x="1854" y="171"/>
+                  <a:pt x="2025" y="0"/>
+                  <a:pt x="2245" y="0"/>
+                </a:cubicBezTo>
+                <a:close/>
+              </a:path>
+            </a:pathLst>
+          </a:custGeom>
+          <a:solidFill>
+            <a:schemeClr val="dk1"/>
+          </a:solidFill>
+          <a:ln>
+            <a:noFill/>
+          </a:ln>
+        </p:spPr>
+        <p:txBody>
+          <a:bodyPr spcFirstLastPara="1" wrap="square" lIns="91425" tIns="91425" rIns="91425" bIns="91425" anchor="ctr" anchorCtr="0">
+            <a:noAutofit/>
+          </a:bodyPr>
+          <a:lstStyle/>
+          <a:p>
+            <a:pPr marL="0" lvl="0" indent="0" algn="l" rtl="0">
+              <a:spcBef>
+                <a:spcPts val="0"/>
+              </a:spcBef>
+              <a:spcAft>
+                <a:spcPts val="0"/>
+              </a:spcAft>
+              <a:buNone/>
+            </a:pPr>
+            <a:endParaRPr/>
+          </a:p>
+        </p:txBody>
+      </p:sp>
+      <p:sp>
+        <p:nvSpPr>
+          <p:cNvPr id="665" name="Google Shape;665;p50"/>
+          <p:cNvSpPr txBox="1"/>
+          <p:nvPr/>
+        </p:nvSpPr>
+        <p:spPr>
+          <a:xfrm>
+            <a:off x="751650" y="882775"/>
+            <a:ext cx="1704000" cy="363300"/>
+          </a:xfrm>
+          <a:prstGeom prst="rect">
+            <a:avLst/>
+          </a:prstGeom>
+          <a:noFill/>
+          <a:ln>
+            <a:noFill/>
+          </a:ln>
+        </p:spPr>
+        <p:txBody>
+          <a:bodyPr spcFirstLastPara="1" wrap="square" lIns="91425" tIns="91425" rIns="91425" bIns="91425" anchor="t" anchorCtr="0">
+            <a:noAutofit/>
+          </a:bodyPr>
+          <a:lstStyle/>
+          <a:p>
+            <a:pPr marL="0" lvl="0" indent="0" algn="l" rtl="0">
+              <a:spcBef>
+                <a:spcPts val="0"/>
+              </a:spcBef>
+              <a:spcAft>
+                <a:spcPts val="0"/>
+              </a:spcAft>
+              <a:buNone/>
+            </a:pPr>
+            <a:r>
+              <a:rPr lang="zh-TW" dirty="0">
+                <a:solidFill>
+                  <a:schemeClr val="dk1"/>
+                </a:solidFill>
+                <a:latin typeface="Karla"/>
+                <a:ea typeface="Karla"/>
+                <a:cs typeface="Karla"/>
+                <a:sym typeface="Karla"/>
+              </a:rPr>
+              <a:t>GUI.PY</a:t>
+            </a:r>
+            <a:endParaRPr dirty="0">
+              <a:solidFill>
+                <a:schemeClr val="dk1"/>
+              </a:solidFill>
+              <a:latin typeface="Karla"/>
+              <a:ea typeface="Karla"/>
+              <a:cs typeface="Karla"/>
+              <a:sym typeface="Karla"/>
+            </a:endParaRPr>
+          </a:p>
+        </p:txBody>
+      </p:sp>
+      <p:pic>
+        <p:nvPicPr>
+          <p:cNvPr id="666" name="Google Shape;666;p50"/>
+          <p:cNvPicPr preferRelativeResize="0"/>
+          <p:nvPr/>
+        </p:nvPicPr>
+        <p:blipFill rotWithShape="1">
+          <a:blip r:embed="rId3">
+            <a:alphaModFix/>
+          </a:blip>
+          <a:srcRect l="8359" t="4250" r="6162" b="86286"/>
+          <a:stretch/>
+        </p:blipFill>
+        <p:spPr>
+          <a:xfrm>
+            <a:off x="1797888" y="1022826"/>
+            <a:ext cx="5548425" cy="408300"/>
+          </a:xfrm>
+          <a:prstGeom prst="rect">
+            <a:avLst/>
+          </a:prstGeom>
+          <a:noFill/>
+          <a:ln>
+            <a:noFill/>
+          </a:ln>
+        </p:spPr>
+      </p:pic>
+      <p:pic>
+        <p:nvPicPr>
+          <p:cNvPr id="667" name="Google Shape;667;p50"/>
+          <p:cNvPicPr preferRelativeResize="0"/>
+          <p:nvPr/>
+        </p:nvPicPr>
+        <p:blipFill rotWithShape="1">
+          <a:blip r:embed="rId3">
+            <a:alphaModFix/>
+          </a:blip>
+          <a:srcRect l="8357" t="22915" b="57605"/>
+          <a:stretch/>
+        </p:blipFill>
+        <p:spPr>
+          <a:xfrm>
+            <a:off x="1797825" y="1439964"/>
+            <a:ext cx="5548425" cy="783891"/>
+          </a:xfrm>
+          <a:prstGeom prst="rect">
+            <a:avLst/>
+          </a:prstGeom>
+          <a:noFill/>
+          <a:ln>
+            <a:noFill/>
+          </a:ln>
+        </p:spPr>
+      </p:pic>
+      <p:sp>
+        <p:nvSpPr>
+          <p:cNvPr id="668" name="Google Shape;668;p50"/>
+          <p:cNvSpPr txBox="1"/>
+          <p:nvPr/>
+        </p:nvSpPr>
+        <p:spPr>
+          <a:xfrm>
+            <a:off x="1797888" y="683903"/>
+            <a:ext cx="3277500" cy="367500"/>
+          </a:xfrm>
+          <a:prstGeom prst="rect">
+            <a:avLst/>
+          </a:prstGeom>
+          <a:noFill/>
+          <a:ln>
+            <a:noFill/>
+          </a:ln>
+        </p:spPr>
+        <p:txBody>
+          <a:bodyPr spcFirstLastPara="1" wrap="square" lIns="91425" tIns="91425" rIns="91425" bIns="91425" anchor="t" anchorCtr="0">
+            <a:spAutoFit/>
+          </a:bodyPr>
+          <a:lstStyle/>
+          <a:p>
+            <a:pPr marL="0" lvl="0" indent="0" algn="l" rtl="0">
+              <a:spcBef>
+                <a:spcPts val="0"/>
+              </a:spcBef>
+              <a:spcAft>
+                <a:spcPts val="0"/>
+              </a:spcAft>
+              <a:buNone/>
+            </a:pPr>
+            <a:r>
+              <a:rPr lang="zh-TW" sz="1200"/>
+              <a:t>風格設定、</a:t>
+            </a:r>
+            <a:r>
+              <a:rPr lang="zh-TW" sz="1200">
+                <a:solidFill>
+                  <a:schemeClr val="dk1"/>
+                </a:solidFill>
+              </a:rPr>
+              <a:t>建立標籤顯示驗證圖/結果圖</a:t>
+            </a:r>
+            <a:endParaRPr sz="1200"/>
+          </a:p>
+        </p:txBody>
+      </p:sp>
+      <p:pic>
+        <p:nvPicPr>
+          <p:cNvPr id="669" name="Google Shape;669;p50"/>
+          <p:cNvPicPr preferRelativeResize="0"/>
+          <p:nvPr/>
+        </p:nvPicPr>
+        <p:blipFill rotWithShape="1">
+          <a:blip r:embed="rId3">
+            <a:alphaModFix/>
+          </a:blip>
+          <a:srcRect l="8357" t="49895" b="27379"/>
+          <a:stretch/>
+        </p:blipFill>
+        <p:spPr>
+          <a:xfrm>
+            <a:off x="1797800" y="2589366"/>
+            <a:ext cx="5548425" cy="914538"/>
+          </a:xfrm>
+          <a:prstGeom prst="rect">
+            <a:avLst/>
+          </a:prstGeom>
+          <a:noFill/>
+          <a:ln>
+            <a:noFill/>
+          </a:ln>
+        </p:spPr>
+      </p:pic>
+      <p:pic>
+        <p:nvPicPr>
+          <p:cNvPr id="670" name="Google Shape;670;p50"/>
+          <p:cNvPicPr preferRelativeResize="0"/>
+          <p:nvPr/>
+        </p:nvPicPr>
+        <p:blipFill rotWithShape="1">
+          <a:blip r:embed="rId3">
+            <a:alphaModFix/>
+          </a:blip>
+          <a:srcRect l="8357" t="81104" b="12583"/>
+          <a:stretch/>
+        </p:blipFill>
+        <p:spPr>
+          <a:xfrm>
+            <a:off x="1797800" y="3869403"/>
+            <a:ext cx="5548425" cy="253999"/>
+          </a:xfrm>
+          <a:prstGeom prst="rect">
+            <a:avLst/>
+          </a:prstGeom>
+          <a:noFill/>
+          <a:ln>
+            <a:noFill/>
+          </a:ln>
+        </p:spPr>
+      </p:pic>
+      <p:pic>
+        <p:nvPicPr>
+          <p:cNvPr id="671" name="Google Shape;671;p50"/>
+          <p:cNvPicPr preferRelativeResize="0"/>
+          <p:nvPr/>
+        </p:nvPicPr>
+        <p:blipFill rotWithShape="1">
+          <a:blip r:embed="rId3">
+            <a:alphaModFix/>
+          </a:blip>
+          <a:srcRect l="8357" t="93688"/>
+          <a:stretch/>
+        </p:blipFill>
+        <p:spPr>
+          <a:xfrm>
+            <a:off x="1797863" y="4488904"/>
+            <a:ext cx="5548425" cy="253999"/>
+          </a:xfrm>
+          <a:prstGeom prst="rect">
+            <a:avLst/>
+          </a:prstGeom>
+          <a:noFill/>
+          <a:ln>
+            <a:noFill/>
+          </a:ln>
+        </p:spPr>
+      </p:pic>
+      <p:sp>
+        <p:nvSpPr>
+          <p:cNvPr id="672" name="Google Shape;672;p50"/>
+          <p:cNvSpPr txBox="1"/>
+          <p:nvPr/>
+        </p:nvSpPr>
+        <p:spPr>
+          <a:xfrm>
+            <a:off x="1797875" y="2238478"/>
+            <a:ext cx="3000000" cy="367500"/>
+          </a:xfrm>
+          <a:prstGeom prst="rect">
+            <a:avLst/>
+          </a:prstGeom>
+          <a:noFill/>
+          <a:ln>
+            <a:noFill/>
+          </a:ln>
+        </p:spPr>
+        <p:txBody>
+          <a:bodyPr spcFirstLastPara="1" wrap="square" lIns="91425" tIns="91425" rIns="91425" bIns="91425" anchor="t" anchorCtr="0">
+            <a:spAutoFit/>
+          </a:bodyPr>
+          <a:lstStyle/>
+          <a:p>
+            <a:pPr marL="0" lvl="0" indent="0" algn="l" rtl="0">
+              <a:spcBef>
+                <a:spcPts val="0"/>
+              </a:spcBef>
+              <a:spcAft>
+                <a:spcPts val="0"/>
+              </a:spcAft>
+              <a:buNone/>
+            </a:pPr>
+            <a:r>
+              <a:rPr lang="zh-TW" sz="1200"/>
+              <a:t>建立按鈕控制圖片輸出</a:t>
+            </a:r>
+            <a:endParaRPr sz="1200"/>
+          </a:p>
+        </p:txBody>
+      </p:sp>
+      <p:sp>
+        <p:nvSpPr>
+          <p:cNvPr id="673" name="Google Shape;673;p50"/>
+          <p:cNvSpPr txBox="1"/>
+          <p:nvPr/>
+        </p:nvSpPr>
+        <p:spPr>
+          <a:xfrm>
+            <a:off x="1797875" y="3503903"/>
+            <a:ext cx="3000000" cy="367500"/>
+          </a:xfrm>
+          <a:prstGeom prst="rect">
+            <a:avLst/>
+          </a:prstGeom>
+          <a:noFill/>
+          <a:ln>
+            <a:noFill/>
+          </a:ln>
+        </p:spPr>
+        <p:txBody>
+          <a:bodyPr spcFirstLastPara="1" wrap="square" lIns="91425" tIns="91425" rIns="91425" bIns="91425" anchor="t" anchorCtr="0">
+            <a:spAutoFit/>
+          </a:bodyPr>
+          <a:lstStyle/>
+          <a:p>
+            <a:pPr marL="0" lvl="0" indent="0" algn="l" rtl="0">
+              <a:spcBef>
+                <a:spcPts val="0"/>
+              </a:spcBef>
+              <a:spcAft>
+                <a:spcPts val="0"/>
+              </a:spcAft>
+              <a:buNone/>
+            </a:pPr>
+            <a:r>
+              <a:rPr lang="zh-TW" sz="1200"/>
+              <a:t>分割線</a:t>
+            </a:r>
+            <a:endParaRPr sz="1200"/>
+          </a:p>
+        </p:txBody>
+      </p:sp>
+      <p:sp>
+        <p:nvSpPr>
+          <p:cNvPr id="674" name="Google Shape;674;p50"/>
+          <p:cNvSpPr txBox="1"/>
+          <p:nvPr/>
+        </p:nvSpPr>
+        <p:spPr>
+          <a:xfrm>
+            <a:off x="1797875" y="4123403"/>
+            <a:ext cx="3000000" cy="367500"/>
+          </a:xfrm>
+          <a:prstGeom prst="rect">
+            <a:avLst/>
+          </a:prstGeom>
+          <a:noFill/>
+          <a:ln>
+            <a:noFill/>
+          </a:ln>
+        </p:spPr>
+        <p:txBody>
+          <a:bodyPr spcFirstLastPara="1" wrap="square" lIns="91425" tIns="91425" rIns="91425" bIns="91425" anchor="t" anchorCtr="0">
+            <a:spAutoFit/>
+          </a:bodyPr>
+          <a:lstStyle/>
+          <a:p>
+            <a:pPr marL="0" lvl="0" indent="0" algn="l" rtl="0">
+              <a:spcBef>
+                <a:spcPts val="0"/>
+              </a:spcBef>
+              <a:spcAft>
+                <a:spcPts val="0"/>
+              </a:spcAft>
+              <a:buNone/>
+            </a:pPr>
+            <a:r>
+              <a:rPr lang="zh-TW" sz="1200"/>
+              <a:t>tkinter執行</a:t>
+            </a:r>
+            <a:endParaRPr sz="1200"/>
+          </a:p>
+        </p:txBody>
+      </p:sp>
+    </p:spTree>
+  </p:cSld>
+  <p:clrMapOvr>
+    <a:masterClrMapping/>
+  </p:clrMapOvr>
 </p:sld>
 </file>
 
